--- a/Resources/Presentation.pptx
+++ b/Resources/Presentation.pptx
@@ -5,13 +5,17 @@
     <p:sldMasterId id="2147483738" r:id="rId1"/>
   </p:sldMasterIdLst>
   <p:notesMasterIdLst>
-    <p:notesMasterId r:id="rId6"/>
+    <p:notesMasterId r:id="rId10"/>
   </p:notesMasterIdLst>
   <p:sldIdLst>
     <p:sldId id="259" r:id="rId2"/>
     <p:sldId id="258" r:id="rId3"/>
     <p:sldId id="260" r:id="rId4"/>
     <p:sldId id="261" r:id="rId5"/>
+    <p:sldId id="267" r:id="rId6"/>
+    <p:sldId id="262" r:id="rId7"/>
+    <p:sldId id="266" r:id="rId8"/>
+    <p:sldId id="264" r:id="rId9"/>
   </p:sldIdLst>
   <p:sldSz cx="12192000" cy="6858000"/>
   <p:notesSz cx="6858000" cy="9144000"/>
@@ -111,6 +115,14 @@
     </a:lvl9pPr>
   </p:defaultTextStyle>
 </p:presentation>
+</file>
+
+<file path=ppt/revisionInfo.xml><?xml version="1.0" encoding="utf-8"?>
+<p1510:revInfo xmlns:a="http://schemas.openxmlformats.org/drawingml/2006/main" xmlns:r="http://schemas.openxmlformats.org/officeDocument/2006/relationships" xmlns:p1510="http://schemas.microsoft.com/office/powerpoint/2015/10/main">
+  <p1510:revLst>
+    <p1510:client id="{0B5EA65F-1DAE-6343-A45E-04D3A605A938}" v="26" dt="2021-11-23T17:27:10.348"/>
+  </p1510:revLst>
+</p1510:revInfo>
 </file>
 
 <file path=ppt/notesMasters/notesMaster1.xml><?xml version="1.0" encoding="utf-8"?>
@@ -5666,6 +5678,823 @@
     <p:extLst>
       <p:ext uri="{BB962C8B-B14F-4D97-AF65-F5344CB8AC3E}">
         <p14:creationId xmlns:p14="http://schemas.microsoft.com/office/powerpoint/2010/main" val="2776003245"/>
+      </p:ext>
+    </p:extLst>
+  </p:cSld>
+  <p:clrMapOvr>
+    <a:masterClrMapping/>
+  </p:clrMapOvr>
+</p:sld>
+</file>
+
+<file path=ppt/slides/slide5.xml><?xml version="1.0" encoding="utf-8"?>
+<p:sld xmlns:a="http://schemas.openxmlformats.org/drawingml/2006/main" xmlns:r="http://schemas.openxmlformats.org/officeDocument/2006/relationships" xmlns:p="http://schemas.openxmlformats.org/presentationml/2006/main">
+  <p:cSld>
+    <p:spTree>
+      <p:nvGrpSpPr>
+        <p:cNvPr id="1" name=""/>
+        <p:cNvGrpSpPr/>
+        <p:nvPr/>
+      </p:nvGrpSpPr>
+      <p:grpSpPr>
+        <a:xfrm>
+          <a:off x="0" y="0"/>
+          <a:ext cx="0" cy="0"/>
+          <a:chOff x="0" y="0"/>
+          <a:chExt cx="0" cy="0"/>
+        </a:xfrm>
+      </p:grpSpPr>
+      <p:sp>
+        <p:nvSpPr>
+          <p:cNvPr id="2" name="Title 1">
+            <a:extLst>
+              <a:ext uri="{FF2B5EF4-FFF2-40B4-BE49-F238E27FC236}">
+                <a16:creationId xmlns:a16="http://schemas.microsoft.com/office/drawing/2014/main" id="{FDF32E61-C0B7-B64F-9B90-869FE1ACDC6B}"/>
+              </a:ext>
+            </a:extLst>
+          </p:cNvPr>
+          <p:cNvSpPr>
+            <a:spLocks noGrp="1"/>
+          </p:cNvSpPr>
+          <p:nvPr>
+            <p:ph type="title"/>
+          </p:nvPr>
+        </p:nvSpPr>
+        <p:spPr/>
+        <p:txBody>
+          <a:bodyPr/>
+          <a:lstStyle/>
+          <a:p>
+            <a:endParaRPr lang="en-US"/>
+          </a:p>
+        </p:txBody>
+      </p:sp>
+      <p:sp>
+        <p:nvSpPr>
+          <p:cNvPr id="3" name="Content Placeholder 2">
+            <a:extLst>
+              <a:ext uri="{FF2B5EF4-FFF2-40B4-BE49-F238E27FC236}">
+                <a16:creationId xmlns:a16="http://schemas.microsoft.com/office/drawing/2014/main" id="{9E359C67-F364-9142-A371-1EFC1202FB6A}"/>
+              </a:ext>
+            </a:extLst>
+          </p:cNvPr>
+          <p:cNvSpPr>
+            <a:spLocks noGrp="1"/>
+          </p:cNvSpPr>
+          <p:nvPr>
+            <p:ph idx="1"/>
+          </p:nvPr>
+        </p:nvSpPr>
+        <p:spPr/>
+        <p:txBody>
+          <a:bodyPr/>
+          <a:lstStyle/>
+          <a:p>
+            <a:endParaRPr lang="en-US"/>
+          </a:p>
+        </p:txBody>
+      </p:sp>
+      <p:sp>
+        <p:nvSpPr>
+          <p:cNvPr id="4" name="Footer Placeholder 3">
+            <a:extLst>
+              <a:ext uri="{FF2B5EF4-FFF2-40B4-BE49-F238E27FC236}">
+                <a16:creationId xmlns:a16="http://schemas.microsoft.com/office/drawing/2014/main" id="{0A1648AC-8371-4643-B39C-A1A6F79A8E50}"/>
+              </a:ext>
+            </a:extLst>
+          </p:cNvPr>
+          <p:cNvSpPr>
+            <a:spLocks noGrp="1"/>
+          </p:cNvSpPr>
+          <p:nvPr>
+            <p:ph type="ftr" sz="quarter" idx="11"/>
+          </p:nvPr>
+        </p:nvSpPr>
+        <p:spPr/>
+        <p:txBody>
+          <a:bodyPr/>
+          <a:lstStyle/>
+          <a:p>
+            <a:r>
+              <a:rPr lang="en-US"/>
+              <a:t>Analytics Champs</a:t>
+            </a:r>
+          </a:p>
+        </p:txBody>
+      </p:sp>
+      <p:sp>
+        <p:nvSpPr>
+          <p:cNvPr id="5" name="Slide Number Placeholder 4">
+            <a:extLst>
+              <a:ext uri="{FF2B5EF4-FFF2-40B4-BE49-F238E27FC236}">
+                <a16:creationId xmlns:a16="http://schemas.microsoft.com/office/drawing/2014/main" id="{FE6208E1-50C3-2440-8EE4-8C00D60C3004}"/>
+              </a:ext>
+            </a:extLst>
+          </p:cNvPr>
+          <p:cNvSpPr>
+            <a:spLocks noGrp="1"/>
+          </p:cNvSpPr>
+          <p:nvPr>
+            <p:ph type="sldNum" sz="quarter" idx="12"/>
+          </p:nvPr>
+        </p:nvSpPr>
+        <p:spPr/>
+        <p:txBody>
+          <a:bodyPr/>
+          <a:lstStyle/>
+          <a:p>
+            <a:fld id="{AA7FCCEF-5269-F148-8240-F45095DC20FA}" type="slidenum">
+              <a:rPr lang="en-US" smtClean="0"/>
+              <a:t>5</a:t>
+            </a:fld>
+            <a:endParaRPr lang="en-US"/>
+          </a:p>
+        </p:txBody>
+      </p:sp>
+    </p:spTree>
+    <p:extLst>
+      <p:ext uri="{BB962C8B-B14F-4D97-AF65-F5344CB8AC3E}">
+        <p14:creationId xmlns:p14="http://schemas.microsoft.com/office/powerpoint/2010/main" val="2287438108"/>
+      </p:ext>
+    </p:extLst>
+  </p:cSld>
+  <p:clrMapOvr>
+    <a:masterClrMapping/>
+  </p:clrMapOvr>
+</p:sld>
+</file>
+
+<file path=ppt/slides/slide6.xml><?xml version="1.0" encoding="utf-8"?>
+<p:sld xmlns:a="http://schemas.openxmlformats.org/drawingml/2006/main" xmlns:r="http://schemas.openxmlformats.org/officeDocument/2006/relationships" xmlns:p="http://schemas.openxmlformats.org/presentationml/2006/main">
+  <p:cSld>
+    <p:spTree>
+      <p:nvGrpSpPr>
+        <p:cNvPr id="1" name=""/>
+        <p:cNvGrpSpPr/>
+        <p:nvPr/>
+      </p:nvGrpSpPr>
+      <p:grpSpPr>
+        <a:xfrm>
+          <a:off x="0" y="0"/>
+          <a:ext cx="0" cy="0"/>
+          <a:chOff x="0" y="0"/>
+          <a:chExt cx="0" cy="0"/>
+        </a:xfrm>
+      </p:grpSpPr>
+      <p:sp>
+        <p:nvSpPr>
+          <p:cNvPr id="2" name="Title 1">
+            <a:extLst>
+              <a:ext uri="{FF2B5EF4-FFF2-40B4-BE49-F238E27FC236}">
+                <a16:creationId xmlns:a16="http://schemas.microsoft.com/office/drawing/2014/main" id="{738B2AC0-9949-1E42-8873-7697A8FDE26B}"/>
+              </a:ext>
+            </a:extLst>
+          </p:cNvPr>
+          <p:cNvSpPr>
+            <a:spLocks noGrp="1"/>
+          </p:cNvSpPr>
+          <p:nvPr>
+            <p:ph type="title"/>
+          </p:nvPr>
+        </p:nvSpPr>
+        <p:spPr/>
+        <p:txBody>
+          <a:bodyPr/>
+          <a:lstStyle/>
+          <a:p>
+            <a:r>
+              <a:rPr lang="en-US" dirty="0"/>
+              <a:t>Flask- (Web Component)</a:t>
+            </a:r>
+          </a:p>
+        </p:txBody>
+      </p:sp>
+      <p:pic>
+        <p:nvPicPr>
+          <p:cNvPr id="6" name="Content Placeholder 5">
+            <a:extLst>
+              <a:ext uri="{FF2B5EF4-FFF2-40B4-BE49-F238E27FC236}">
+                <a16:creationId xmlns:a16="http://schemas.microsoft.com/office/drawing/2014/main" id="{4AE3E696-DF6B-A34D-9228-BFA6A0D1810E}"/>
+              </a:ext>
+            </a:extLst>
+          </p:cNvPr>
+          <p:cNvPicPr>
+            <a:picLocks noGrp="1" noChangeAspect="1"/>
+          </p:cNvPicPr>
+          <p:nvPr>
+            <p:ph idx="1"/>
+          </p:nvPr>
+        </p:nvPicPr>
+        <p:blipFill>
+          <a:blip r:embed="rId2"/>
+          <a:stretch>
+            <a:fillRect/>
+          </a:stretch>
+        </p:blipFill>
+        <p:spPr>
+          <a:xfrm>
+            <a:off x="1947402" y="1635038"/>
+            <a:ext cx="5776134" cy="3997325"/>
+          </a:xfrm>
+          <a:prstGeom prst="rect">
+            <a:avLst/>
+          </a:prstGeom>
+        </p:spPr>
+      </p:pic>
+      <p:sp>
+        <p:nvSpPr>
+          <p:cNvPr id="4" name="Footer Placeholder 3">
+            <a:extLst>
+              <a:ext uri="{FF2B5EF4-FFF2-40B4-BE49-F238E27FC236}">
+                <a16:creationId xmlns:a16="http://schemas.microsoft.com/office/drawing/2014/main" id="{FF87E48E-F418-674C-932B-FE41F96B7BF6}"/>
+              </a:ext>
+            </a:extLst>
+          </p:cNvPr>
+          <p:cNvSpPr>
+            <a:spLocks noGrp="1"/>
+          </p:cNvSpPr>
+          <p:nvPr>
+            <p:ph type="ftr" sz="quarter" idx="11"/>
+          </p:nvPr>
+        </p:nvSpPr>
+        <p:spPr/>
+        <p:txBody>
+          <a:bodyPr/>
+          <a:lstStyle/>
+          <a:p>
+            <a:r>
+              <a:rPr lang="en-US"/>
+              <a:t>Analytics Champs</a:t>
+            </a:r>
+          </a:p>
+        </p:txBody>
+      </p:sp>
+      <p:sp>
+        <p:nvSpPr>
+          <p:cNvPr id="5" name="Slide Number Placeholder 4">
+            <a:extLst>
+              <a:ext uri="{FF2B5EF4-FFF2-40B4-BE49-F238E27FC236}">
+                <a16:creationId xmlns:a16="http://schemas.microsoft.com/office/drawing/2014/main" id="{27E59328-CA36-B04A-8199-BD30E1C3A1F4}"/>
+              </a:ext>
+            </a:extLst>
+          </p:cNvPr>
+          <p:cNvSpPr>
+            <a:spLocks noGrp="1"/>
+          </p:cNvSpPr>
+          <p:nvPr>
+            <p:ph type="sldNum" sz="quarter" idx="12"/>
+          </p:nvPr>
+        </p:nvSpPr>
+        <p:spPr/>
+        <p:txBody>
+          <a:bodyPr/>
+          <a:lstStyle/>
+          <a:p>
+            <a:fld id="{AA7FCCEF-5269-F148-8240-F45095DC20FA}" type="slidenum">
+              <a:rPr lang="en-US" smtClean="0"/>
+              <a:t>6</a:t>
+            </a:fld>
+            <a:endParaRPr lang="en-US"/>
+          </a:p>
+        </p:txBody>
+      </p:sp>
+      <p:sp>
+        <p:nvSpPr>
+          <p:cNvPr id="7" name="TextBox 6">
+            <a:extLst>
+              <a:ext uri="{FF2B5EF4-FFF2-40B4-BE49-F238E27FC236}">
+                <a16:creationId xmlns:a16="http://schemas.microsoft.com/office/drawing/2014/main" id="{562AB1B4-4C24-3D48-B880-02ABB465890F}"/>
+              </a:ext>
+            </a:extLst>
+          </p:cNvPr>
+          <p:cNvSpPr txBox="1"/>
+          <p:nvPr/>
+        </p:nvSpPr>
+        <p:spPr>
+          <a:xfrm>
+            <a:off x="7832837" y="1969864"/>
+            <a:ext cx="2628000" cy="1477328"/>
+          </a:xfrm>
+          <a:prstGeom prst="rect">
+            <a:avLst/>
+          </a:prstGeom>
+          <a:noFill/>
+        </p:spPr>
+        <p:txBody>
+          <a:bodyPr wrap="square" rtlCol="0">
+            <a:spAutoFit/>
+          </a:bodyPr>
+          <a:lstStyle/>
+          <a:p>
+            <a:r>
+              <a:rPr lang="en-US" dirty="0"/>
+              <a:t>Flask: Python-based microframework for web development, light weight and ease of use.</a:t>
+            </a:r>
+          </a:p>
+          <a:p>
+            <a:r>
+              <a:rPr lang="en-US" dirty="0"/>
+              <a:t> </a:t>
+            </a:r>
+          </a:p>
+        </p:txBody>
+      </p:sp>
+      <p:sp>
+        <p:nvSpPr>
+          <p:cNvPr id="8" name="TextBox 7">
+            <a:extLst>
+              <a:ext uri="{FF2B5EF4-FFF2-40B4-BE49-F238E27FC236}">
+                <a16:creationId xmlns:a16="http://schemas.microsoft.com/office/drawing/2014/main" id="{BB48D053-EE06-E24C-BE6C-BB69E9832F5F}"/>
+              </a:ext>
+            </a:extLst>
+          </p:cNvPr>
+          <p:cNvSpPr txBox="1"/>
+          <p:nvPr/>
+        </p:nvSpPr>
+        <p:spPr>
+          <a:xfrm>
+            <a:off x="7876037" y="3531771"/>
+            <a:ext cx="2541600" cy="1200329"/>
+          </a:xfrm>
+          <a:prstGeom prst="rect">
+            <a:avLst/>
+          </a:prstGeom>
+          <a:noFill/>
+        </p:spPr>
+        <p:txBody>
+          <a:bodyPr wrap="square" rtlCol="0">
+            <a:spAutoFit/>
+          </a:bodyPr>
+          <a:lstStyle/>
+          <a:p>
+            <a:r>
+              <a:rPr lang="en-US" dirty="0" err="1"/>
+              <a:t>Gunicorn</a:t>
+            </a:r>
+            <a:r>
+              <a:rPr lang="en-US" dirty="0"/>
+              <a:t>: Python</a:t>
+            </a:r>
+          </a:p>
+          <a:p>
+            <a:r>
+              <a:rPr lang="en-US" dirty="0"/>
+              <a:t>WSGI HTTP Server, efficient for its pre-fork worker model. </a:t>
+            </a:r>
+          </a:p>
+        </p:txBody>
+      </p:sp>
+      <p:sp>
+        <p:nvSpPr>
+          <p:cNvPr id="9" name="TextBox 8">
+            <a:extLst>
+              <a:ext uri="{FF2B5EF4-FFF2-40B4-BE49-F238E27FC236}">
+                <a16:creationId xmlns:a16="http://schemas.microsoft.com/office/drawing/2014/main" id="{325BB232-730F-5A40-B4B6-67136BB39BC6}"/>
+              </a:ext>
+            </a:extLst>
+          </p:cNvPr>
+          <p:cNvSpPr txBox="1"/>
+          <p:nvPr/>
+        </p:nvSpPr>
+        <p:spPr>
+          <a:xfrm>
+            <a:off x="7876800" y="4955087"/>
+            <a:ext cx="3262432" cy="646331"/>
+          </a:xfrm>
+          <a:prstGeom prst="rect">
+            <a:avLst/>
+          </a:prstGeom>
+          <a:noFill/>
+        </p:spPr>
+        <p:txBody>
+          <a:bodyPr wrap="none" rtlCol="0">
+            <a:spAutoFit/>
+          </a:bodyPr>
+          <a:lstStyle/>
+          <a:p>
+            <a:r>
+              <a:rPr lang="en-US" dirty="0"/>
+              <a:t>Bootstrap: templates for base </a:t>
+            </a:r>
+          </a:p>
+          <a:p>
+            <a:r>
+              <a:rPr lang="en-US" dirty="0"/>
+              <a:t>layouts </a:t>
+            </a:r>
+          </a:p>
+        </p:txBody>
+      </p:sp>
+    </p:spTree>
+    <p:extLst>
+      <p:ext uri="{BB962C8B-B14F-4D97-AF65-F5344CB8AC3E}">
+        <p14:creationId xmlns:p14="http://schemas.microsoft.com/office/powerpoint/2010/main" val="2310094168"/>
+      </p:ext>
+    </p:extLst>
+  </p:cSld>
+  <p:clrMapOvr>
+    <a:masterClrMapping/>
+  </p:clrMapOvr>
+</p:sld>
+</file>
+
+<file path=ppt/slides/slide7.xml><?xml version="1.0" encoding="utf-8"?>
+<p:sld xmlns:a="http://schemas.openxmlformats.org/drawingml/2006/main" xmlns:r="http://schemas.openxmlformats.org/officeDocument/2006/relationships" xmlns:p="http://schemas.openxmlformats.org/presentationml/2006/main">
+  <p:cSld>
+    <p:spTree>
+      <p:nvGrpSpPr>
+        <p:cNvPr id="1" name=""/>
+        <p:cNvGrpSpPr/>
+        <p:nvPr/>
+      </p:nvGrpSpPr>
+      <p:grpSpPr>
+        <a:xfrm>
+          <a:off x="0" y="0"/>
+          <a:ext cx="0" cy="0"/>
+          <a:chOff x="0" y="0"/>
+          <a:chExt cx="0" cy="0"/>
+        </a:xfrm>
+      </p:grpSpPr>
+      <p:sp>
+        <p:nvSpPr>
+          <p:cNvPr id="2" name="Title 1">
+            <a:extLst>
+              <a:ext uri="{FF2B5EF4-FFF2-40B4-BE49-F238E27FC236}">
+                <a16:creationId xmlns:a16="http://schemas.microsoft.com/office/drawing/2014/main" id="{651BC9C2-84E7-7942-A984-211126E14648}"/>
+              </a:ext>
+            </a:extLst>
+          </p:cNvPr>
+          <p:cNvSpPr>
+            <a:spLocks noGrp="1"/>
+          </p:cNvSpPr>
+          <p:nvPr>
+            <p:ph type="title"/>
+          </p:nvPr>
+        </p:nvSpPr>
+        <p:spPr/>
+        <p:txBody>
+          <a:bodyPr/>
+          <a:lstStyle/>
+          <a:p>
+            <a:r>
+              <a:rPr lang="en-US" dirty="0"/>
+              <a:t>Visualizations Tech Stack</a:t>
+            </a:r>
+          </a:p>
+        </p:txBody>
+      </p:sp>
+      <p:pic>
+        <p:nvPicPr>
+          <p:cNvPr id="6" name="Content Placeholder 5">
+            <a:extLst>
+              <a:ext uri="{FF2B5EF4-FFF2-40B4-BE49-F238E27FC236}">
+                <a16:creationId xmlns:a16="http://schemas.microsoft.com/office/drawing/2014/main" id="{3C1C820F-6082-8E47-BA21-8F065B4740E2}"/>
+              </a:ext>
+            </a:extLst>
+          </p:cNvPr>
+          <p:cNvPicPr>
+            <a:picLocks noGrp="1" noChangeAspect="1"/>
+          </p:cNvPicPr>
+          <p:nvPr>
+            <p:ph idx="1"/>
+          </p:nvPr>
+        </p:nvPicPr>
+        <p:blipFill>
+          <a:blip r:embed="rId2"/>
+          <a:stretch>
+            <a:fillRect/>
+          </a:stretch>
+        </p:blipFill>
+        <p:spPr>
+          <a:xfrm>
+            <a:off x="1624775" y="2139038"/>
+            <a:ext cx="6277387" cy="3997325"/>
+          </a:xfrm>
+          <a:prstGeom prst="rect">
+            <a:avLst/>
+          </a:prstGeom>
+        </p:spPr>
+      </p:pic>
+      <p:sp>
+        <p:nvSpPr>
+          <p:cNvPr id="4" name="Footer Placeholder 3">
+            <a:extLst>
+              <a:ext uri="{FF2B5EF4-FFF2-40B4-BE49-F238E27FC236}">
+                <a16:creationId xmlns:a16="http://schemas.microsoft.com/office/drawing/2014/main" id="{2D761AA3-B9F3-F348-9863-35A2F218621D}"/>
+              </a:ext>
+            </a:extLst>
+          </p:cNvPr>
+          <p:cNvSpPr>
+            <a:spLocks noGrp="1"/>
+          </p:cNvSpPr>
+          <p:nvPr>
+            <p:ph type="ftr" sz="quarter" idx="11"/>
+          </p:nvPr>
+        </p:nvSpPr>
+        <p:spPr/>
+        <p:txBody>
+          <a:bodyPr/>
+          <a:lstStyle/>
+          <a:p>
+            <a:r>
+              <a:rPr lang="en-US"/>
+              <a:t>Analytics Champs</a:t>
+            </a:r>
+          </a:p>
+        </p:txBody>
+      </p:sp>
+      <p:sp>
+        <p:nvSpPr>
+          <p:cNvPr id="5" name="Slide Number Placeholder 4">
+            <a:extLst>
+              <a:ext uri="{FF2B5EF4-FFF2-40B4-BE49-F238E27FC236}">
+                <a16:creationId xmlns:a16="http://schemas.microsoft.com/office/drawing/2014/main" id="{5B345430-43C9-D140-B08F-5B9BA7A17599}"/>
+              </a:ext>
+            </a:extLst>
+          </p:cNvPr>
+          <p:cNvSpPr>
+            <a:spLocks noGrp="1"/>
+          </p:cNvSpPr>
+          <p:nvPr>
+            <p:ph type="sldNum" sz="quarter" idx="12"/>
+          </p:nvPr>
+        </p:nvSpPr>
+        <p:spPr/>
+        <p:txBody>
+          <a:bodyPr/>
+          <a:lstStyle/>
+          <a:p>
+            <a:fld id="{AA7FCCEF-5269-F148-8240-F45095DC20FA}" type="slidenum">
+              <a:rPr lang="en-US" smtClean="0"/>
+              <a:t>7</a:t>
+            </a:fld>
+            <a:endParaRPr lang="en-US"/>
+          </a:p>
+        </p:txBody>
+      </p:sp>
+      <p:sp>
+        <p:nvSpPr>
+          <p:cNvPr id="7" name="TextBox 6">
+            <a:extLst>
+              <a:ext uri="{FF2B5EF4-FFF2-40B4-BE49-F238E27FC236}">
+                <a16:creationId xmlns:a16="http://schemas.microsoft.com/office/drawing/2014/main" id="{2F7766A1-1AA4-7E41-8388-CFE853110C17}"/>
+              </a:ext>
+            </a:extLst>
+          </p:cNvPr>
+          <p:cNvSpPr txBox="1"/>
+          <p:nvPr/>
+        </p:nvSpPr>
+        <p:spPr>
+          <a:xfrm>
+            <a:off x="7902162" y="2139038"/>
+            <a:ext cx="3065968" cy="923330"/>
+          </a:xfrm>
+          <a:prstGeom prst="rect">
+            <a:avLst/>
+          </a:prstGeom>
+          <a:noFill/>
+        </p:spPr>
+        <p:txBody>
+          <a:bodyPr wrap="none" rtlCol="0">
+            <a:spAutoFit/>
+          </a:bodyPr>
+          <a:lstStyle/>
+          <a:p>
+            <a:r>
+              <a:rPr lang="en-US" dirty="0" err="1"/>
+              <a:t>Plotly</a:t>
+            </a:r>
+            <a:r>
+              <a:rPr lang="en-US" dirty="0"/>
+              <a:t>: To visualize a variety </a:t>
+            </a:r>
+          </a:p>
+          <a:p>
+            <a:r>
+              <a:rPr lang="en-US" dirty="0"/>
+              <a:t>of types of data stored in a</a:t>
+            </a:r>
+          </a:p>
+          <a:p>
+            <a:r>
+              <a:rPr lang="en-US" dirty="0"/>
+              <a:t> Pandas </a:t>
+            </a:r>
+            <a:r>
+              <a:rPr lang="en-US" dirty="0" err="1"/>
+              <a:t>DataFrame</a:t>
+            </a:r>
+            <a:r>
+              <a:rPr lang="en-US" dirty="0"/>
+              <a:t>.</a:t>
+            </a:r>
+          </a:p>
+        </p:txBody>
+      </p:sp>
+    </p:spTree>
+    <p:extLst>
+      <p:ext uri="{BB962C8B-B14F-4D97-AF65-F5344CB8AC3E}">
+        <p14:creationId xmlns:p14="http://schemas.microsoft.com/office/powerpoint/2010/main" val="3552328938"/>
+      </p:ext>
+    </p:extLst>
+  </p:cSld>
+  <p:clrMapOvr>
+    <a:masterClrMapping/>
+  </p:clrMapOvr>
+</p:sld>
+</file>
+
+<file path=ppt/slides/slide8.xml><?xml version="1.0" encoding="utf-8"?>
+<p:sld xmlns:a="http://schemas.openxmlformats.org/drawingml/2006/main" xmlns:r="http://schemas.openxmlformats.org/officeDocument/2006/relationships" xmlns:p="http://schemas.openxmlformats.org/presentationml/2006/main">
+  <p:cSld>
+    <p:spTree>
+      <p:nvGrpSpPr>
+        <p:cNvPr id="1" name=""/>
+        <p:cNvGrpSpPr/>
+        <p:nvPr/>
+      </p:nvGrpSpPr>
+      <p:grpSpPr>
+        <a:xfrm>
+          <a:off x="0" y="0"/>
+          <a:ext cx="0" cy="0"/>
+          <a:chOff x="0" y="0"/>
+          <a:chExt cx="0" cy="0"/>
+        </a:xfrm>
+      </p:grpSpPr>
+      <p:sp>
+        <p:nvSpPr>
+          <p:cNvPr id="2" name="Title 1">
+            <a:extLst>
+              <a:ext uri="{FF2B5EF4-FFF2-40B4-BE49-F238E27FC236}">
+                <a16:creationId xmlns:a16="http://schemas.microsoft.com/office/drawing/2014/main" id="{8241EC40-60E3-5345-9EA3-7B242D13BF1F}"/>
+              </a:ext>
+            </a:extLst>
+          </p:cNvPr>
+          <p:cNvSpPr>
+            <a:spLocks noGrp="1"/>
+          </p:cNvSpPr>
+          <p:nvPr>
+            <p:ph type="title"/>
+          </p:nvPr>
+        </p:nvSpPr>
+        <p:spPr/>
+        <p:txBody>
+          <a:bodyPr/>
+          <a:lstStyle/>
+          <a:p>
+            <a:r>
+              <a:rPr lang="en-US" dirty="0"/>
+              <a:t>Deployment: Heroku</a:t>
+            </a:r>
+          </a:p>
+        </p:txBody>
+      </p:sp>
+      <p:pic>
+        <p:nvPicPr>
+          <p:cNvPr id="6" name="Content Placeholder 5">
+            <a:extLst>
+              <a:ext uri="{FF2B5EF4-FFF2-40B4-BE49-F238E27FC236}">
+                <a16:creationId xmlns:a16="http://schemas.microsoft.com/office/drawing/2014/main" id="{A8CD3A16-445C-5E40-9BF3-43A57190FA21}"/>
+              </a:ext>
+            </a:extLst>
+          </p:cNvPr>
+          <p:cNvPicPr>
+            <a:picLocks noGrp="1" noChangeAspect="1"/>
+          </p:cNvPicPr>
+          <p:nvPr>
+            <p:ph idx="1"/>
+          </p:nvPr>
+        </p:nvPicPr>
+        <p:blipFill>
+          <a:blip r:embed="rId2"/>
+          <a:stretch>
+            <a:fillRect/>
+          </a:stretch>
+        </p:blipFill>
+        <p:spPr>
+          <a:xfrm>
+            <a:off x="2040484" y="1692619"/>
+            <a:ext cx="4985169" cy="3997325"/>
+          </a:xfrm>
+          <a:prstGeom prst="rect">
+            <a:avLst/>
+          </a:prstGeom>
+        </p:spPr>
+      </p:pic>
+      <p:sp>
+        <p:nvSpPr>
+          <p:cNvPr id="4" name="Footer Placeholder 3">
+            <a:extLst>
+              <a:ext uri="{FF2B5EF4-FFF2-40B4-BE49-F238E27FC236}">
+                <a16:creationId xmlns:a16="http://schemas.microsoft.com/office/drawing/2014/main" id="{AC5EDE97-82CD-124C-ADFD-05AD6AAAC36F}"/>
+              </a:ext>
+            </a:extLst>
+          </p:cNvPr>
+          <p:cNvSpPr>
+            <a:spLocks noGrp="1"/>
+          </p:cNvSpPr>
+          <p:nvPr>
+            <p:ph type="ftr" sz="quarter" idx="11"/>
+          </p:nvPr>
+        </p:nvSpPr>
+        <p:spPr/>
+        <p:txBody>
+          <a:bodyPr/>
+          <a:lstStyle/>
+          <a:p>
+            <a:r>
+              <a:rPr lang="en-US"/>
+              <a:t>Analytics Champs</a:t>
+            </a:r>
+          </a:p>
+        </p:txBody>
+      </p:sp>
+      <p:sp>
+        <p:nvSpPr>
+          <p:cNvPr id="5" name="Slide Number Placeholder 4">
+            <a:extLst>
+              <a:ext uri="{FF2B5EF4-FFF2-40B4-BE49-F238E27FC236}">
+                <a16:creationId xmlns:a16="http://schemas.microsoft.com/office/drawing/2014/main" id="{444E5234-DCC8-AE42-AF62-6EC7D276C7F9}"/>
+              </a:ext>
+            </a:extLst>
+          </p:cNvPr>
+          <p:cNvSpPr>
+            <a:spLocks noGrp="1"/>
+          </p:cNvSpPr>
+          <p:nvPr>
+            <p:ph type="sldNum" sz="quarter" idx="12"/>
+          </p:nvPr>
+        </p:nvSpPr>
+        <p:spPr/>
+        <p:txBody>
+          <a:bodyPr/>
+          <a:lstStyle/>
+          <a:p>
+            <a:fld id="{AA7FCCEF-5269-F148-8240-F45095DC20FA}" type="slidenum">
+              <a:rPr lang="en-US" smtClean="0"/>
+              <a:t>8</a:t>
+            </a:fld>
+            <a:endParaRPr lang="en-US"/>
+          </a:p>
+        </p:txBody>
+      </p:sp>
+      <p:sp>
+        <p:nvSpPr>
+          <p:cNvPr id="7" name="TextBox 6">
+            <a:extLst>
+              <a:ext uri="{FF2B5EF4-FFF2-40B4-BE49-F238E27FC236}">
+                <a16:creationId xmlns:a16="http://schemas.microsoft.com/office/drawing/2014/main" id="{9CA73D74-D304-904B-8D2F-6829C05224EB}"/>
+              </a:ext>
+            </a:extLst>
+          </p:cNvPr>
+          <p:cNvSpPr txBox="1"/>
+          <p:nvPr/>
+        </p:nvSpPr>
+        <p:spPr>
+          <a:xfrm>
+            <a:off x="7776000" y="2210400"/>
+            <a:ext cx="3441968" cy="1200329"/>
+          </a:xfrm>
+          <a:prstGeom prst="rect">
+            <a:avLst/>
+          </a:prstGeom>
+          <a:noFill/>
+        </p:spPr>
+        <p:txBody>
+          <a:bodyPr wrap="none" rtlCol="0">
+            <a:spAutoFit/>
+          </a:bodyPr>
+          <a:lstStyle/>
+          <a:p>
+            <a:r>
+              <a:rPr lang="en-US" dirty="0"/>
+              <a:t>Heroku: Container-based cloud </a:t>
+            </a:r>
+          </a:p>
+          <a:p>
+            <a:r>
+              <a:rPr lang="en-US" dirty="0"/>
+              <a:t>Platform as a Service (PaaS),</a:t>
+            </a:r>
+          </a:p>
+          <a:p>
+            <a:r>
+              <a:rPr lang="en-US" dirty="0"/>
+              <a:t> to deploy, manage, and </a:t>
+            </a:r>
+          </a:p>
+          <a:p>
+            <a:r>
+              <a:rPr lang="en-US" dirty="0"/>
+              <a:t>scale web apps. </a:t>
+            </a:r>
+          </a:p>
+        </p:txBody>
+      </p:sp>
+    </p:spTree>
+    <p:extLst>
+      <p:ext uri="{BB962C8B-B14F-4D97-AF65-F5344CB8AC3E}">
+        <p14:creationId xmlns:p14="http://schemas.microsoft.com/office/powerpoint/2010/main" val="4285709568"/>
       </p:ext>
     </p:extLst>
   </p:cSld>

--- a/Resources/Presentation.pptx
+++ b/Resources/Presentation.pptx
@@ -114,6 +114,11 @@
       </a:defRPr>
     </a:lvl9pPr>
   </p:defaultTextStyle>
+  <p:extLst>
+    <p:ext uri="{EFAFB233-063F-42B5-8137-9DF3F51BA10A}">
+      <p15:sldGuideLst xmlns:p15="http://schemas.microsoft.com/office/powerpoint/2012/main"/>
+    </p:ext>
+  </p:extLst>
 </p:presentation>
 </file>
 
@@ -123,6 +128,2994 @@
     <p1510:client id="{0B5EA65F-1DAE-6343-A45E-04D3A605A938}" v="26" dt="2021-11-23T17:27:10.348"/>
   </p1510:revLst>
 </p1510:revInfo>
+</file>
+
+<file path=ppt/diagrams/colors1.xml><?xml version="1.0" encoding="utf-8"?>
+<dgm:colorsDef xmlns:dgm="http://schemas.openxmlformats.org/drawingml/2006/diagram" xmlns:a="http://schemas.openxmlformats.org/drawingml/2006/main" uniqueId="urn:microsoft.com/office/officeart/2005/8/colors/accent1_2">
+  <dgm:title val=""/>
+  <dgm:desc val=""/>
+  <dgm:catLst>
+    <dgm:cat type="accent1" pri="11200"/>
+  </dgm:catLst>
+  <dgm:styleLbl name="node0">
+    <dgm:fillClrLst meth="repeat">
+      <a:schemeClr val="accent1"/>
+    </dgm:fillClrLst>
+    <dgm:linClrLst meth="repeat">
+      <a:schemeClr val="lt1"/>
+    </dgm:linClrLst>
+    <dgm:effectClrLst/>
+    <dgm:txLinClrLst/>
+    <dgm:txFillClrLst/>
+    <dgm:txEffectClrLst/>
+  </dgm:styleLbl>
+  <dgm:styleLbl name="alignNode1">
+    <dgm:fillClrLst meth="repeat">
+      <a:schemeClr val="accent1"/>
+    </dgm:fillClrLst>
+    <dgm:linClrLst meth="repeat">
+      <a:schemeClr val="accent1"/>
+    </dgm:linClrLst>
+    <dgm:effectClrLst/>
+    <dgm:txLinClrLst/>
+    <dgm:txFillClrLst/>
+    <dgm:txEffectClrLst/>
+  </dgm:styleLbl>
+  <dgm:styleLbl name="node1">
+    <dgm:fillClrLst meth="repeat">
+      <a:schemeClr val="accent1"/>
+    </dgm:fillClrLst>
+    <dgm:linClrLst meth="repeat">
+      <a:schemeClr val="lt1"/>
+    </dgm:linClrLst>
+    <dgm:effectClrLst/>
+    <dgm:txLinClrLst/>
+    <dgm:txFillClrLst/>
+    <dgm:txEffectClrLst/>
+  </dgm:styleLbl>
+  <dgm:styleLbl name="lnNode1">
+    <dgm:fillClrLst meth="repeat">
+      <a:schemeClr val="accent1"/>
+    </dgm:fillClrLst>
+    <dgm:linClrLst meth="repeat">
+      <a:schemeClr val="lt1"/>
+    </dgm:linClrLst>
+    <dgm:effectClrLst/>
+    <dgm:txLinClrLst/>
+    <dgm:txFillClrLst/>
+    <dgm:txEffectClrLst/>
+  </dgm:styleLbl>
+  <dgm:styleLbl name="vennNode1">
+    <dgm:fillClrLst meth="repeat">
+      <a:schemeClr val="accent1">
+        <a:alpha val="50000"/>
+      </a:schemeClr>
+    </dgm:fillClrLst>
+    <dgm:linClrLst meth="repeat">
+      <a:schemeClr val="lt1"/>
+    </dgm:linClrLst>
+    <dgm:effectClrLst/>
+    <dgm:txLinClrLst/>
+    <dgm:txFillClrLst/>
+    <dgm:txEffectClrLst/>
+  </dgm:styleLbl>
+  <dgm:styleLbl name="node2">
+    <dgm:fillClrLst meth="repeat">
+      <a:schemeClr val="accent1"/>
+    </dgm:fillClrLst>
+    <dgm:linClrLst meth="repeat">
+      <a:schemeClr val="lt1"/>
+    </dgm:linClrLst>
+    <dgm:effectClrLst/>
+    <dgm:txLinClrLst/>
+    <dgm:txFillClrLst/>
+    <dgm:txEffectClrLst/>
+  </dgm:styleLbl>
+  <dgm:styleLbl name="node3">
+    <dgm:fillClrLst meth="repeat">
+      <a:schemeClr val="accent1"/>
+    </dgm:fillClrLst>
+    <dgm:linClrLst meth="repeat">
+      <a:schemeClr val="lt1"/>
+    </dgm:linClrLst>
+    <dgm:effectClrLst/>
+    <dgm:txLinClrLst/>
+    <dgm:txFillClrLst/>
+    <dgm:txEffectClrLst/>
+  </dgm:styleLbl>
+  <dgm:styleLbl name="node4">
+    <dgm:fillClrLst meth="repeat">
+      <a:schemeClr val="accent1"/>
+    </dgm:fillClrLst>
+    <dgm:linClrLst meth="repeat">
+      <a:schemeClr val="lt1"/>
+    </dgm:linClrLst>
+    <dgm:effectClrLst/>
+    <dgm:txLinClrLst/>
+    <dgm:txFillClrLst/>
+    <dgm:txEffectClrLst/>
+  </dgm:styleLbl>
+  <dgm:styleLbl name="fgImgPlace1">
+    <dgm:fillClrLst meth="repeat">
+      <a:schemeClr val="accent1">
+        <a:tint val="50000"/>
+      </a:schemeClr>
+    </dgm:fillClrLst>
+    <dgm:linClrLst meth="repeat">
+      <a:schemeClr val="lt1"/>
+    </dgm:linClrLst>
+    <dgm:effectClrLst/>
+    <dgm:txLinClrLst/>
+    <dgm:txFillClrLst meth="repeat">
+      <a:schemeClr val="lt1"/>
+    </dgm:txFillClrLst>
+    <dgm:txEffectClrLst/>
+  </dgm:styleLbl>
+  <dgm:styleLbl name="alignImgPlace1">
+    <dgm:fillClrLst meth="repeat">
+      <a:schemeClr val="accent1">
+        <a:tint val="50000"/>
+      </a:schemeClr>
+    </dgm:fillClrLst>
+    <dgm:linClrLst meth="repeat">
+      <a:schemeClr val="lt1"/>
+    </dgm:linClrLst>
+    <dgm:effectClrLst/>
+    <dgm:txLinClrLst/>
+    <dgm:txFillClrLst meth="repeat">
+      <a:schemeClr val="lt1"/>
+    </dgm:txFillClrLst>
+    <dgm:txEffectClrLst/>
+  </dgm:styleLbl>
+  <dgm:styleLbl name="bgImgPlace1">
+    <dgm:fillClrLst meth="repeat">
+      <a:schemeClr val="accent1">
+        <a:tint val="50000"/>
+      </a:schemeClr>
+    </dgm:fillClrLst>
+    <dgm:linClrLst meth="repeat">
+      <a:schemeClr val="lt1"/>
+    </dgm:linClrLst>
+    <dgm:effectClrLst/>
+    <dgm:txLinClrLst/>
+    <dgm:txFillClrLst meth="repeat">
+      <a:schemeClr val="lt1"/>
+    </dgm:txFillClrLst>
+    <dgm:txEffectClrLst/>
+  </dgm:styleLbl>
+  <dgm:styleLbl name="sibTrans2D1">
+    <dgm:fillClrLst meth="repeat">
+      <a:schemeClr val="accent1">
+        <a:tint val="60000"/>
+      </a:schemeClr>
+    </dgm:fillClrLst>
+    <dgm:linClrLst meth="repeat">
+      <a:schemeClr val="accent1">
+        <a:tint val="60000"/>
+      </a:schemeClr>
+    </dgm:linClrLst>
+    <dgm:effectClrLst/>
+    <dgm:txLinClrLst/>
+    <dgm:txFillClrLst/>
+    <dgm:txEffectClrLst/>
+  </dgm:styleLbl>
+  <dgm:styleLbl name="fgSibTrans2D1">
+    <dgm:fillClrLst meth="repeat">
+      <a:schemeClr val="accent1">
+        <a:tint val="60000"/>
+      </a:schemeClr>
+    </dgm:fillClrLst>
+    <dgm:linClrLst meth="repeat">
+      <a:schemeClr val="accent1">
+        <a:tint val="60000"/>
+      </a:schemeClr>
+    </dgm:linClrLst>
+    <dgm:effectClrLst/>
+    <dgm:txLinClrLst/>
+    <dgm:txFillClrLst/>
+    <dgm:txEffectClrLst/>
+  </dgm:styleLbl>
+  <dgm:styleLbl name="bgSibTrans2D1">
+    <dgm:fillClrLst meth="repeat">
+      <a:schemeClr val="accent1">
+        <a:tint val="60000"/>
+      </a:schemeClr>
+    </dgm:fillClrLst>
+    <dgm:linClrLst meth="repeat">
+      <a:schemeClr val="accent1">
+        <a:tint val="60000"/>
+      </a:schemeClr>
+    </dgm:linClrLst>
+    <dgm:effectClrLst/>
+    <dgm:txLinClrLst/>
+    <dgm:txFillClrLst/>
+    <dgm:txEffectClrLst/>
+  </dgm:styleLbl>
+  <dgm:styleLbl name="sibTrans1D1">
+    <dgm:fillClrLst meth="repeat">
+      <a:schemeClr val="accent1"/>
+    </dgm:fillClrLst>
+    <dgm:linClrLst meth="repeat">
+      <a:schemeClr val="accent1"/>
+    </dgm:linClrLst>
+    <dgm:effectClrLst/>
+    <dgm:txLinClrLst/>
+    <dgm:txFillClrLst meth="repeat">
+      <a:schemeClr val="tx1"/>
+    </dgm:txFillClrLst>
+    <dgm:txEffectClrLst/>
+  </dgm:styleLbl>
+  <dgm:styleLbl name="callout">
+    <dgm:fillClrLst meth="repeat">
+      <a:schemeClr val="accent1"/>
+    </dgm:fillClrLst>
+    <dgm:linClrLst meth="repeat">
+      <a:schemeClr val="accent1">
+        <a:tint val="50000"/>
+      </a:schemeClr>
+    </dgm:linClrLst>
+    <dgm:effectClrLst/>
+    <dgm:txLinClrLst/>
+    <dgm:txFillClrLst meth="repeat">
+      <a:schemeClr val="tx1"/>
+    </dgm:txFillClrLst>
+    <dgm:txEffectClrLst/>
+  </dgm:styleLbl>
+  <dgm:styleLbl name="asst0">
+    <dgm:fillClrLst meth="repeat">
+      <a:schemeClr val="accent1"/>
+    </dgm:fillClrLst>
+    <dgm:linClrLst meth="repeat">
+      <a:schemeClr val="lt1"/>
+    </dgm:linClrLst>
+    <dgm:effectClrLst/>
+    <dgm:txLinClrLst/>
+    <dgm:txFillClrLst/>
+    <dgm:txEffectClrLst/>
+  </dgm:styleLbl>
+  <dgm:styleLbl name="asst1">
+    <dgm:fillClrLst meth="repeat">
+      <a:schemeClr val="accent1"/>
+    </dgm:fillClrLst>
+    <dgm:linClrLst meth="repeat">
+      <a:schemeClr val="lt1"/>
+    </dgm:linClrLst>
+    <dgm:effectClrLst/>
+    <dgm:txLinClrLst/>
+    <dgm:txFillClrLst/>
+    <dgm:txEffectClrLst/>
+  </dgm:styleLbl>
+  <dgm:styleLbl name="asst2">
+    <dgm:fillClrLst meth="repeat">
+      <a:schemeClr val="accent1"/>
+    </dgm:fillClrLst>
+    <dgm:linClrLst meth="repeat">
+      <a:schemeClr val="lt1"/>
+    </dgm:linClrLst>
+    <dgm:effectClrLst/>
+    <dgm:txLinClrLst/>
+    <dgm:txFillClrLst/>
+    <dgm:txEffectClrLst/>
+  </dgm:styleLbl>
+  <dgm:styleLbl name="asst3">
+    <dgm:fillClrLst meth="repeat">
+      <a:schemeClr val="accent1"/>
+    </dgm:fillClrLst>
+    <dgm:linClrLst meth="repeat">
+      <a:schemeClr val="lt1"/>
+    </dgm:linClrLst>
+    <dgm:effectClrLst/>
+    <dgm:txLinClrLst/>
+    <dgm:txFillClrLst/>
+    <dgm:txEffectClrLst/>
+  </dgm:styleLbl>
+  <dgm:styleLbl name="asst4">
+    <dgm:fillClrLst meth="repeat">
+      <a:schemeClr val="accent1"/>
+    </dgm:fillClrLst>
+    <dgm:linClrLst meth="repeat">
+      <a:schemeClr val="lt1"/>
+    </dgm:linClrLst>
+    <dgm:effectClrLst/>
+    <dgm:txLinClrLst/>
+    <dgm:txFillClrLst/>
+    <dgm:txEffectClrLst/>
+  </dgm:styleLbl>
+  <dgm:styleLbl name="parChTrans2D1">
+    <dgm:fillClrLst meth="repeat">
+      <a:schemeClr val="accent1">
+        <a:tint val="60000"/>
+      </a:schemeClr>
+    </dgm:fillClrLst>
+    <dgm:linClrLst meth="repeat">
+      <a:schemeClr val="accent1">
+        <a:tint val="60000"/>
+      </a:schemeClr>
+    </dgm:linClrLst>
+    <dgm:effectClrLst/>
+    <dgm:txLinClrLst/>
+    <dgm:txFillClrLst meth="repeat">
+      <a:schemeClr val="lt1"/>
+    </dgm:txFillClrLst>
+    <dgm:txEffectClrLst/>
+  </dgm:styleLbl>
+  <dgm:styleLbl name="parChTrans2D2">
+    <dgm:fillClrLst meth="repeat">
+      <a:schemeClr val="accent1"/>
+    </dgm:fillClrLst>
+    <dgm:linClrLst meth="repeat">
+      <a:schemeClr val="accent1"/>
+    </dgm:linClrLst>
+    <dgm:effectClrLst/>
+    <dgm:txLinClrLst/>
+    <dgm:txFillClrLst meth="repeat">
+      <a:schemeClr val="lt1"/>
+    </dgm:txFillClrLst>
+    <dgm:txEffectClrLst/>
+  </dgm:styleLbl>
+  <dgm:styleLbl name="parChTrans2D3">
+    <dgm:fillClrLst meth="repeat">
+      <a:schemeClr val="accent1"/>
+    </dgm:fillClrLst>
+    <dgm:linClrLst meth="repeat">
+      <a:schemeClr val="accent1"/>
+    </dgm:linClrLst>
+    <dgm:effectClrLst/>
+    <dgm:txLinClrLst/>
+    <dgm:txFillClrLst meth="repeat">
+      <a:schemeClr val="lt1"/>
+    </dgm:txFillClrLst>
+    <dgm:txEffectClrLst/>
+  </dgm:styleLbl>
+  <dgm:styleLbl name="parChTrans2D4">
+    <dgm:fillClrLst meth="repeat">
+      <a:schemeClr val="accent1"/>
+    </dgm:fillClrLst>
+    <dgm:linClrLst meth="repeat">
+      <a:schemeClr val="accent1"/>
+    </dgm:linClrLst>
+    <dgm:effectClrLst/>
+    <dgm:txLinClrLst/>
+    <dgm:txFillClrLst meth="repeat">
+      <a:schemeClr val="lt1"/>
+    </dgm:txFillClrLst>
+    <dgm:txEffectClrLst/>
+  </dgm:styleLbl>
+  <dgm:styleLbl name="parChTrans1D1">
+    <dgm:fillClrLst meth="repeat">
+      <a:schemeClr val="accent1"/>
+    </dgm:fillClrLst>
+    <dgm:linClrLst meth="repeat">
+      <a:schemeClr val="accent1">
+        <a:shade val="60000"/>
+      </a:schemeClr>
+    </dgm:linClrLst>
+    <dgm:effectClrLst/>
+    <dgm:txLinClrLst/>
+    <dgm:txFillClrLst meth="repeat">
+      <a:schemeClr val="tx1"/>
+    </dgm:txFillClrLst>
+    <dgm:txEffectClrLst/>
+  </dgm:styleLbl>
+  <dgm:styleLbl name="parChTrans1D2">
+    <dgm:fillClrLst meth="repeat">
+      <a:schemeClr val="accent1"/>
+    </dgm:fillClrLst>
+    <dgm:linClrLst meth="repeat">
+      <a:schemeClr val="accent1">
+        <a:shade val="60000"/>
+      </a:schemeClr>
+    </dgm:linClrLst>
+    <dgm:effectClrLst/>
+    <dgm:txLinClrLst/>
+    <dgm:txFillClrLst meth="repeat">
+      <a:schemeClr val="tx1"/>
+    </dgm:txFillClrLst>
+    <dgm:txEffectClrLst/>
+  </dgm:styleLbl>
+  <dgm:styleLbl name="parChTrans1D3">
+    <dgm:fillClrLst meth="repeat">
+      <a:schemeClr val="accent1"/>
+    </dgm:fillClrLst>
+    <dgm:linClrLst meth="repeat">
+      <a:schemeClr val="accent1">
+        <a:shade val="80000"/>
+      </a:schemeClr>
+    </dgm:linClrLst>
+    <dgm:effectClrLst/>
+    <dgm:txLinClrLst/>
+    <dgm:txFillClrLst meth="repeat">
+      <a:schemeClr val="tx1"/>
+    </dgm:txFillClrLst>
+    <dgm:txEffectClrLst/>
+  </dgm:styleLbl>
+  <dgm:styleLbl name="parChTrans1D4">
+    <dgm:fillClrLst meth="repeat">
+      <a:schemeClr val="accent1"/>
+    </dgm:fillClrLst>
+    <dgm:linClrLst meth="repeat">
+      <a:schemeClr val="accent1">
+        <a:shade val="80000"/>
+      </a:schemeClr>
+    </dgm:linClrLst>
+    <dgm:effectClrLst/>
+    <dgm:txLinClrLst/>
+    <dgm:txFillClrLst meth="repeat">
+      <a:schemeClr val="tx1"/>
+    </dgm:txFillClrLst>
+    <dgm:txEffectClrLst/>
+  </dgm:styleLbl>
+  <dgm:styleLbl name="fgAcc1">
+    <dgm:fillClrLst meth="repeat">
+      <a:schemeClr val="lt1">
+        <a:alpha val="90000"/>
+      </a:schemeClr>
+    </dgm:fillClrLst>
+    <dgm:linClrLst meth="repeat">
+      <a:schemeClr val="accent1"/>
+    </dgm:linClrLst>
+    <dgm:effectClrLst/>
+    <dgm:txLinClrLst/>
+    <dgm:txFillClrLst meth="repeat">
+      <a:schemeClr val="dk1"/>
+    </dgm:txFillClrLst>
+    <dgm:txEffectClrLst/>
+  </dgm:styleLbl>
+  <dgm:styleLbl name="conFgAcc1">
+    <dgm:fillClrLst meth="repeat">
+      <a:schemeClr val="lt1">
+        <a:alpha val="90000"/>
+      </a:schemeClr>
+    </dgm:fillClrLst>
+    <dgm:linClrLst meth="repeat">
+      <a:schemeClr val="accent1"/>
+    </dgm:linClrLst>
+    <dgm:effectClrLst/>
+    <dgm:txLinClrLst/>
+    <dgm:txFillClrLst meth="repeat">
+      <a:schemeClr val="dk1"/>
+    </dgm:txFillClrLst>
+    <dgm:txEffectClrLst/>
+  </dgm:styleLbl>
+  <dgm:styleLbl name="alignAcc1">
+    <dgm:fillClrLst meth="repeat">
+      <a:schemeClr val="lt1">
+        <a:alpha val="90000"/>
+      </a:schemeClr>
+    </dgm:fillClrLst>
+    <dgm:linClrLst meth="repeat">
+      <a:schemeClr val="accent1"/>
+    </dgm:linClrLst>
+    <dgm:effectClrLst/>
+    <dgm:txLinClrLst/>
+    <dgm:txFillClrLst meth="repeat">
+      <a:schemeClr val="dk1"/>
+    </dgm:txFillClrLst>
+    <dgm:txEffectClrLst/>
+  </dgm:styleLbl>
+  <dgm:styleLbl name="trAlignAcc1">
+    <dgm:fillClrLst meth="repeat">
+      <a:schemeClr val="lt1">
+        <a:alpha val="40000"/>
+      </a:schemeClr>
+    </dgm:fillClrLst>
+    <dgm:linClrLst meth="repeat">
+      <a:schemeClr val="accent1"/>
+    </dgm:linClrLst>
+    <dgm:effectClrLst/>
+    <dgm:txLinClrLst/>
+    <dgm:txFillClrLst meth="repeat">
+      <a:schemeClr val="dk1"/>
+    </dgm:txFillClrLst>
+    <dgm:txEffectClrLst/>
+  </dgm:styleLbl>
+  <dgm:styleLbl name="bgAcc1">
+    <dgm:fillClrLst meth="repeat">
+      <a:schemeClr val="lt1">
+        <a:alpha val="90000"/>
+      </a:schemeClr>
+    </dgm:fillClrLst>
+    <dgm:linClrLst meth="repeat">
+      <a:schemeClr val="accent1"/>
+    </dgm:linClrLst>
+    <dgm:effectClrLst/>
+    <dgm:txLinClrLst/>
+    <dgm:txFillClrLst meth="repeat">
+      <a:schemeClr val="dk1"/>
+    </dgm:txFillClrLst>
+    <dgm:txEffectClrLst/>
+  </dgm:styleLbl>
+  <dgm:styleLbl name="solidFgAcc1">
+    <dgm:fillClrLst meth="repeat">
+      <a:schemeClr val="lt1"/>
+    </dgm:fillClrLst>
+    <dgm:linClrLst meth="repeat">
+      <a:schemeClr val="accent1"/>
+    </dgm:linClrLst>
+    <dgm:effectClrLst/>
+    <dgm:txLinClrLst/>
+    <dgm:txFillClrLst meth="repeat">
+      <a:schemeClr val="dk1"/>
+    </dgm:txFillClrLst>
+    <dgm:txEffectClrLst/>
+  </dgm:styleLbl>
+  <dgm:styleLbl name="solidAlignAcc1">
+    <dgm:fillClrLst meth="repeat">
+      <a:schemeClr val="lt1"/>
+    </dgm:fillClrLst>
+    <dgm:linClrLst meth="repeat">
+      <a:schemeClr val="accent1"/>
+    </dgm:linClrLst>
+    <dgm:effectClrLst/>
+    <dgm:txLinClrLst/>
+    <dgm:txFillClrLst meth="repeat">
+      <a:schemeClr val="dk1"/>
+    </dgm:txFillClrLst>
+    <dgm:txEffectClrLst/>
+  </dgm:styleLbl>
+  <dgm:styleLbl name="solidBgAcc1">
+    <dgm:fillClrLst meth="repeat">
+      <a:schemeClr val="lt1"/>
+    </dgm:fillClrLst>
+    <dgm:linClrLst meth="repeat">
+      <a:schemeClr val="accent1"/>
+    </dgm:linClrLst>
+    <dgm:effectClrLst/>
+    <dgm:txLinClrLst/>
+    <dgm:txFillClrLst meth="repeat">
+      <a:schemeClr val="dk1"/>
+    </dgm:txFillClrLst>
+    <dgm:txEffectClrLst/>
+  </dgm:styleLbl>
+  <dgm:styleLbl name="fgAccFollowNode1">
+    <dgm:fillClrLst meth="repeat">
+      <a:schemeClr val="accent1">
+        <a:alpha val="90000"/>
+        <a:tint val="40000"/>
+      </a:schemeClr>
+    </dgm:fillClrLst>
+    <dgm:linClrLst meth="repeat">
+      <a:schemeClr val="accent1">
+        <a:alpha val="90000"/>
+        <a:tint val="40000"/>
+      </a:schemeClr>
+    </dgm:linClrLst>
+    <dgm:effectClrLst/>
+    <dgm:txLinClrLst/>
+    <dgm:txFillClrLst meth="repeat">
+      <a:schemeClr val="dk1"/>
+    </dgm:txFillClrLst>
+    <dgm:txEffectClrLst/>
+  </dgm:styleLbl>
+  <dgm:styleLbl name="alignAccFollowNode1">
+    <dgm:fillClrLst meth="repeat">
+      <a:schemeClr val="accent1">
+        <a:alpha val="90000"/>
+        <a:tint val="40000"/>
+      </a:schemeClr>
+    </dgm:fillClrLst>
+    <dgm:linClrLst meth="repeat">
+      <a:schemeClr val="accent1">
+        <a:alpha val="90000"/>
+        <a:tint val="40000"/>
+      </a:schemeClr>
+    </dgm:linClrLst>
+    <dgm:effectClrLst/>
+    <dgm:txLinClrLst/>
+    <dgm:txFillClrLst meth="repeat">
+      <a:schemeClr val="dk1"/>
+    </dgm:txFillClrLst>
+    <dgm:txEffectClrLst/>
+  </dgm:styleLbl>
+  <dgm:styleLbl name="bgAccFollowNode1">
+    <dgm:fillClrLst meth="repeat">
+      <a:schemeClr val="accent1">
+        <a:alpha val="90000"/>
+        <a:tint val="40000"/>
+      </a:schemeClr>
+    </dgm:fillClrLst>
+    <dgm:linClrLst meth="repeat">
+      <a:schemeClr val="accent1">
+        <a:alpha val="90000"/>
+        <a:tint val="40000"/>
+      </a:schemeClr>
+    </dgm:linClrLst>
+    <dgm:effectClrLst/>
+    <dgm:txLinClrLst/>
+    <dgm:txFillClrLst meth="repeat">
+      <a:schemeClr val="dk1"/>
+    </dgm:txFillClrLst>
+    <dgm:txEffectClrLst/>
+  </dgm:styleLbl>
+  <dgm:styleLbl name="fgAcc0">
+    <dgm:fillClrLst meth="repeat">
+      <a:schemeClr val="lt1">
+        <a:alpha val="90000"/>
+      </a:schemeClr>
+    </dgm:fillClrLst>
+    <dgm:linClrLst meth="repeat">
+      <a:schemeClr val="accent1"/>
+    </dgm:linClrLst>
+    <dgm:effectClrLst/>
+    <dgm:txLinClrLst/>
+    <dgm:txFillClrLst meth="repeat">
+      <a:schemeClr val="dk1"/>
+    </dgm:txFillClrLst>
+    <dgm:txEffectClrLst/>
+  </dgm:styleLbl>
+  <dgm:styleLbl name="fgAcc2">
+    <dgm:fillClrLst meth="repeat">
+      <a:schemeClr val="lt1">
+        <a:alpha val="90000"/>
+      </a:schemeClr>
+    </dgm:fillClrLst>
+    <dgm:linClrLst meth="repeat">
+      <a:schemeClr val="accent1"/>
+    </dgm:linClrLst>
+    <dgm:effectClrLst/>
+    <dgm:txLinClrLst/>
+    <dgm:txFillClrLst meth="repeat">
+      <a:schemeClr val="dk1"/>
+    </dgm:txFillClrLst>
+    <dgm:txEffectClrLst/>
+  </dgm:styleLbl>
+  <dgm:styleLbl name="fgAcc3">
+    <dgm:fillClrLst meth="repeat">
+      <a:schemeClr val="lt1">
+        <a:alpha val="90000"/>
+      </a:schemeClr>
+    </dgm:fillClrLst>
+    <dgm:linClrLst meth="repeat">
+      <a:schemeClr val="accent1"/>
+    </dgm:linClrLst>
+    <dgm:effectClrLst/>
+    <dgm:txLinClrLst/>
+    <dgm:txFillClrLst meth="repeat">
+      <a:schemeClr val="dk1"/>
+    </dgm:txFillClrLst>
+    <dgm:txEffectClrLst/>
+  </dgm:styleLbl>
+  <dgm:styleLbl name="fgAcc4">
+    <dgm:fillClrLst meth="repeat">
+      <a:schemeClr val="lt1">
+        <a:alpha val="90000"/>
+      </a:schemeClr>
+    </dgm:fillClrLst>
+    <dgm:linClrLst meth="repeat">
+      <a:schemeClr val="accent1"/>
+    </dgm:linClrLst>
+    <dgm:effectClrLst/>
+    <dgm:txLinClrLst/>
+    <dgm:txFillClrLst meth="repeat">
+      <a:schemeClr val="dk1"/>
+    </dgm:txFillClrLst>
+    <dgm:txEffectClrLst/>
+  </dgm:styleLbl>
+  <dgm:styleLbl name="bgShp">
+    <dgm:fillClrLst meth="repeat">
+      <a:schemeClr val="accent1">
+        <a:tint val="40000"/>
+      </a:schemeClr>
+    </dgm:fillClrLst>
+    <dgm:linClrLst meth="repeat">
+      <a:schemeClr val="accent1"/>
+    </dgm:linClrLst>
+    <dgm:effectClrLst/>
+    <dgm:txLinClrLst/>
+    <dgm:txFillClrLst meth="repeat">
+      <a:schemeClr val="dk1"/>
+    </dgm:txFillClrLst>
+    <dgm:txEffectClrLst/>
+  </dgm:styleLbl>
+  <dgm:styleLbl name="dkBgShp">
+    <dgm:fillClrLst meth="repeat">
+      <a:schemeClr val="accent1">
+        <a:shade val="80000"/>
+      </a:schemeClr>
+    </dgm:fillClrLst>
+    <dgm:linClrLst meth="repeat">
+      <a:schemeClr val="accent1"/>
+    </dgm:linClrLst>
+    <dgm:effectClrLst/>
+    <dgm:txLinClrLst/>
+    <dgm:txFillClrLst meth="repeat">
+      <a:schemeClr val="lt1"/>
+    </dgm:txFillClrLst>
+    <dgm:txEffectClrLst/>
+  </dgm:styleLbl>
+  <dgm:styleLbl name="trBgShp">
+    <dgm:fillClrLst meth="repeat">
+      <a:schemeClr val="accent1">
+        <a:tint val="50000"/>
+        <a:alpha val="40000"/>
+      </a:schemeClr>
+    </dgm:fillClrLst>
+    <dgm:linClrLst meth="repeat">
+      <a:schemeClr val="accent1"/>
+    </dgm:linClrLst>
+    <dgm:effectClrLst/>
+    <dgm:txLinClrLst/>
+    <dgm:txFillClrLst meth="repeat">
+      <a:schemeClr val="lt1"/>
+    </dgm:txFillClrLst>
+    <dgm:txEffectClrLst/>
+  </dgm:styleLbl>
+  <dgm:styleLbl name="fgShp">
+    <dgm:fillClrLst meth="repeat">
+      <a:schemeClr val="accent1">
+        <a:tint val="60000"/>
+      </a:schemeClr>
+    </dgm:fillClrLst>
+    <dgm:linClrLst meth="repeat">
+      <a:schemeClr val="lt1"/>
+    </dgm:linClrLst>
+    <dgm:effectClrLst/>
+    <dgm:txLinClrLst/>
+    <dgm:txFillClrLst meth="repeat">
+      <a:schemeClr val="dk1"/>
+    </dgm:txFillClrLst>
+    <dgm:txEffectClrLst/>
+  </dgm:styleLbl>
+  <dgm:styleLbl name="revTx">
+    <dgm:fillClrLst meth="repeat">
+      <a:schemeClr val="lt1">
+        <a:alpha val="0"/>
+      </a:schemeClr>
+    </dgm:fillClrLst>
+    <dgm:linClrLst meth="repeat">
+      <a:schemeClr val="dk1">
+        <a:alpha val="0"/>
+      </a:schemeClr>
+    </dgm:linClrLst>
+    <dgm:effectClrLst/>
+    <dgm:txLinClrLst/>
+    <dgm:txFillClrLst meth="repeat">
+      <a:schemeClr val="tx1"/>
+    </dgm:txFillClrLst>
+    <dgm:txEffectClrLst/>
+  </dgm:styleLbl>
+</dgm:colorsDef>
+</file>
+
+<file path=ppt/diagrams/data1.xml><?xml version="1.0" encoding="utf-8"?>
+<dgm:dataModel xmlns:dgm="http://schemas.openxmlformats.org/drawingml/2006/diagram" xmlns:a="http://schemas.openxmlformats.org/drawingml/2006/main">
+  <dgm:ptLst>
+    <dgm:pt modelId="{D04CFBC0-9D5E-4287-8547-183AB4A3B617}" type="doc">
+      <dgm:prSet loTypeId="urn:microsoft.com/office/officeart/2005/8/layout/chevron2" loCatId="process" qsTypeId="urn:microsoft.com/office/officeart/2005/8/quickstyle/simple1" qsCatId="simple" csTypeId="urn:microsoft.com/office/officeart/2005/8/colors/accent1_2" csCatId="accent1" phldr="1"/>
+      <dgm:spPr/>
+      <dgm:t>
+        <a:bodyPr/>
+        <a:lstStyle/>
+        <a:p>
+          <a:endParaRPr lang="en-US"/>
+        </a:p>
+      </dgm:t>
+    </dgm:pt>
+    <dgm:pt modelId="{B307596A-F680-4045-BF7F-F9CB52F3B002}">
+      <dgm:prSet phldrT="[Text]" custT="1"/>
+      <dgm:spPr/>
+      <dgm:t>
+        <a:bodyPr/>
+        <a:lstStyle/>
+        <a:p>
+          <a:r>
+            <a:rPr lang="en-US" sz="2000" dirty="0"/>
+            <a:t>Linear</a:t>
+          </a:r>
+        </a:p>
+      </dgm:t>
+    </dgm:pt>
+    <dgm:pt modelId="{B8A79D03-3646-40BF-8578-6ACBFB698D74}" type="parTrans" cxnId="{D1AD703D-F2FB-49E7-8D16-4ADA575B7984}">
+      <dgm:prSet/>
+      <dgm:spPr/>
+      <dgm:t>
+        <a:bodyPr/>
+        <a:lstStyle/>
+        <a:p>
+          <a:endParaRPr lang="en-US"/>
+        </a:p>
+      </dgm:t>
+    </dgm:pt>
+    <dgm:pt modelId="{AD392D25-5E88-4FBE-AB26-2E76AC3DF6D5}" type="sibTrans" cxnId="{D1AD703D-F2FB-49E7-8D16-4ADA575B7984}">
+      <dgm:prSet/>
+      <dgm:spPr/>
+      <dgm:t>
+        <a:bodyPr/>
+        <a:lstStyle/>
+        <a:p>
+          <a:endParaRPr lang="en-US"/>
+        </a:p>
+      </dgm:t>
+    </dgm:pt>
+    <dgm:pt modelId="{16E3F1D2-F25C-4239-911D-27F65F3335D6}">
+      <dgm:prSet phldrT="[Text]" phldr="1" custT="1"/>
+      <dgm:spPr/>
+      <dgm:t>
+        <a:bodyPr/>
+        <a:lstStyle/>
+        <a:p>
+          <a:endParaRPr lang="en-US" sz="2000" dirty="0"/>
+        </a:p>
+      </dgm:t>
+    </dgm:pt>
+    <dgm:pt modelId="{EA6AAECD-62DE-4D9D-B790-874AB6B7BAE1}" type="parTrans" cxnId="{4B0E7D9C-D0F8-4DC0-93D1-6198F86D3DF6}">
+      <dgm:prSet/>
+      <dgm:spPr/>
+      <dgm:t>
+        <a:bodyPr/>
+        <a:lstStyle/>
+        <a:p>
+          <a:endParaRPr lang="en-US"/>
+        </a:p>
+      </dgm:t>
+    </dgm:pt>
+    <dgm:pt modelId="{6EA6C52A-B8EC-4766-AFBA-FC63D41A1339}" type="sibTrans" cxnId="{4B0E7D9C-D0F8-4DC0-93D1-6198F86D3DF6}">
+      <dgm:prSet/>
+      <dgm:spPr/>
+      <dgm:t>
+        <a:bodyPr/>
+        <a:lstStyle/>
+        <a:p>
+          <a:endParaRPr lang="en-US"/>
+        </a:p>
+      </dgm:t>
+    </dgm:pt>
+    <dgm:pt modelId="{37DDB56E-1999-4AE9-B3A2-281DC5BB6371}">
+      <dgm:prSet phldrT="[Text]" phldr="1" custT="1"/>
+      <dgm:spPr/>
+      <dgm:t>
+        <a:bodyPr/>
+        <a:lstStyle/>
+        <a:p>
+          <a:endParaRPr lang="en-US" sz="2000"/>
+        </a:p>
+      </dgm:t>
+    </dgm:pt>
+    <dgm:pt modelId="{33AAA74D-9F93-40EC-B5FF-81E94C4DF77A}" type="parTrans" cxnId="{486A906C-AF3C-41B5-B666-79E54A07E133}">
+      <dgm:prSet/>
+      <dgm:spPr/>
+      <dgm:t>
+        <a:bodyPr/>
+        <a:lstStyle/>
+        <a:p>
+          <a:endParaRPr lang="en-US"/>
+        </a:p>
+      </dgm:t>
+    </dgm:pt>
+    <dgm:pt modelId="{7ED73FE7-2CD2-4015-9588-60B020231480}" type="sibTrans" cxnId="{486A906C-AF3C-41B5-B666-79E54A07E133}">
+      <dgm:prSet/>
+      <dgm:spPr/>
+      <dgm:t>
+        <a:bodyPr/>
+        <a:lstStyle/>
+        <a:p>
+          <a:endParaRPr lang="en-US"/>
+        </a:p>
+      </dgm:t>
+    </dgm:pt>
+    <dgm:pt modelId="{648FE4C9-EB36-406E-9B38-C533FE163D96}">
+      <dgm:prSet phldrT="[Text]" custT="1"/>
+      <dgm:spPr/>
+      <dgm:t>
+        <a:bodyPr/>
+        <a:lstStyle/>
+        <a:p>
+          <a:r>
+            <a:rPr lang="en-US" sz="2000" dirty="0"/>
+            <a:t>Neural Net</a:t>
+          </a:r>
+        </a:p>
+      </dgm:t>
+    </dgm:pt>
+    <dgm:pt modelId="{EC7A3B53-E318-4E17-B990-F1A3CB402428}" type="parTrans" cxnId="{426ED3F0-ABB6-41BB-A33A-98984ADFC6FD}">
+      <dgm:prSet/>
+      <dgm:spPr/>
+      <dgm:t>
+        <a:bodyPr/>
+        <a:lstStyle/>
+        <a:p>
+          <a:endParaRPr lang="en-US"/>
+        </a:p>
+      </dgm:t>
+    </dgm:pt>
+    <dgm:pt modelId="{6C71CE9C-9A2A-4B7E-AAB5-ECF751D2011E}" type="sibTrans" cxnId="{426ED3F0-ABB6-41BB-A33A-98984ADFC6FD}">
+      <dgm:prSet/>
+      <dgm:spPr/>
+      <dgm:t>
+        <a:bodyPr/>
+        <a:lstStyle/>
+        <a:p>
+          <a:endParaRPr lang="en-US"/>
+        </a:p>
+      </dgm:t>
+    </dgm:pt>
+    <dgm:pt modelId="{4D91F83C-842C-41A0-AF28-56476AD32335}">
+      <dgm:prSet phldrT="[Text]" phldr="1" custT="1"/>
+      <dgm:spPr/>
+      <dgm:t>
+        <a:bodyPr/>
+        <a:lstStyle/>
+        <a:p>
+          <a:endParaRPr lang="en-US" sz="2000" dirty="0"/>
+        </a:p>
+      </dgm:t>
+    </dgm:pt>
+    <dgm:pt modelId="{D8560B95-096E-4CBF-B773-7E24C7BE0BAE}" type="parTrans" cxnId="{044B5B4D-9BA4-4440-B681-3C26D5D3D342}">
+      <dgm:prSet/>
+      <dgm:spPr/>
+      <dgm:t>
+        <a:bodyPr/>
+        <a:lstStyle/>
+        <a:p>
+          <a:endParaRPr lang="en-US"/>
+        </a:p>
+      </dgm:t>
+    </dgm:pt>
+    <dgm:pt modelId="{6FBE864F-9378-4E83-89D3-7D0F89F6C25A}" type="sibTrans" cxnId="{044B5B4D-9BA4-4440-B681-3C26D5D3D342}">
+      <dgm:prSet/>
+      <dgm:spPr/>
+      <dgm:t>
+        <a:bodyPr/>
+        <a:lstStyle/>
+        <a:p>
+          <a:endParaRPr lang="en-US"/>
+        </a:p>
+      </dgm:t>
+    </dgm:pt>
+    <dgm:pt modelId="{146E3B88-E8A3-4EBA-9861-EF668551891D}">
+      <dgm:prSet phldrT="[Text]" phldr="1" custT="1"/>
+      <dgm:spPr/>
+      <dgm:t>
+        <a:bodyPr/>
+        <a:lstStyle/>
+        <a:p>
+          <a:endParaRPr lang="en-US" sz="2000" dirty="0"/>
+        </a:p>
+      </dgm:t>
+    </dgm:pt>
+    <dgm:pt modelId="{BBAAF584-0E15-416F-88DA-F8057C3F640C}" type="parTrans" cxnId="{3A700A3E-9619-495A-8F84-70F81AEBE848}">
+      <dgm:prSet/>
+      <dgm:spPr/>
+      <dgm:t>
+        <a:bodyPr/>
+        <a:lstStyle/>
+        <a:p>
+          <a:endParaRPr lang="en-US"/>
+        </a:p>
+      </dgm:t>
+    </dgm:pt>
+    <dgm:pt modelId="{684D6F63-CBC6-4E48-8364-AB6E60644A2E}" type="sibTrans" cxnId="{3A700A3E-9619-495A-8F84-70F81AEBE848}">
+      <dgm:prSet/>
+      <dgm:spPr/>
+      <dgm:t>
+        <a:bodyPr/>
+        <a:lstStyle/>
+        <a:p>
+          <a:endParaRPr lang="en-US"/>
+        </a:p>
+      </dgm:t>
+    </dgm:pt>
+    <dgm:pt modelId="{99CE1582-0AAD-4E95-AB1D-9007017844D4}">
+      <dgm:prSet phldrT="[Text]" custT="1"/>
+      <dgm:spPr/>
+      <dgm:t>
+        <a:bodyPr/>
+        <a:lstStyle/>
+        <a:p>
+          <a:r>
+            <a:rPr lang="en-US" sz="2000" dirty="0"/>
+            <a:t>Random Forest</a:t>
+          </a:r>
+        </a:p>
+      </dgm:t>
+    </dgm:pt>
+    <dgm:pt modelId="{BE2EEECF-B5AA-43EA-AED6-E804B913CD85}" type="parTrans" cxnId="{CB33FD76-8C91-4AF8-8EBC-C63FC2D9F9A1}">
+      <dgm:prSet/>
+      <dgm:spPr/>
+      <dgm:t>
+        <a:bodyPr/>
+        <a:lstStyle/>
+        <a:p>
+          <a:endParaRPr lang="en-US"/>
+        </a:p>
+      </dgm:t>
+    </dgm:pt>
+    <dgm:pt modelId="{AB842EB1-B059-4631-8B4E-1B8E231BDAC2}" type="sibTrans" cxnId="{CB33FD76-8C91-4AF8-8EBC-C63FC2D9F9A1}">
+      <dgm:prSet/>
+      <dgm:spPr/>
+      <dgm:t>
+        <a:bodyPr/>
+        <a:lstStyle/>
+        <a:p>
+          <a:endParaRPr lang="en-US"/>
+        </a:p>
+      </dgm:t>
+    </dgm:pt>
+    <dgm:pt modelId="{13244804-DF7F-41ED-800F-9E21952489B3}">
+      <dgm:prSet phldrT="[Text]" phldr="1" custT="1"/>
+      <dgm:spPr/>
+      <dgm:t>
+        <a:bodyPr/>
+        <a:lstStyle/>
+        <a:p>
+          <a:endParaRPr lang="en-US" sz="2000" dirty="0"/>
+        </a:p>
+      </dgm:t>
+    </dgm:pt>
+    <dgm:pt modelId="{27485B83-C1DF-47AB-957B-D360F5F2187B}" type="parTrans" cxnId="{E2847A92-B976-4222-A67C-F3178A955959}">
+      <dgm:prSet/>
+      <dgm:spPr/>
+      <dgm:t>
+        <a:bodyPr/>
+        <a:lstStyle/>
+        <a:p>
+          <a:endParaRPr lang="en-US"/>
+        </a:p>
+      </dgm:t>
+    </dgm:pt>
+    <dgm:pt modelId="{67CE6561-62DD-4DE1-847B-F09427402B88}" type="sibTrans" cxnId="{E2847A92-B976-4222-A67C-F3178A955959}">
+      <dgm:prSet/>
+      <dgm:spPr/>
+      <dgm:t>
+        <a:bodyPr/>
+        <a:lstStyle/>
+        <a:p>
+          <a:endParaRPr lang="en-US"/>
+        </a:p>
+      </dgm:t>
+    </dgm:pt>
+    <dgm:pt modelId="{2984861A-41FE-4C38-B42C-29967F703A42}">
+      <dgm:prSet phldrT="[Text]" phldr="1" custT="1"/>
+      <dgm:spPr/>
+      <dgm:t>
+        <a:bodyPr/>
+        <a:lstStyle/>
+        <a:p>
+          <a:endParaRPr lang="en-US" sz="2000" dirty="0"/>
+        </a:p>
+      </dgm:t>
+    </dgm:pt>
+    <dgm:pt modelId="{4112759F-8BCB-4BC6-83F6-6F0C47C71CEB}" type="parTrans" cxnId="{BFBE0805-7BF0-4222-89E3-E7C13513FC4B}">
+      <dgm:prSet/>
+      <dgm:spPr/>
+      <dgm:t>
+        <a:bodyPr/>
+        <a:lstStyle/>
+        <a:p>
+          <a:endParaRPr lang="en-US"/>
+        </a:p>
+      </dgm:t>
+    </dgm:pt>
+    <dgm:pt modelId="{F3FE44AC-3970-4D4A-A929-3F8432B6B1D4}" type="sibTrans" cxnId="{BFBE0805-7BF0-4222-89E3-E7C13513FC4B}">
+      <dgm:prSet/>
+      <dgm:spPr/>
+      <dgm:t>
+        <a:bodyPr/>
+        <a:lstStyle/>
+        <a:p>
+          <a:endParaRPr lang="en-US"/>
+        </a:p>
+      </dgm:t>
+    </dgm:pt>
+    <dgm:pt modelId="{C4AF49DF-4D0B-4409-842E-9FFE653E6C69}" type="pres">
+      <dgm:prSet presAssocID="{D04CFBC0-9D5E-4287-8547-183AB4A3B617}" presName="linearFlow" presStyleCnt="0">
+        <dgm:presLayoutVars>
+          <dgm:dir/>
+          <dgm:animLvl val="lvl"/>
+          <dgm:resizeHandles val="exact"/>
+        </dgm:presLayoutVars>
+      </dgm:prSet>
+      <dgm:spPr/>
+    </dgm:pt>
+    <dgm:pt modelId="{CF0879A1-ACDE-4EDF-8E9A-641C81B39F06}" type="pres">
+      <dgm:prSet presAssocID="{B307596A-F680-4045-BF7F-F9CB52F3B002}" presName="composite" presStyleCnt="0"/>
+      <dgm:spPr/>
+    </dgm:pt>
+    <dgm:pt modelId="{1FB642F2-5973-4E4D-A95D-8502E173DA69}" type="pres">
+      <dgm:prSet presAssocID="{B307596A-F680-4045-BF7F-F9CB52F3B002}" presName="parentText" presStyleLbl="alignNode1" presStyleIdx="0" presStyleCnt="3">
+        <dgm:presLayoutVars>
+          <dgm:chMax val="1"/>
+          <dgm:bulletEnabled val="1"/>
+        </dgm:presLayoutVars>
+      </dgm:prSet>
+      <dgm:spPr/>
+    </dgm:pt>
+    <dgm:pt modelId="{9CEA4777-4A8C-4622-83EB-DD4BF734F25B}" type="pres">
+      <dgm:prSet presAssocID="{B307596A-F680-4045-BF7F-F9CB52F3B002}" presName="descendantText" presStyleLbl="alignAcc1" presStyleIdx="0" presStyleCnt="3">
+        <dgm:presLayoutVars>
+          <dgm:bulletEnabled val="1"/>
+        </dgm:presLayoutVars>
+      </dgm:prSet>
+      <dgm:spPr/>
+    </dgm:pt>
+    <dgm:pt modelId="{C30EC0D7-F9A2-4877-B570-37DF39487F06}" type="pres">
+      <dgm:prSet presAssocID="{AD392D25-5E88-4FBE-AB26-2E76AC3DF6D5}" presName="sp" presStyleCnt="0"/>
+      <dgm:spPr/>
+    </dgm:pt>
+    <dgm:pt modelId="{CB50DEB6-EFA4-4D1D-8187-474D5DAC4963}" type="pres">
+      <dgm:prSet presAssocID="{648FE4C9-EB36-406E-9B38-C533FE163D96}" presName="composite" presStyleCnt="0"/>
+      <dgm:spPr/>
+    </dgm:pt>
+    <dgm:pt modelId="{526A3ECB-FEA5-4220-8870-16588F0336D8}" type="pres">
+      <dgm:prSet presAssocID="{648FE4C9-EB36-406E-9B38-C533FE163D96}" presName="parentText" presStyleLbl="alignNode1" presStyleIdx="1" presStyleCnt="3">
+        <dgm:presLayoutVars>
+          <dgm:chMax val="1"/>
+          <dgm:bulletEnabled val="1"/>
+        </dgm:presLayoutVars>
+      </dgm:prSet>
+      <dgm:spPr/>
+    </dgm:pt>
+    <dgm:pt modelId="{347BE1A1-F995-4E94-A59A-4C69804335E2}" type="pres">
+      <dgm:prSet presAssocID="{648FE4C9-EB36-406E-9B38-C533FE163D96}" presName="descendantText" presStyleLbl="alignAcc1" presStyleIdx="1" presStyleCnt="3">
+        <dgm:presLayoutVars>
+          <dgm:bulletEnabled val="1"/>
+        </dgm:presLayoutVars>
+      </dgm:prSet>
+      <dgm:spPr/>
+    </dgm:pt>
+    <dgm:pt modelId="{57CED9A4-E27D-4749-B4C3-C8F195C0061E}" type="pres">
+      <dgm:prSet presAssocID="{6C71CE9C-9A2A-4B7E-AAB5-ECF751D2011E}" presName="sp" presStyleCnt="0"/>
+      <dgm:spPr/>
+    </dgm:pt>
+    <dgm:pt modelId="{776850D0-DC95-4A4E-9085-0DB8E552FB9F}" type="pres">
+      <dgm:prSet presAssocID="{99CE1582-0AAD-4E95-AB1D-9007017844D4}" presName="composite" presStyleCnt="0"/>
+      <dgm:spPr/>
+    </dgm:pt>
+    <dgm:pt modelId="{34AAE35E-110F-4C77-86E5-C424DD99D489}" type="pres">
+      <dgm:prSet presAssocID="{99CE1582-0AAD-4E95-AB1D-9007017844D4}" presName="parentText" presStyleLbl="alignNode1" presStyleIdx="2" presStyleCnt="3">
+        <dgm:presLayoutVars>
+          <dgm:chMax val="1"/>
+          <dgm:bulletEnabled val="1"/>
+        </dgm:presLayoutVars>
+      </dgm:prSet>
+      <dgm:spPr/>
+    </dgm:pt>
+    <dgm:pt modelId="{A9D307DA-2DD2-4587-9EEC-3BDC86BFB166}" type="pres">
+      <dgm:prSet presAssocID="{99CE1582-0AAD-4E95-AB1D-9007017844D4}" presName="descendantText" presStyleLbl="alignAcc1" presStyleIdx="2" presStyleCnt="3">
+        <dgm:presLayoutVars>
+          <dgm:bulletEnabled val="1"/>
+        </dgm:presLayoutVars>
+      </dgm:prSet>
+      <dgm:spPr/>
+    </dgm:pt>
+  </dgm:ptLst>
+  <dgm:cxnLst>
+    <dgm:cxn modelId="{E4599500-2CFD-4B20-9BCB-A889DCED07E5}" type="presOf" srcId="{16E3F1D2-F25C-4239-911D-27F65F3335D6}" destId="{9CEA4777-4A8C-4622-83EB-DD4BF734F25B}" srcOrd="0" destOrd="0" presId="urn:microsoft.com/office/officeart/2005/8/layout/chevron2"/>
+    <dgm:cxn modelId="{BFBE0805-7BF0-4222-89E3-E7C13513FC4B}" srcId="{99CE1582-0AAD-4E95-AB1D-9007017844D4}" destId="{2984861A-41FE-4C38-B42C-29967F703A42}" srcOrd="1" destOrd="0" parTransId="{4112759F-8BCB-4BC6-83F6-6F0C47C71CEB}" sibTransId="{F3FE44AC-3970-4D4A-A929-3F8432B6B1D4}"/>
+    <dgm:cxn modelId="{26152C1B-F7C0-4BB6-A318-40D47EB35674}" type="presOf" srcId="{2984861A-41FE-4C38-B42C-29967F703A42}" destId="{A9D307DA-2DD2-4587-9EEC-3BDC86BFB166}" srcOrd="0" destOrd="1" presId="urn:microsoft.com/office/officeart/2005/8/layout/chevron2"/>
+    <dgm:cxn modelId="{D1AD703D-F2FB-49E7-8D16-4ADA575B7984}" srcId="{D04CFBC0-9D5E-4287-8547-183AB4A3B617}" destId="{B307596A-F680-4045-BF7F-F9CB52F3B002}" srcOrd="0" destOrd="0" parTransId="{B8A79D03-3646-40BF-8578-6ACBFB698D74}" sibTransId="{AD392D25-5E88-4FBE-AB26-2E76AC3DF6D5}"/>
+    <dgm:cxn modelId="{3A700A3E-9619-495A-8F84-70F81AEBE848}" srcId="{648FE4C9-EB36-406E-9B38-C533FE163D96}" destId="{146E3B88-E8A3-4EBA-9861-EF668551891D}" srcOrd="1" destOrd="0" parTransId="{BBAAF584-0E15-416F-88DA-F8057C3F640C}" sibTransId="{684D6F63-CBC6-4E48-8364-AB6E60644A2E}"/>
+    <dgm:cxn modelId="{84D9803E-95A3-4FD1-9DC0-0D639C71EB70}" type="presOf" srcId="{99CE1582-0AAD-4E95-AB1D-9007017844D4}" destId="{34AAE35E-110F-4C77-86E5-C424DD99D489}" srcOrd="0" destOrd="0" presId="urn:microsoft.com/office/officeart/2005/8/layout/chevron2"/>
+    <dgm:cxn modelId="{8DBBBE40-D428-4588-BE24-5D579844DC0D}" type="presOf" srcId="{146E3B88-E8A3-4EBA-9861-EF668551891D}" destId="{347BE1A1-F995-4E94-A59A-4C69804335E2}" srcOrd="0" destOrd="1" presId="urn:microsoft.com/office/officeart/2005/8/layout/chevron2"/>
+    <dgm:cxn modelId="{7C83755F-126D-4D00-A3D0-3F60030EE216}" type="presOf" srcId="{4D91F83C-842C-41A0-AF28-56476AD32335}" destId="{347BE1A1-F995-4E94-A59A-4C69804335E2}" srcOrd="0" destOrd="0" presId="urn:microsoft.com/office/officeart/2005/8/layout/chevron2"/>
+    <dgm:cxn modelId="{486A906C-AF3C-41B5-B666-79E54A07E133}" srcId="{B307596A-F680-4045-BF7F-F9CB52F3B002}" destId="{37DDB56E-1999-4AE9-B3A2-281DC5BB6371}" srcOrd="1" destOrd="0" parTransId="{33AAA74D-9F93-40EC-B5FF-81E94C4DF77A}" sibTransId="{7ED73FE7-2CD2-4015-9588-60B020231480}"/>
+    <dgm:cxn modelId="{044B5B4D-9BA4-4440-B681-3C26D5D3D342}" srcId="{648FE4C9-EB36-406E-9B38-C533FE163D96}" destId="{4D91F83C-842C-41A0-AF28-56476AD32335}" srcOrd="0" destOrd="0" parTransId="{D8560B95-096E-4CBF-B773-7E24C7BE0BAE}" sibTransId="{6FBE864F-9378-4E83-89D3-7D0F89F6C25A}"/>
+    <dgm:cxn modelId="{CB33FD76-8C91-4AF8-8EBC-C63FC2D9F9A1}" srcId="{D04CFBC0-9D5E-4287-8547-183AB4A3B617}" destId="{99CE1582-0AAD-4E95-AB1D-9007017844D4}" srcOrd="2" destOrd="0" parTransId="{BE2EEECF-B5AA-43EA-AED6-E804B913CD85}" sibTransId="{AB842EB1-B059-4631-8B4E-1B8E231BDAC2}"/>
+    <dgm:cxn modelId="{EE11F75A-90FF-4CC9-B552-DAD90142E493}" type="presOf" srcId="{13244804-DF7F-41ED-800F-9E21952489B3}" destId="{A9D307DA-2DD2-4587-9EEC-3BDC86BFB166}" srcOrd="0" destOrd="0" presId="urn:microsoft.com/office/officeart/2005/8/layout/chevron2"/>
+    <dgm:cxn modelId="{E2847A92-B976-4222-A67C-F3178A955959}" srcId="{99CE1582-0AAD-4E95-AB1D-9007017844D4}" destId="{13244804-DF7F-41ED-800F-9E21952489B3}" srcOrd="0" destOrd="0" parTransId="{27485B83-C1DF-47AB-957B-D360F5F2187B}" sibTransId="{67CE6561-62DD-4DE1-847B-F09427402B88}"/>
+    <dgm:cxn modelId="{4B0E7D9C-D0F8-4DC0-93D1-6198F86D3DF6}" srcId="{B307596A-F680-4045-BF7F-F9CB52F3B002}" destId="{16E3F1D2-F25C-4239-911D-27F65F3335D6}" srcOrd="0" destOrd="0" parTransId="{EA6AAECD-62DE-4D9D-B790-874AB6B7BAE1}" sibTransId="{6EA6C52A-B8EC-4766-AFBA-FC63D41A1339}"/>
+    <dgm:cxn modelId="{EA0FE5B4-E0E0-422B-954F-C1D54942D5B5}" type="presOf" srcId="{D04CFBC0-9D5E-4287-8547-183AB4A3B617}" destId="{C4AF49DF-4D0B-4409-842E-9FFE653E6C69}" srcOrd="0" destOrd="0" presId="urn:microsoft.com/office/officeart/2005/8/layout/chevron2"/>
+    <dgm:cxn modelId="{1BD145D5-6913-44B0-838C-5F8E0CC3017E}" type="presOf" srcId="{B307596A-F680-4045-BF7F-F9CB52F3B002}" destId="{1FB642F2-5973-4E4D-A95D-8502E173DA69}" srcOrd="0" destOrd="0" presId="urn:microsoft.com/office/officeart/2005/8/layout/chevron2"/>
+    <dgm:cxn modelId="{A1138EE4-0254-4BEC-90DA-A017A68D08F5}" type="presOf" srcId="{648FE4C9-EB36-406E-9B38-C533FE163D96}" destId="{526A3ECB-FEA5-4220-8870-16588F0336D8}" srcOrd="0" destOrd="0" presId="urn:microsoft.com/office/officeart/2005/8/layout/chevron2"/>
+    <dgm:cxn modelId="{426ED3F0-ABB6-41BB-A33A-98984ADFC6FD}" srcId="{D04CFBC0-9D5E-4287-8547-183AB4A3B617}" destId="{648FE4C9-EB36-406E-9B38-C533FE163D96}" srcOrd="1" destOrd="0" parTransId="{EC7A3B53-E318-4E17-B990-F1A3CB402428}" sibTransId="{6C71CE9C-9A2A-4B7E-AAB5-ECF751D2011E}"/>
+    <dgm:cxn modelId="{8F6894FE-5C35-441F-9F9D-D1F400D1701F}" type="presOf" srcId="{37DDB56E-1999-4AE9-B3A2-281DC5BB6371}" destId="{9CEA4777-4A8C-4622-83EB-DD4BF734F25B}" srcOrd="0" destOrd="1" presId="urn:microsoft.com/office/officeart/2005/8/layout/chevron2"/>
+    <dgm:cxn modelId="{56BC2176-EBC3-493A-802F-17C1BEB6ECA1}" type="presParOf" srcId="{C4AF49DF-4D0B-4409-842E-9FFE653E6C69}" destId="{CF0879A1-ACDE-4EDF-8E9A-641C81B39F06}" srcOrd="0" destOrd="0" presId="urn:microsoft.com/office/officeart/2005/8/layout/chevron2"/>
+    <dgm:cxn modelId="{63986024-E452-4E67-97CA-BA32D0BB7593}" type="presParOf" srcId="{CF0879A1-ACDE-4EDF-8E9A-641C81B39F06}" destId="{1FB642F2-5973-4E4D-A95D-8502E173DA69}" srcOrd="0" destOrd="0" presId="urn:microsoft.com/office/officeart/2005/8/layout/chevron2"/>
+    <dgm:cxn modelId="{84DC9E03-B201-447F-A065-965648D9FE76}" type="presParOf" srcId="{CF0879A1-ACDE-4EDF-8E9A-641C81B39F06}" destId="{9CEA4777-4A8C-4622-83EB-DD4BF734F25B}" srcOrd="1" destOrd="0" presId="urn:microsoft.com/office/officeart/2005/8/layout/chevron2"/>
+    <dgm:cxn modelId="{9EB4E9D4-42E9-4238-8693-BCF33FCC4605}" type="presParOf" srcId="{C4AF49DF-4D0B-4409-842E-9FFE653E6C69}" destId="{C30EC0D7-F9A2-4877-B570-37DF39487F06}" srcOrd="1" destOrd="0" presId="urn:microsoft.com/office/officeart/2005/8/layout/chevron2"/>
+    <dgm:cxn modelId="{2CE020A2-CCF9-46DF-B0E5-0DF266237F77}" type="presParOf" srcId="{C4AF49DF-4D0B-4409-842E-9FFE653E6C69}" destId="{CB50DEB6-EFA4-4D1D-8187-474D5DAC4963}" srcOrd="2" destOrd="0" presId="urn:microsoft.com/office/officeart/2005/8/layout/chevron2"/>
+    <dgm:cxn modelId="{6103D647-94D3-4DB0-B361-3389858CE869}" type="presParOf" srcId="{CB50DEB6-EFA4-4D1D-8187-474D5DAC4963}" destId="{526A3ECB-FEA5-4220-8870-16588F0336D8}" srcOrd="0" destOrd="0" presId="urn:microsoft.com/office/officeart/2005/8/layout/chevron2"/>
+    <dgm:cxn modelId="{89CD0926-1556-478F-B98C-03E96AB5B8DB}" type="presParOf" srcId="{CB50DEB6-EFA4-4D1D-8187-474D5DAC4963}" destId="{347BE1A1-F995-4E94-A59A-4C69804335E2}" srcOrd="1" destOrd="0" presId="urn:microsoft.com/office/officeart/2005/8/layout/chevron2"/>
+    <dgm:cxn modelId="{F2DFEE7C-16E2-4180-84B3-A497CDA8DC10}" type="presParOf" srcId="{C4AF49DF-4D0B-4409-842E-9FFE653E6C69}" destId="{57CED9A4-E27D-4749-B4C3-C8F195C0061E}" srcOrd="3" destOrd="0" presId="urn:microsoft.com/office/officeart/2005/8/layout/chevron2"/>
+    <dgm:cxn modelId="{BE9E7503-F704-48BC-83FB-D736E6F0FF4A}" type="presParOf" srcId="{C4AF49DF-4D0B-4409-842E-9FFE653E6C69}" destId="{776850D0-DC95-4A4E-9085-0DB8E552FB9F}" srcOrd="4" destOrd="0" presId="urn:microsoft.com/office/officeart/2005/8/layout/chevron2"/>
+    <dgm:cxn modelId="{D0870DDA-CA31-4780-BD42-F4A784927AC7}" type="presParOf" srcId="{776850D0-DC95-4A4E-9085-0DB8E552FB9F}" destId="{34AAE35E-110F-4C77-86E5-C424DD99D489}" srcOrd="0" destOrd="0" presId="urn:microsoft.com/office/officeart/2005/8/layout/chevron2"/>
+    <dgm:cxn modelId="{4C713CC5-73D9-4443-9CD1-5A59051400CC}" type="presParOf" srcId="{776850D0-DC95-4A4E-9085-0DB8E552FB9F}" destId="{A9D307DA-2DD2-4587-9EEC-3BDC86BFB166}" srcOrd="1" destOrd="0" presId="urn:microsoft.com/office/officeart/2005/8/layout/chevron2"/>
+  </dgm:cxnLst>
+  <dgm:bg/>
+  <dgm:whole/>
+  <dgm:extLst>
+    <a:ext uri="http://schemas.microsoft.com/office/drawing/2008/diagram">
+      <dsp:dataModelExt xmlns:dsp="http://schemas.microsoft.com/office/drawing/2008/diagram" relId="rId6" minVer="http://schemas.openxmlformats.org/drawingml/2006/diagram"/>
+    </a:ext>
+  </dgm:extLst>
+</dgm:dataModel>
+</file>
+
+<file path=ppt/diagrams/drawing1.xml><?xml version="1.0" encoding="utf-8"?>
+<dsp:drawing xmlns:dgm="http://schemas.openxmlformats.org/drawingml/2006/diagram" xmlns:dsp="http://schemas.microsoft.com/office/drawing/2008/diagram" xmlns:a="http://schemas.openxmlformats.org/drawingml/2006/main">
+  <dsp:spTree>
+    <dsp:nvGrpSpPr>
+      <dsp:cNvPr id="0" name=""/>
+      <dsp:cNvGrpSpPr/>
+    </dsp:nvGrpSpPr>
+    <dsp:grpSpPr/>
+    <dsp:sp modelId="{1FB642F2-5973-4E4D-A95D-8502E173DA69}">
+      <dsp:nvSpPr>
+        <dsp:cNvPr id="0" name=""/>
+        <dsp:cNvSpPr/>
+      </dsp:nvSpPr>
+      <dsp:spPr>
+        <a:xfrm rot="5400000">
+          <a:off x="-257280" y="262520"/>
+          <a:ext cx="1715204" cy="1200643"/>
+        </a:xfrm>
+        <a:prstGeom prst="chevron">
+          <a:avLst/>
+        </a:prstGeom>
+        <a:solidFill>
+          <a:schemeClr val="accent1">
+            <a:hueOff val="0"/>
+            <a:satOff val="0"/>
+            <a:lumOff val="0"/>
+            <a:alphaOff val="0"/>
+          </a:schemeClr>
+        </a:solidFill>
+        <a:ln w="15875" cap="flat" cmpd="sng" algn="ctr">
+          <a:solidFill>
+            <a:schemeClr val="accent1">
+              <a:hueOff val="0"/>
+              <a:satOff val="0"/>
+              <a:lumOff val="0"/>
+              <a:alphaOff val="0"/>
+            </a:schemeClr>
+          </a:solidFill>
+          <a:prstDash val="solid"/>
+        </a:ln>
+        <a:effectLst/>
+      </dsp:spPr>
+      <dsp:style>
+        <a:lnRef idx="2">
+          <a:scrgbClr r="0" g="0" b="0"/>
+        </a:lnRef>
+        <a:fillRef idx="1">
+          <a:scrgbClr r="0" g="0" b="0"/>
+        </a:fillRef>
+        <a:effectRef idx="0">
+          <a:scrgbClr r="0" g="0" b="0"/>
+        </a:effectRef>
+        <a:fontRef idx="minor">
+          <a:schemeClr val="lt1"/>
+        </a:fontRef>
+      </dsp:style>
+      <dsp:txBody>
+        <a:bodyPr spcFirstLastPara="0" vert="horz" wrap="square" lIns="12700" tIns="12700" rIns="12700" bIns="12700" numCol="1" spcCol="1270" anchor="ctr" anchorCtr="0">
+          <a:noAutofit/>
+        </a:bodyPr>
+        <a:lstStyle/>
+        <a:p>
+          <a:pPr marL="0" lvl="0" indent="0" algn="ctr" defTabSz="889000">
+            <a:lnSpc>
+              <a:spcPct val="90000"/>
+            </a:lnSpc>
+            <a:spcBef>
+              <a:spcPct val="0"/>
+            </a:spcBef>
+            <a:spcAft>
+              <a:spcPct val="35000"/>
+            </a:spcAft>
+            <a:buNone/>
+          </a:pPr>
+          <a:r>
+            <a:rPr lang="en-US" sz="2000" kern="1200" dirty="0"/>
+            <a:t>Linear</a:t>
+          </a:r>
+        </a:p>
+      </dsp:txBody>
+      <dsp:txXfrm rot="-5400000">
+        <a:off x="1" y="605562"/>
+        <a:ext cx="1200643" cy="514561"/>
+      </dsp:txXfrm>
+    </dsp:sp>
+    <dsp:sp modelId="{9CEA4777-4A8C-4622-83EB-DD4BF734F25B}">
+      <dsp:nvSpPr>
+        <dsp:cNvPr id="0" name=""/>
+        <dsp:cNvSpPr/>
+      </dsp:nvSpPr>
+      <dsp:spPr>
+        <a:xfrm rot="5400000">
+          <a:off x="4447100" y="-3241217"/>
+          <a:ext cx="1114883" cy="7607796"/>
+        </a:xfrm>
+        <a:prstGeom prst="round2SameRect">
+          <a:avLst/>
+        </a:prstGeom>
+        <a:solidFill>
+          <a:schemeClr val="lt1">
+            <a:alpha val="90000"/>
+            <a:hueOff val="0"/>
+            <a:satOff val="0"/>
+            <a:lumOff val="0"/>
+            <a:alphaOff val="0"/>
+          </a:schemeClr>
+        </a:solidFill>
+        <a:ln w="15875" cap="flat" cmpd="sng" algn="ctr">
+          <a:solidFill>
+            <a:schemeClr val="accent1">
+              <a:hueOff val="0"/>
+              <a:satOff val="0"/>
+              <a:lumOff val="0"/>
+              <a:alphaOff val="0"/>
+            </a:schemeClr>
+          </a:solidFill>
+          <a:prstDash val="solid"/>
+        </a:ln>
+        <a:effectLst/>
+      </dsp:spPr>
+      <dsp:style>
+        <a:lnRef idx="2">
+          <a:scrgbClr r="0" g="0" b="0"/>
+        </a:lnRef>
+        <a:fillRef idx="1">
+          <a:scrgbClr r="0" g="0" b="0"/>
+        </a:fillRef>
+        <a:effectRef idx="0">
+          <a:scrgbClr r="0" g="0" b="0"/>
+        </a:effectRef>
+        <a:fontRef idx="minor"/>
+      </dsp:style>
+      <dsp:txBody>
+        <a:bodyPr spcFirstLastPara="0" vert="horz" wrap="square" lIns="142240" tIns="12700" rIns="12700" bIns="12700" numCol="1" spcCol="1270" anchor="ctr" anchorCtr="0">
+          <a:noAutofit/>
+        </a:bodyPr>
+        <a:lstStyle/>
+        <a:p>
+          <a:pPr marL="228600" lvl="1" indent="-228600" algn="l" defTabSz="889000">
+            <a:lnSpc>
+              <a:spcPct val="90000"/>
+            </a:lnSpc>
+            <a:spcBef>
+              <a:spcPct val="0"/>
+            </a:spcBef>
+            <a:spcAft>
+              <a:spcPct val="15000"/>
+            </a:spcAft>
+            <a:buChar char="•"/>
+          </a:pPr>
+          <a:endParaRPr lang="en-US" sz="2000" kern="1200" dirty="0"/>
+        </a:p>
+        <a:p>
+          <a:pPr marL="228600" lvl="1" indent="-228600" algn="l" defTabSz="889000">
+            <a:lnSpc>
+              <a:spcPct val="90000"/>
+            </a:lnSpc>
+            <a:spcBef>
+              <a:spcPct val="0"/>
+            </a:spcBef>
+            <a:spcAft>
+              <a:spcPct val="15000"/>
+            </a:spcAft>
+            <a:buChar char="•"/>
+          </a:pPr>
+          <a:endParaRPr lang="en-US" sz="2000" kern="1200"/>
+        </a:p>
+      </dsp:txBody>
+      <dsp:txXfrm rot="-5400000">
+        <a:off x="1200644" y="59663"/>
+        <a:ext cx="7553372" cy="1006035"/>
+      </dsp:txXfrm>
+    </dsp:sp>
+    <dsp:sp modelId="{526A3ECB-FEA5-4220-8870-16588F0336D8}">
+      <dsp:nvSpPr>
+        <dsp:cNvPr id="0" name=""/>
+        <dsp:cNvSpPr/>
+      </dsp:nvSpPr>
+      <dsp:spPr>
+        <a:xfrm rot="5400000">
+          <a:off x="-257280" y="1785141"/>
+          <a:ext cx="1715204" cy="1200643"/>
+        </a:xfrm>
+        <a:prstGeom prst="chevron">
+          <a:avLst/>
+        </a:prstGeom>
+        <a:solidFill>
+          <a:schemeClr val="accent1">
+            <a:hueOff val="0"/>
+            <a:satOff val="0"/>
+            <a:lumOff val="0"/>
+            <a:alphaOff val="0"/>
+          </a:schemeClr>
+        </a:solidFill>
+        <a:ln w="15875" cap="flat" cmpd="sng" algn="ctr">
+          <a:solidFill>
+            <a:schemeClr val="accent1">
+              <a:hueOff val="0"/>
+              <a:satOff val="0"/>
+              <a:lumOff val="0"/>
+              <a:alphaOff val="0"/>
+            </a:schemeClr>
+          </a:solidFill>
+          <a:prstDash val="solid"/>
+        </a:ln>
+        <a:effectLst/>
+      </dsp:spPr>
+      <dsp:style>
+        <a:lnRef idx="2">
+          <a:scrgbClr r="0" g="0" b="0"/>
+        </a:lnRef>
+        <a:fillRef idx="1">
+          <a:scrgbClr r="0" g="0" b="0"/>
+        </a:fillRef>
+        <a:effectRef idx="0">
+          <a:scrgbClr r="0" g="0" b="0"/>
+        </a:effectRef>
+        <a:fontRef idx="minor">
+          <a:schemeClr val="lt1"/>
+        </a:fontRef>
+      </dsp:style>
+      <dsp:txBody>
+        <a:bodyPr spcFirstLastPara="0" vert="horz" wrap="square" lIns="12700" tIns="12700" rIns="12700" bIns="12700" numCol="1" spcCol="1270" anchor="ctr" anchorCtr="0">
+          <a:noAutofit/>
+        </a:bodyPr>
+        <a:lstStyle/>
+        <a:p>
+          <a:pPr marL="0" lvl="0" indent="0" algn="ctr" defTabSz="889000">
+            <a:lnSpc>
+              <a:spcPct val="90000"/>
+            </a:lnSpc>
+            <a:spcBef>
+              <a:spcPct val="0"/>
+            </a:spcBef>
+            <a:spcAft>
+              <a:spcPct val="35000"/>
+            </a:spcAft>
+            <a:buNone/>
+          </a:pPr>
+          <a:r>
+            <a:rPr lang="en-US" sz="2000" kern="1200" dirty="0"/>
+            <a:t>Neural Net</a:t>
+          </a:r>
+        </a:p>
+      </dsp:txBody>
+      <dsp:txXfrm rot="-5400000">
+        <a:off x="1" y="2128183"/>
+        <a:ext cx="1200643" cy="514561"/>
+      </dsp:txXfrm>
+    </dsp:sp>
+    <dsp:sp modelId="{347BE1A1-F995-4E94-A59A-4C69804335E2}">
+      <dsp:nvSpPr>
+        <dsp:cNvPr id="0" name=""/>
+        <dsp:cNvSpPr/>
+      </dsp:nvSpPr>
+      <dsp:spPr>
+        <a:xfrm rot="5400000">
+          <a:off x="4446806" y="-1718302"/>
+          <a:ext cx="1115469" cy="7607796"/>
+        </a:xfrm>
+        <a:prstGeom prst="round2SameRect">
+          <a:avLst/>
+        </a:prstGeom>
+        <a:solidFill>
+          <a:schemeClr val="lt1">
+            <a:alpha val="90000"/>
+            <a:hueOff val="0"/>
+            <a:satOff val="0"/>
+            <a:lumOff val="0"/>
+            <a:alphaOff val="0"/>
+          </a:schemeClr>
+        </a:solidFill>
+        <a:ln w="15875" cap="flat" cmpd="sng" algn="ctr">
+          <a:solidFill>
+            <a:schemeClr val="accent1">
+              <a:hueOff val="0"/>
+              <a:satOff val="0"/>
+              <a:lumOff val="0"/>
+              <a:alphaOff val="0"/>
+            </a:schemeClr>
+          </a:solidFill>
+          <a:prstDash val="solid"/>
+        </a:ln>
+        <a:effectLst/>
+      </dsp:spPr>
+      <dsp:style>
+        <a:lnRef idx="2">
+          <a:scrgbClr r="0" g="0" b="0"/>
+        </a:lnRef>
+        <a:fillRef idx="1">
+          <a:scrgbClr r="0" g="0" b="0"/>
+        </a:fillRef>
+        <a:effectRef idx="0">
+          <a:scrgbClr r="0" g="0" b="0"/>
+        </a:effectRef>
+        <a:fontRef idx="minor"/>
+      </dsp:style>
+      <dsp:txBody>
+        <a:bodyPr spcFirstLastPara="0" vert="horz" wrap="square" lIns="142240" tIns="12700" rIns="12700" bIns="12700" numCol="1" spcCol="1270" anchor="ctr" anchorCtr="0">
+          <a:noAutofit/>
+        </a:bodyPr>
+        <a:lstStyle/>
+        <a:p>
+          <a:pPr marL="228600" lvl="1" indent="-228600" algn="l" defTabSz="889000">
+            <a:lnSpc>
+              <a:spcPct val="90000"/>
+            </a:lnSpc>
+            <a:spcBef>
+              <a:spcPct val="0"/>
+            </a:spcBef>
+            <a:spcAft>
+              <a:spcPct val="15000"/>
+            </a:spcAft>
+            <a:buChar char="•"/>
+          </a:pPr>
+          <a:endParaRPr lang="en-US" sz="2000" kern="1200" dirty="0"/>
+        </a:p>
+        <a:p>
+          <a:pPr marL="228600" lvl="1" indent="-228600" algn="l" defTabSz="889000">
+            <a:lnSpc>
+              <a:spcPct val="90000"/>
+            </a:lnSpc>
+            <a:spcBef>
+              <a:spcPct val="0"/>
+            </a:spcBef>
+            <a:spcAft>
+              <a:spcPct val="15000"/>
+            </a:spcAft>
+            <a:buChar char="•"/>
+          </a:pPr>
+          <a:endParaRPr lang="en-US" sz="2000" kern="1200" dirty="0"/>
+        </a:p>
+      </dsp:txBody>
+      <dsp:txXfrm rot="-5400000">
+        <a:off x="1200643" y="1582314"/>
+        <a:ext cx="7553343" cy="1006563"/>
+      </dsp:txXfrm>
+    </dsp:sp>
+    <dsp:sp modelId="{34AAE35E-110F-4C77-86E5-C424DD99D489}">
+      <dsp:nvSpPr>
+        <dsp:cNvPr id="0" name=""/>
+        <dsp:cNvSpPr/>
+      </dsp:nvSpPr>
+      <dsp:spPr>
+        <a:xfrm rot="5400000">
+          <a:off x="-257280" y="3307763"/>
+          <a:ext cx="1715204" cy="1200643"/>
+        </a:xfrm>
+        <a:prstGeom prst="chevron">
+          <a:avLst/>
+        </a:prstGeom>
+        <a:solidFill>
+          <a:schemeClr val="accent1">
+            <a:hueOff val="0"/>
+            <a:satOff val="0"/>
+            <a:lumOff val="0"/>
+            <a:alphaOff val="0"/>
+          </a:schemeClr>
+        </a:solidFill>
+        <a:ln w="15875" cap="flat" cmpd="sng" algn="ctr">
+          <a:solidFill>
+            <a:schemeClr val="accent1">
+              <a:hueOff val="0"/>
+              <a:satOff val="0"/>
+              <a:lumOff val="0"/>
+              <a:alphaOff val="0"/>
+            </a:schemeClr>
+          </a:solidFill>
+          <a:prstDash val="solid"/>
+        </a:ln>
+        <a:effectLst/>
+      </dsp:spPr>
+      <dsp:style>
+        <a:lnRef idx="2">
+          <a:scrgbClr r="0" g="0" b="0"/>
+        </a:lnRef>
+        <a:fillRef idx="1">
+          <a:scrgbClr r="0" g="0" b="0"/>
+        </a:fillRef>
+        <a:effectRef idx="0">
+          <a:scrgbClr r="0" g="0" b="0"/>
+        </a:effectRef>
+        <a:fontRef idx="minor">
+          <a:schemeClr val="lt1"/>
+        </a:fontRef>
+      </dsp:style>
+      <dsp:txBody>
+        <a:bodyPr spcFirstLastPara="0" vert="horz" wrap="square" lIns="12700" tIns="12700" rIns="12700" bIns="12700" numCol="1" spcCol="1270" anchor="ctr" anchorCtr="0">
+          <a:noAutofit/>
+        </a:bodyPr>
+        <a:lstStyle/>
+        <a:p>
+          <a:pPr marL="0" lvl="0" indent="0" algn="ctr" defTabSz="889000">
+            <a:lnSpc>
+              <a:spcPct val="90000"/>
+            </a:lnSpc>
+            <a:spcBef>
+              <a:spcPct val="0"/>
+            </a:spcBef>
+            <a:spcAft>
+              <a:spcPct val="35000"/>
+            </a:spcAft>
+            <a:buNone/>
+          </a:pPr>
+          <a:r>
+            <a:rPr lang="en-US" sz="2000" kern="1200" dirty="0"/>
+            <a:t>Random Forest</a:t>
+          </a:r>
+        </a:p>
+      </dsp:txBody>
+      <dsp:txXfrm rot="-5400000">
+        <a:off x="1" y="3650805"/>
+        <a:ext cx="1200643" cy="514561"/>
+      </dsp:txXfrm>
+    </dsp:sp>
+    <dsp:sp modelId="{A9D307DA-2DD2-4587-9EEC-3BDC86BFB166}">
+      <dsp:nvSpPr>
+        <dsp:cNvPr id="0" name=""/>
+        <dsp:cNvSpPr/>
+      </dsp:nvSpPr>
+      <dsp:spPr>
+        <a:xfrm rot="5400000">
+          <a:off x="4447100" y="-195974"/>
+          <a:ext cx="1114883" cy="7607796"/>
+        </a:xfrm>
+        <a:prstGeom prst="round2SameRect">
+          <a:avLst/>
+        </a:prstGeom>
+        <a:solidFill>
+          <a:schemeClr val="lt1">
+            <a:alpha val="90000"/>
+            <a:hueOff val="0"/>
+            <a:satOff val="0"/>
+            <a:lumOff val="0"/>
+            <a:alphaOff val="0"/>
+          </a:schemeClr>
+        </a:solidFill>
+        <a:ln w="15875" cap="flat" cmpd="sng" algn="ctr">
+          <a:solidFill>
+            <a:schemeClr val="accent1">
+              <a:hueOff val="0"/>
+              <a:satOff val="0"/>
+              <a:lumOff val="0"/>
+              <a:alphaOff val="0"/>
+            </a:schemeClr>
+          </a:solidFill>
+          <a:prstDash val="solid"/>
+        </a:ln>
+        <a:effectLst/>
+      </dsp:spPr>
+      <dsp:style>
+        <a:lnRef idx="2">
+          <a:scrgbClr r="0" g="0" b="0"/>
+        </a:lnRef>
+        <a:fillRef idx="1">
+          <a:scrgbClr r="0" g="0" b="0"/>
+        </a:fillRef>
+        <a:effectRef idx="0">
+          <a:scrgbClr r="0" g="0" b="0"/>
+        </a:effectRef>
+        <a:fontRef idx="minor"/>
+      </dsp:style>
+      <dsp:txBody>
+        <a:bodyPr spcFirstLastPara="0" vert="horz" wrap="square" lIns="142240" tIns="12700" rIns="12700" bIns="12700" numCol="1" spcCol="1270" anchor="ctr" anchorCtr="0">
+          <a:noAutofit/>
+        </a:bodyPr>
+        <a:lstStyle/>
+        <a:p>
+          <a:pPr marL="228600" lvl="1" indent="-228600" algn="l" defTabSz="889000">
+            <a:lnSpc>
+              <a:spcPct val="90000"/>
+            </a:lnSpc>
+            <a:spcBef>
+              <a:spcPct val="0"/>
+            </a:spcBef>
+            <a:spcAft>
+              <a:spcPct val="15000"/>
+            </a:spcAft>
+            <a:buChar char="•"/>
+          </a:pPr>
+          <a:endParaRPr lang="en-US" sz="2000" kern="1200" dirty="0"/>
+        </a:p>
+        <a:p>
+          <a:pPr marL="228600" lvl="1" indent="-228600" algn="l" defTabSz="889000">
+            <a:lnSpc>
+              <a:spcPct val="90000"/>
+            </a:lnSpc>
+            <a:spcBef>
+              <a:spcPct val="0"/>
+            </a:spcBef>
+            <a:spcAft>
+              <a:spcPct val="15000"/>
+            </a:spcAft>
+            <a:buChar char="•"/>
+          </a:pPr>
+          <a:endParaRPr lang="en-US" sz="2000" kern="1200" dirty="0"/>
+        </a:p>
+      </dsp:txBody>
+      <dsp:txXfrm rot="-5400000">
+        <a:off x="1200644" y="3104906"/>
+        <a:ext cx="7553372" cy="1006035"/>
+      </dsp:txXfrm>
+    </dsp:sp>
+  </dsp:spTree>
+</dsp:drawing>
+</file>
+
+<file path=ppt/diagrams/layout1.xml><?xml version="1.0" encoding="utf-8"?>
+<dgm:layoutDef xmlns:dgm="http://schemas.openxmlformats.org/drawingml/2006/diagram" xmlns:a="http://schemas.openxmlformats.org/drawingml/2006/main" uniqueId="urn:microsoft.com/office/officeart/2005/8/layout/chevron2">
+  <dgm:title val=""/>
+  <dgm:desc val=""/>
+  <dgm:catLst>
+    <dgm:cat type="process" pri="12000"/>
+    <dgm:cat type="list" pri="16000"/>
+    <dgm:cat type="convert" pri="11000"/>
+  </dgm:catLst>
+  <dgm:sampData>
+    <dgm:dataModel>
+      <dgm:ptLst>
+        <dgm:pt modelId="0" type="doc"/>
+        <dgm:pt modelId="1">
+          <dgm:prSet phldr="1"/>
+        </dgm:pt>
+        <dgm:pt modelId="11">
+          <dgm:prSet phldr="1"/>
+        </dgm:pt>
+        <dgm:pt modelId="12">
+          <dgm:prSet phldr="1"/>
+        </dgm:pt>
+        <dgm:pt modelId="2">
+          <dgm:prSet phldr="1"/>
+        </dgm:pt>
+        <dgm:pt modelId="21">
+          <dgm:prSet phldr="1"/>
+        </dgm:pt>
+        <dgm:pt modelId="22">
+          <dgm:prSet phldr="1"/>
+        </dgm:pt>
+        <dgm:pt modelId="3">
+          <dgm:prSet phldr="1"/>
+        </dgm:pt>
+        <dgm:pt modelId="31">
+          <dgm:prSet phldr="1"/>
+        </dgm:pt>
+        <dgm:pt modelId="32">
+          <dgm:prSet phldr="1"/>
+        </dgm:pt>
+      </dgm:ptLst>
+      <dgm:cxnLst>
+        <dgm:cxn modelId="4" srcId="0" destId="1" srcOrd="0" destOrd="0"/>
+        <dgm:cxn modelId="5" srcId="0" destId="2" srcOrd="1" destOrd="0"/>
+        <dgm:cxn modelId="6" srcId="0" destId="3" srcOrd="2" destOrd="0"/>
+        <dgm:cxn modelId="13" srcId="1" destId="11" srcOrd="0" destOrd="0"/>
+        <dgm:cxn modelId="14" srcId="1" destId="12" srcOrd="1" destOrd="0"/>
+        <dgm:cxn modelId="23" srcId="2" destId="21" srcOrd="0" destOrd="0"/>
+        <dgm:cxn modelId="24" srcId="2" destId="22" srcOrd="1" destOrd="0"/>
+        <dgm:cxn modelId="33" srcId="3" destId="31" srcOrd="0" destOrd="0"/>
+        <dgm:cxn modelId="34" srcId="3" destId="32" srcOrd="1" destOrd="0"/>
+      </dgm:cxnLst>
+      <dgm:bg/>
+      <dgm:whole/>
+    </dgm:dataModel>
+  </dgm:sampData>
+  <dgm:styleData>
+    <dgm:dataModel>
+      <dgm:ptLst>
+        <dgm:pt modelId="0" type="doc"/>
+        <dgm:pt modelId="1"/>
+      </dgm:ptLst>
+      <dgm:cxnLst>
+        <dgm:cxn modelId="4" srcId="0" destId="1" srcOrd="0" destOrd="0"/>
+      </dgm:cxnLst>
+      <dgm:bg/>
+      <dgm:whole/>
+    </dgm:dataModel>
+  </dgm:styleData>
+  <dgm:clrData>
+    <dgm:dataModel>
+      <dgm:ptLst>
+        <dgm:pt modelId="0" type="doc"/>
+        <dgm:pt modelId="1"/>
+        <dgm:pt modelId="11"/>
+        <dgm:pt modelId="2"/>
+        <dgm:pt modelId="21"/>
+        <dgm:pt modelId="3"/>
+        <dgm:pt modelId="31"/>
+        <dgm:pt modelId="4"/>
+        <dgm:pt modelId="41"/>
+      </dgm:ptLst>
+      <dgm:cxnLst>
+        <dgm:cxn modelId="5" srcId="0" destId="1" srcOrd="0" destOrd="0"/>
+        <dgm:cxn modelId="6" srcId="0" destId="2" srcOrd="1" destOrd="0"/>
+        <dgm:cxn modelId="7" srcId="0" destId="3" srcOrd="2" destOrd="0"/>
+        <dgm:cxn modelId="8" srcId="0" destId="4" srcOrd="3" destOrd="0"/>
+        <dgm:cxn modelId="13" srcId="1" destId="11" srcOrd="0" destOrd="0"/>
+        <dgm:cxn modelId="23" srcId="2" destId="21" srcOrd="0" destOrd="0"/>
+        <dgm:cxn modelId="33" srcId="3" destId="31" srcOrd="0" destOrd="0"/>
+        <dgm:cxn modelId="43" srcId="4" destId="41" srcOrd="0" destOrd="0"/>
+      </dgm:cxnLst>
+      <dgm:bg/>
+      <dgm:whole/>
+    </dgm:dataModel>
+  </dgm:clrData>
+  <dgm:layoutNode name="linearFlow">
+    <dgm:varLst>
+      <dgm:dir/>
+      <dgm:animLvl val="lvl"/>
+      <dgm:resizeHandles val="exact"/>
+    </dgm:varLst>
+    <dgm:alg type="lin">
+      <dgm:param type="linDir" val="fromT"/>
+      <dgm:param type="nodeHorzAlign" val="l"/>
+    </dgm:alg>
+    <dgm:shape xmlns:r="http://schemas.openxmlformats.org/officeDocument/2006/relationships" r:blip="">
+      <dgm:adjLst/>
+    </dgm:shape>
+    <dgm:presOf/>
+    <dgm:constrLst>
+      <dgm:constr type="h" for="ch" forName="composite" refType="h"/>
+      <dgm:constr type="w" for="ch" forName="composite" refType="w"/>
+      <dgm:constr type="h" for="des" forName="parentText" op="equ"/>
+      <dgm:constr type="h" for="ch" forName="sp" val="-14.88"/>
+      <dgm:constr type="h" for="ch" forName="sp" refType="w" refFor="des" refForName="parentText" op="gte" fact="-0.3"/>
+      <dgm:constr type="primFontSz" for="des" forName="parentText" op="equ" val="65"/>
+      <dgm:constr type="primFontSz" for="des" forName="descendantText" op="equ" val="65"/>
+    </dgm:constrLst>
+    <dgm:ruleLst/>
+    <dgm:forEach name="Name0" axis="ch" ptType="node">
+      <dgm:layoutNode name="composite">
+        <dgm:alg type="composite"/>
+        <dgm:shape xmlns:r="http://schemas.openxmlformats.org/officeDocument/2006/relationships" r:blip="">
+          <dgm:adjLst/>
+        </dgm:shape>
+        <dgm:presOf/>
+        <dgm:choose name="Name1">
+          <dgm:if name="Name2" func="var" arg="dir" op="equ" val="norm">
+            <dgm:constrLst>
+              <dgm:constr type="t" for="ch" forName="parentText"/>
+              <dgm:constr type="l" for="ch" forName="parentText"/>
+              <dgm:constr type="w" for="ch" forName="parentText" refType="w" fact="0.4"/>
+              <dgm:constr type="h" for="ch" forName="parentText" refType="h"/>
+              <dgm:constr type="w" for="ch" forName="parentText" refType="w" op="lte" fact="0.5"/>
+              <dgm:constr type="w" for="ch" forName="parentText" refType="h" refFor="ch" refForName="parentText" op="lte" fact="0.7"/>
+              <dgm:constr type="h" for="ch" forName="parentText" refType="w" refFor="ch" refForName="parentText" op="lte" fact="3"/>
+              <dgm:constr type="l" for="ch" forName="descendantText" refType="w" refFor="ch" refForName="parentText"/>
+              <dgm:constr type="w" for="ch" forName="descendantText" refType="w"/>
+              <dgm:constr type="wOff" for="ch" forName="descendantText" refType="w" refFor="ch" refForName="parentText" fact="-1"/>
+              <dgm:constr type="t" for="ch" forName="descendantText"/>
+              <dgm:constr type="b" for="ch" forName="descendantText" refType="h" refFor="ch" refForName="parentText"/>
+              <dgm:constr type="bOff" for="ch" forName="descendantText" refType="w" refFor="ch" refForName="parentText" fact="-0.5"/>
+            </dgm:constrLst>
+          </dgm:if>
+          <dgm:else name="Name3">
+            <dgm:constrLst>
+              <dgm:constr type="t" for="ch" forName="parentText"/>
+              <dgm:constr type="r" for="ch" forName="parentText" refType="w"/>
+              <dgm:constr type="w" for="ch" forName="parentText" refType="w" fact="0.4"/>
+              <dgm:constr type="h" for="ch" forName="parentText" refType="h"/>
+              <dgm:constr type="w" for="ch" forName="parentText" refType="w" op="lte" fact="0.5"/>
+              <dgm:constr type="w" for="ch" forName="parentText" refType="h" refFor="ch" refForName="parentText" op="lte" fact="0.7"/>
+              <dgm:constr type="h" for="ch" forName="parentText" refType="w" refFor="ch" refForName="parentText" op="lte" fact="3"/>
+              <dgm:constr type="l" for="ch" forName="descendantText"/>
+              <dgm:constr type="w" for="ch" forName="descendantText" refType="w"/>
+              <dgm:constr type="wOff" for="ch" forName="descendantText" refType="w" refFor="ch" refForName="parentText" fact="-1"/>
+              <dgm:constr type="t" for="ch" forName="descendantText"/>
+              <dgm:constr type="b" for="ch" forName="descendantText" refType="h" refFor="ch" refForName="parentText"/>
+              <dgm:constr type="bOff" for="ch" forName="descendantText" refType="w" refFor="ch" refForName="parentText" fact="-0.5"/>
+            </dgm:constrLst>
+          </dgm:else>
+        </dgm:choose>
+        <dgm:ruleLst/>
+        <dgm:layoutNode name="parentText" styleLbl="alignNode1">
+          <dgm:varLst>
+            <dgm:chMax val="1"/>
+            <dgm:bulletEnabled val="1"/>
+          </dgm:varLst>
+          <dgm:alg type="tx"/>
+          <dgm:shape xmlns:r="http://schemas.openxmlformats.org/officeDocument/2006/relationships" rot="90" type="chevron" r:blip="">
+            <dgm:adjLst/>
+          </dgm:shape>
+          <dgm:presOf axis="self" ptType="node"/>
+          <dgm:constrLst>
+            <dgm:constr type="lMarg" refType="primFontSz" fact="0.05"/>
+            <dgm:constr type="rMarg" refType="primFontSz" fact="0.05"/>
+            <dgm:constr type="tMarg" refType="primFontSz" fact="0.05"/>
+            <dgm:constr type="bMarg" refType="primFontSz" fact="0.05"/>
+          </dgm:constrLst>
+          <dgm:ruleLst>
+            <dgm:rule type="h" val="100" fact="NaN" max="NaN"/>
+            <dgm:rule type="primFontSz" val="24" fact="NaN" max="NaN"/>
+            <dgm:rule type="h" val="110" fact="NaN" max="NaN"/>
+            <dgm:rule type="primFontSz" val="18" fact="NaN" max="NaN"/>
+            <dgm:rule type="h" val="INF" fact="NaN" max="NaN"/>
+            <dgm:rule type="primFontSz" val="5" fact="NaN" max="NaN"/>
+          </dgm:ruleLst>
+        </dgm:layoutNode>
+        <dgm:layoutNode name="descendantText" styleLbl="alignAcc1">
+          <dgm:varLst>
+            <dgm:bulletEnabled val="1"/>
+          </dgm:varLst>
+          <dgm:choose name="Name4">
+            <dgm:if name="Name5" func="var" arg="dir" op="equ" val="norm">
+              <dgm:alg type="tx">
+                <dgm:param type="stBulletLvl" val="1"/>
+                <dgm:param type="txAnchorVertCh" val="mid"/>
+              </dgm:alg>
+              <dgm:shape xmlns:r="http://schemas.openxmlformats.org/officeDocument/2006/relationships" rot="90" type="round2SameRect" r:blip="">
+                <dgm:adjLst/>
+              </dgm:shape>
+            </dgm:if>
+            <dgm:else name="Name6">
+              <dgm:alg type="tx">
+                <dgm:param type="stBulletLvl" val="1"/>
+                <dgm:param type="txAnchorVertCh" val="mid"/>
+              </dgm:alg>
+              <dgm:shape xmlns:r="http://schemas.openxmlformats.org/officeDocument/2006/relationships" rot="-90" type="round2SameRect" r:blip="">
+                <dgm:adjLst/>
+              </dgm:shape>
+            </dgm:else>
+          </dgm:choose>
+          <dgm:presOf axis="des" ptType="node"/>
+          <dgm:choose name="Name7">
+            <dgm:if name="Name8" func="var" arg="dir" op="equ" val="norm">
+              <dgm:constrLst>
+                <dgm:constr type="secFontSz" refType="primFontSz"/>
+                <dgm:constr type="tMarg" refType="primFontSz" fact="0.05"/>
+                <dgm:constr type="bMarg" refType="primFontSz" fact="0.05"/>
+                <dgm:constr type="rMarg" refType="primFontSz" fact="0.05"/>
+              </dgm:constrLst>
+            </dgm:if>
+            <dgm:else name="Name9">
+              <dgm:constrLst>
+                <dgm:constr type="secFontSz" refType="primFontSz"/>
+                <dgm:constr type="tMarg" refType="primFontSz" fact="0.05"/>
+                <dgm:constr type="bMarg" refType="primFontSz" fact="0.05"/>
+                <dgm:constr type="lMarg" refType="primFontSz" fact="0.05"/>
+              </dgm:constrLst>
+            </dgm:else>
+          </dgm:choose>
+          <dgm:ruleLst>
+            <dgm:rule type="primFontSz" val="5" fact="NaN" max="NaN"/>
+          </dgm:ruleLst>
+        </dgm:layoutNode>
+      </dgm:layoutNode>
+      <dgm:forEach name="Name10" axis="followSib" ptType="sibTrans" cnt="1">
+        <dgm:layoutNode name="sp">
+          <dgm:alg type="sp"/>
+          <dgm:shape xmlns:r="http://schemas.openxmlformats.org/officeDocument/2006/relationships" r:blip="">
+            <dgm:adjLst/>
+          </dgm:shape>
+          <dgm:presOf axis="self"/>
+          <dgm:constrLst>
+            <dgm:constr type="w" val="1"/>
+            <dgm:constr type="h" val="37.5"/>
+          </dgm:constrLst>
+          <dgm:ruleLst/>
+        </dgm:layoutNode>
+      </dgm:forEach>
+    </dgm:forEach>
+  </dgm:layoutNode>
+</dgm:layoutDef>
+</file>
+
+<file path=ppt/diagrams/quickStyle1.xml><?xml version="1.0" encoding="utf-8"?>
+<dgm:styleDef xmlns:dgm="http://schemas.openxmlformats.org/drawingml/2006/diagram" xmlns:a="http://schemas.openxmlformats.org/drawingml/2006/main" uniqueId="urn:microsoft.com/office/officeart/2005/8/quickstyle/simple1">
+  <dgm:title val=""/>
+  <dgm:desc val=""/>
+  <dgm:catLst>
+    <dgm:cat type="simple" pri="10100"/>
+  </dgm:catLst>
+  <dgm:scene3d>
+    <a:camera prst="orthographicFront"/>
+    <a:lightRig rig="threePt" dir="t"/>
+  </dgm:scene3d>
+  <dgm:styleLbl name="node0">
+    <dgm:scene3d>
+      <a:camera prst="orthographicFront"/>
+      <a:lightRig rig="threePt" dir="t"/>
+    </dgm:scene3d>
+    <dgm:sp3d/>
+    <dgm:txPr/>
+    <dgm:style>
+      <a:lnRef idx="2">
+        <a:scrgbClr r="0" g="0" b="0"/>
+      </a:lnRef>
+      <a:fillRef idx="1">
+        <a:scrgbClr r="0" g="0" b="0"/>
+      </a:fillRef>
+      <a:effectRef idx="0">
+        <a:scrgbClr r="0" g="0" b="0"/>
+      </a:effectRef>
+      <a:fontRef idx="minor">
+        <a:schemeClr val="lt1"/>
+      </a:fontRef>
+    </dgm:style>
+  </dgm:styleLbl>
+  <dgm:styleLbl name="lnNode1">
+    <dgm:scene3d>
+      <a:camera prst="orthographicFront"/>
+      <a:lightRig rig="threePt" dir="t"/>
+    </dgm:scene3d>
+    <dgm:sp3d/>
+    <dgm:txPr/>
+    <dgm:style>
+      <a:lnRef idx="2">
+        <a:scrgbClr r="0" g="0" b="0"/>
+      </a:lnRef>
+      <a:fillRef idx="1">
+        <a:scrgbClr r="0" g="0" b="0"/>
+      </a:fillRef>
+      <a:effectRef idx="0">
+        <a:scrgbClr r="0" g="0" b="0"/>
+      </a:effectRef>
+      <a:fontRef idx="minor">
+        <a:schemeClr val="lt1"/>
+      </a:fontRef>
+    </dgm:style>
+  </dgm:styleLbl>
+  <dgm:styleLbl name="vennNode1">
+    <dgm:scene3d>
+      <a:camera prst="orthographicFront"/>
+      <a:lightRig rig="threePt" dir="t"/>
+    </dgm:scene3d>
+    <dgm:sp3d/>
+    <dgm:txPr/>
+    <dgm:style>
+      <a:lnRef idx="2">
+        <a:scrgbClr r="0" g="0" b="0"/>
+      </a:lnRef>
+      <a:fillRef idx="1">
+        <a:scrgbClr r="0" g="0" b="0"/>
+      </a:fillRef>
+      <a:effectRef idx="0">
+        <a:scrgbClr r="0" g="0" b="0"/>
+      </a:effectRef>
+      <a:fontRef idx="minor">
+        <a:schemeClr val="tx1"/>
+      </a:fontRef>
+    </dgm:style>
+  </dgm:styleLbl>
+  <dgm:styleLbl name="alignNode1">
+    <dgm:scene3d>
+      <a:camera prst="orthographicFront"/>
+      <a:lightRig rig="threePt" dir="t"/>
+    </dgm:scene3d>
+    <dgm:sp3d/>
+    <dgm:txPr/>
+    <dgm:style>
+      <a:lnRef idx="2">
+        <a:scrgbClr r="0" g="0" b="0"/>
+      </a:lnRef>
+      <a:fillRef idx="1">
+        <a:scrgbClr r="0" g="0" b="0"/>
+      </a:fillRef>
+      <a:effectRef idx="0">
+        <a:scrgbClr r="0" g="0" b="0"/>
+      </a:effectRef>
+      <a:fontRef idx="minor">
+        <a:schemeClr val="lt1"/>
+      </a:fontRef>
+    </dgm:style>
+  </dgm:styleLbl>
+  <dgm:styleLbl name="node1">
+    <dgm:scene3d>
+      <a:camera prst="orthographicFront"/>
+      <a:lightRig rig="threePt" dir="t"/>
+    </dgm:scene3d>
+    <dgm:sp3d/>
+    <dgm:txPr/>
+    <dgm:style>
+      <a:lnRef idx="2">
+        <a:scrgbClr r="0" g="0" b="0"/>
+      </a:lnRef>
+      <a:fillRef idx="1">
+        <a:scrgbClr r="0" g="0" b="0"/>
+      </a:fillRef>
+      <a:effectRef idx="0">
+        <a:scrgbClr r="0" g="0" b="0"/>
+      </a:effectRef>
+      <a:fontRef idx="minor">
+        <a:schemeClr val="lt1"/>
+      </a:fontRef>
+    </dgm:style>
+  </dgm:styleLbl>
+  <dgm:styleLbl name="node2">
+    <dgm:scene3d>
+      <a:camera prst="orthographicFront"/>
+      <a:lightRig rig="threePt" dir="t"/>
+    </dgm:scene3d>
+    <dgm:sp3d/>
+    <dgm:txPr/>
+    <dgm:style>
+      <a:lnRef idx="2">
+        <a:scrgbClr r="0" g="0" b="0"/>
+      </a:lnRef>
+      <a:fillRef idx="1">
+        <a:scrgbClr r="0" g="0" b="0"/>
+      </a:fillRef>
+      <a:effectRef idx="0">
+        <a:scrgbClr r="0" g="0" b="0"/>
+      </a:effectRef>
+      <a:fontRef idx="minor">
+        <a:schemeClr val="lt1"/>
+      </a:fontRef>
+    </dgm:style>
+  </dgm:styleLbl>
+  <dgm:styleLbl name="node3">
+    <dgm:scene3d>
+      <a:camera prst="orthographicFront"/>
+      <a:lightRig rig="threePt" dir="t"/>
+    </dgm:scene3d>
+    <dgm:sp3d/>
+    <dgm:txPr/>
+    <dgm:style>
+      <a:lnRef idx="2">
+        <a:scrgbClr r="0" g="0" b="0"/>
+      </a:lnRef>
+      <a:fillRef idx="1">
+        <a:scrgbClr r="0" g="0" b="0"/>
+      </a:fillRef>
+      <a:effectRef idx="0">
+        <a:scrgbClr r="0" g="0" b="0"/>
+      </a:effectRef>
+      <a:fontRef idx="minor">
+        <a:schemeClr val="lt1"/>
+      </a:fontRef>
+    </dgm:style>
+  </dgm:styleLbl>
+  <dgm:styleLbl name="node4">
+    <dgm:scene3d>
+      <a:camera prst="orthographicFront"/>
+      <a:lightRig rig="threePt" dir="t"/>
+    </dgm:scene3d>
+    <dgm:sp3d/>
+    <dgm:txPr/>
+    <dgm:style>
+      <a:lnRef idx="2">
+        <a:scrgbClr r="0" g="0" b="0"/>
+      </a:lnRef>
+      <a:fillRef idx="1">
+        <a:scrgbClr r="0" g="0" b="0"/>
+      </a:fillRef>
+      <a:effectRef idx="0">
+        <a:scrgbClr r="0" g="0" b="0"/>
+      </a:effectRef>
+      <a:fontRef idx="minor">
+        <a:schemeClr val="lt1"/>
+      </a:fontRef>
+    </dgm:style>
+  </dgm:styleLbl>
+  <dgm:styleLbl name="fgImgPlace1">
+    <dgm:scene3d>
+      <a:camera prst="orthographicFront"/>
+      <a:lightRig rig="threePt" dir="t"/>
+    </dgm:scene3d>
+    <dgm:sp3d/>
+    <dgm:txPr/>
+    <dgm:style>
+      <a:lnRef idx="2">
+        <a:scrgbClr r="0" g="0" b="0"/>
+      </a:lnRef>
+      <a:fillRef idx="1">
+        <a:scrgbClr r="0" g="0" b="0"/>
+      </a:fillRef>
+      <a:effectRef idx="0">
+        <a:scrgbClr r="0" g="0" b="0"/>
+      </a:effectRef>
+      <a:fontRef idx="minor"/>
+    </dgm:style>
+  </dgm:styleLbl>
+  <dgm:styleLbl name="alignImgPlace1">
+    <dgm:scene3d>
+      <a:camera prst="orthographicFront"/>
+      <a:lightRig rig="threePt" dir="t"/>
+    </dgm:scene3d>
+    <dgm:sp3d/>
+    <dgm:txPr/>
+    <dgm:style>
+      <a:lnRef idx="2">
+        <a:scrgbClr r="0" g="0" b="0"/>
+      </a:lnRef>
+      <a:fillRef idx="1">
+        <a:scrgbClr r="0" g="0" b="0"/>
+      </a:fillRef>
+      <a:effectRef idx="0">
+        <a:scrgbClr r="0" g="0" b="0"/>
+      </a:effectRef>
+      <a:fontRef idx="minor"/>
+    </dgm:style>
+  </dgm:styleLbl>
+  <dgm:styleLbl name="bgImgPlace1">
+    <dgm:scene3d>
+      <a:camera prst="orthographicFront"/>
+      <a:lightRig rig="threePt" dir="t"/>
+    </dgm:scene3d>
+    <dgm:sp3d/>
+    <dgm:txPr/>
+    <dgm:style>
+      <a:lnRef idx="2">
+        <a:scrgbClr r="0" g="0" b="0"/>
+      </a:lnRef>
+      <a:fillRef idx="1">
+        <a:scrgbClr r="0" g="0" b="0"/>
+      </a:fillRef>
+      <a:effectRef idx="0">
+        <a:scrgbClr r="0" g="0" b="0"/>
+      </a:effectRef>
+      <a:fontRef idx="minor"/>
+    </dgm:style>
+  </dgm:styleLbl>
+  <dgm:styleLbl name="sibTrans2D1">
+    <dgm:scene3d>
+      <a:camera prst="orthographicFront"/>
+      <a:lightRig rig="threePt" dir="t"/>
+    </dgm:scene3d>
+    <dgm:sp3d/>
+    <dgm:txPr/>
+    <dgm:style>
+      <a:lnRef idx="0">
+        <a:scrgbClr r="0" g="0" b="0"/>
+      </a:lnRef>
+      <a:fillRef idx="1">
+        <a:scrgbClr r="0" g="0" b="0"/>
+      </a:fillRef>
+      <a:effectRef idx="0">
+        <a:scrgbClr r="0" g="0" b="0"/>
+      </a:effectRef>
+      <a:fontRef idx="minor">
+        <a:schemeClr val="lt1"/>
+      </a:fontRef>
+    </dgm:style>
+  </dgm:styleLbl>
+  <dgm:styleLbl name="fgSibTrans2D1">
+    <dgm:scene3d>
+      <a:camera prst="orthographicFront"/>
+      <a:lightRig rig="threePt" dir="t"/>
+    </dgm:scene3d>
+    <dgm:sp3d/>
+    <dgm:txPr/>
+    <dgm:style>
+      <a:lnRef idx="0">
+        <a:scrgbClr r="0" g="0" b="0"/>
+      </a:lnRef>
+      <a:fillRef idx="1">
+        <a:scrgbClr r="0" g="0" b="0"/>
+      </a:fillRef>
+      <a:effectRef idx="0">
+        <a:scrgbClr r="0" g="0" b="0"/>
+      </a:effectRef>
+      <a:fontRef idx="minor">
+        <a:schemeClr val="lt1"/>
+      </a:fontRef>
+    </dgm:style>
+  </dgm:styleLbl>
+  <dgm:styleLbl name="bgSibTrans2D1">
+    <dgm:scene3d>
+      <a:camera prst="orthographicFront"/>
+      <a:lightRig rig="threePt" dir="t"/>
+    </dgm:scene3d>
+    <dgm:sp3d/>
+    <dgm:txPr/>
+    <dgm:style>
+      <a:lnRef idx="0">
+        <a:scrgbClr r="0" g="0" b="0"/>
+      </a:lnRef>
+      <a:fillRef idx="1">
+        <a:scrgbClr r="0" g="0" b="0"/>
+      </a:fillRef>
+      <a:effectRef idx="0">
+        <a:scrgbClr r="0" g="0" b="0"/>
+      </a:effectRef>
+      <a:fontRef idx="minor">
+        <a:schemeClr val="lt1"/>
+      </a:fontRef>
+    </dgm:style>
+  </dgm:styleLbl>
+  <dgm:styleLbl name="sibTrans1D1">
+    <dgm:scene3d>
+      <a:camera prst="orthographicFront"/>
+      <a:lightRig rig="threePt" dir="t"/>
+    </dgm:scene3d>
+    <dgm:sp3d/>
+    <dgm:txPr/>
+    <dgm:style>
+      <a:lnRef idx="1">
+        <a:scrgbClr r="0" g="0" b="0"/>
+      </a:lnRef>
+      <a:fillRef idx="0">
+        <a:scrgbClr r="0" g="0" b="0"/>
+      </a:fillRef>
+      <a:effectRef idx="0">
+        <a:scrgbClr r="0" g="0" b="0"/>
+      </a:effectRef>
+      <a:fontRef idx="minor"/>
+    </dgm:style>
+  </dgm:styleLbl>
+  <dgm:styleLbl name="callout">
+    <dgm:scene3d>
+      <a:camera prst="orthographicFront"/>
+      <a:lightRig rig="threePt" dir="t"/>
+    </dgm:scene3d>
+    <dgm:sp3d/>
+    <dgm:txPr/>
+    <dgm:style>
+      <a:lnRef idx="2">
+        <a:scrgbClr r="0" g="0" b="0"/>
+      </a:lnRef>
+      <a:fillRef idx="1">
+        <a:scrgbClr r="0" g="0" b="0"/>
+      </a:fillRef>
+      <a:effectRef idx="0">
+        <a:scrgbClr r="0" g="0" b="0"/>
+      </a:effectRef>
+      <a:fontRef idx="minor"/>
+    </dgm:style>
+  </dgm:styleLbl>
+  <dgm:styleLbl name="asst0">
+    <dgm:scene3d>
+      <a:camera prst="orthographicFront"/>
+      <a:lightRig rig="threePt" dir="t"/>
+    </dgm:scene3d>
+    <dgm:sp3d/>
+    <dgm:txPr/>
+    <dgm:style>
+      <a:lnRef idx="2">
+        <a:scrgbClr r="0" g="0" b="0"/>
+      </a:lnRef>
+      <a:fillRef idx="1">
+        <a:scrgbClr r="0" g="0" b="0"/>
+      </a:fillRef>
+      <a:effectRef idx="0">
+        <a:scrgbClr r="0" g="0" b="0"/>
+      </a:effectRef>
+      <a:fontRef idx="minor">
+        <a:schemeClr val="lt1"/>
+      </a:fontRef>
+    </dgm:style>
+  </dgm:styleLbl>
+  <dgm:styleLbl name="asst1">
+    <dgm:scene3d>
+      <a:camera prst="orthographicFront"/>
+      <a:lightRig rig="threePt" dir="t"/>
+    </dgm:scene3d>
+    <dgm:sp3d/>
+    <dgm:txPr/>
+    <dgm:style>
+      <a:lnRef idx="2">
+        <a:scrgbClr r="0" g="0" b="0"/>
+      </a:lnRef>
+      <a:fillRef idx="1">
+        <a:scrgbClr r="0" g="0" b="0"/>
+      </a:fillRef>
+      <a:effectRef idx="0">
+        <a:scrgbClr r="0" g="0" b="0"/>
+      </a:effectRef>
+      <a:fontRef idx="minor">
+        <a:schemeClr val="lt1"/>
+      </a:fontRef>
+    </dgm:style>
+  </dgm:styleLbl>
+  <dgm:styleLbl name="asst2">
+    <dgm:scene3d>
+      <a:camera prst="orthographicFront"/>
+      <a:lightRig rig="threePt" dir="t"/>
+    </dgm:scene3d>
+    <dgm:sp3d/>
+    <dgm:txPr/>
+    <dgm:style>
+      <a:lnRef idx="2">
+        <a:scrgbClr r="0" g="0" b="0"/>
+      </a:lnRef>
+      <a:fillRef idx="1">
+        <a:scrgbClr r="0" g="0" b="0"/>
+      </a:fillRef>
+      <a:effectRef idx="0">
+        <a:scrgbClr r="0" g="0" b="0"/>
+      </a:effectRef>
+      <a:fontRef idx="minor">
+        <a:schemeClr val="lt1"/>
+      </a:fontRef>
+    </dgm:style>
+  </dgm:styleLbl>
+  <dgm:styleLbl name="asst3">
+    <dgm:scene3d>
+      <a:camera prst="orthographicFront"/>
+      <a:lightRig rig="threePt" dir="t"/>
+    </dgm:scene3d>
+    <dgm:sp3d/>
+    <dgm:txPr/>
+    <dgm:style>
+      <a:lnRef idx="2">
+        <a:scrgbClr r="0" g="0" b="0"/>
+      </a:lnRef>
+      <a:fillRef idx="1">
+        <a:scrgbClr r="0" g="0" b="0"/>
+      </a:fillRef>
+      <a:effectRef idx="0">
+        <a:scrgbClr r="0" g="0" b="0"/>
+      </a:effectRef>
+      <a:fontRef idx="minor">
+        <a:schemeClr val="lt1"/>
+      </a:fontRef>
+    </dgm:style>
+  </dgm:styleLbl>
+  <dgm:styleLbl name="asst4">
+    <dgm:scene3d>
+      <a:camera prst="orthographicFront"/>
+      <a:lightRig rig="threePt" dir="t"/>
+    </dgm:scene3d>
+    <dgm:sp3d/>
+    <dgm:txPr/>
+    <dgm:style>
+      <a:lnRef idx="2">
+        <a:scrgbClr r="0" g="0" b="0"/>
+      </a:lnRef>
+      <a:fillRef idx="1">
+        <a:scrgbClr r="0" g="0" b="0"/>
+      </a:fillRef>
+      <a:effectRef idx="0">
+        <a:scrgbClr r="0" g="0" b="0"/>
+      </a:effectRef>
+      <a:fontRef idx="minor">
+        <a:schemeClr val="lt1"/>
+      </a:fontRef>
+    </dgm:style>
+  </dgm:styleLbl>
+  <dgm:styleLbl name="parChTrans2D1">
+    <dgm:scene3d>
+      <a:camera prst="orthographicFront"/>
+      <a:lightRig rig="threePt" dir="t"/>
+    </dgm:scene3d>
+    <dgm:sp3d/>
+    <dgm:txPr/>
+    <dgm:style>
+      <a:lnRef idx="2">
+        <a:scrgbClr r="0" g="0" b="0"/>
+      </a:lnRef>
+      <a:fillRef idx="1">
+        <a:scrgbClr r="0" g="0" b="0"/>
+      </a:fillRef>
+      <a:effectRef idx="0">
+        <a:scrgbClr r="0" g="0" b="0"/>
+      </a:effectRef>
+      <a:fontRef idx="minor">
+        <a:schemeClr val="lt1"/>
+      </a:fontRef>
+    </dgm:style>
+  </dgm:styleLbl>
+  <dgm:styleLbl name="parChTrans2D2">
+    <dgm:scene3d>
+      <a:camera prst="orthographicFront"/>
+      <a:lightRig rig="threePt" dir="t"/>
+    </dgm:scene3d>
+    <dgm:sp3d/>
+    <dgm:txPr/>
+    <dgm:style>
+      <a:lnRef idx="2">
+        <a:scrgbClr r="0" g="0" b="0"/>
+      </a:lnRef>
+      <a:fillRef idx="1">
+        <a:scrgbClr r="0" g="0" b="0"/>
+      </a:fillRef>
+      <a:effectRef idx="0">
+        <a:scrgbClr r="0" g="0" b="0"/>
+      </a:effectRef>
+      <a:fontRef idx="minor">
+        <a:schemeClr val="lt1"/>
+      </a:fontRef>
+    </dgm:style>
+  </dgm:styleLbl>
+  <dgm:styleLbl name="parChTrans2D3">
+    <dgm:scene3d>
+      <a:camera prst="orthographicFront"/>
+      <a:lightRig rig="threePt" dir="t"/>
+    </dgm:scene3d>
+    <dgm:sp3d/>
+    <dgm:txPr/>
+    <dgm:style>
+      <a:lnRef idx="2">
+        <a:scrgbClr r="0" g="0" b="0"/>
+      </a:lnRef>
+      <a:fillRef idx="1">
+        <a:scrgbClr r="0" g="0" b="0"/>
+      </a:fillRef>
+      <a:effectRef idx="0">
+        <a:scrgbClr r="0" g="0" b="0"/>
+      </a:effectRef>
+      <a:fontRef idx="minor">
+        <a:schemeClr val="lt1"/>
+      </a:fontRef>
+    </dgm:style>
+  </dgm:styleLbl>
+  <dgm:styleLbl name="parChTrans2D4">
+    <dgm:scene3d>
+      <a:camera prst="orthographicFront"/>
+      <a:lightRig rig="threePt" dir="t"/>
+    </dgm:scene3d>
+    <dgm:sp3d/>
+    <dgm:txPr/>
+    <dgm:style>
+      <a:lnRef idx="2">
+        <a:scrgbClr r="0" g="0" b="0"/>
+      </a:lnRef>
+      <a:fillRef idx="1">
+        <a:scrgbClr r="0" g="0" b="0"/>
+      </a:fillRef>
+      <a:effectRef idx="0">
+        <a:scrgbClr r="0" g="0" b="0"/>
+      </a:effectRef>
+      <a:fontRef idx="minor">
+        <a:schemeClr val="lt1"/>
+      </a:fontRef>
+    </dgm:style>
+  </dgm:styleLbl>
+  <dgm:styleLbl name="parChTrans1D1">
+    <dgm:scene3d>
+      <a:camera prst="orthographicFront"/>
+      <a:lightRig rig="threePt" dir="t"/>
+    </dgm:scene3d>
+    <dgm:sp3d/>
+    <dgm:txPr/>
+    <dgm:style>
+      <a:lnRef idx="2">
+        <a:scrgbClr r="0" g="0" b="0"/>
+      </a:lnRef>
+      <a:fillRef idx="0">
+        <a:scrgbClr r="0" g="0" b="0"/>
+      </a:fillRef>
+      <a:effectRef idx="0">
+        <a:scrgbClr r="0" g="0" b="0"/>
+      </a:effectRef>
+      <a:fontRef idx="minor"/>
+    </dgm:style>
+  </dgm:styleLbl>
+  <dgm:styleLbl name="parChTrans1D2">
+    <dgm:scene3d>
+      <a:camera prst="orthographicFront"/>
+      <a:lightRig rig="threePt" dir="t"/>
+    </dgm:scene3d>
+    <dgm:sp3d/>
+    <dgm:txPr/>
+    <dgm:style>
+      <a:lnRef idx="2">
+        <a:scrgbClr r="0" g="0" b="0"/>
+      </a:lnRef>
+      <a:fillRef idx="0">
+        <a:scrgbClr r="0" g="0" b="0"/>
+      </a:fillRef>
+      <a:effectRef idx="0">
+        <a:scrgbClr r="0" g="0" b="0"/>
+      </a:effectRef>
+      <a:fontRef idx="minor"/>
+    </dgm:style>
+  </dgm:styleLbl>
+  <dgm:styleLbl name="parChTrans1D3">
+    <dgm:scene3d>
+      <a:camera prst="orthographicFront"/>
+      <a:lightRig rig="threePt" dir="t"/>
+    </dgm:scene3d>
+    <dgm:sp3d/>
+    <dgm:txPr/>
+    <dgm:style>
+      <a:lnRef idx="2">
+        <a:scrgbClr r="0" g="0" b="0"/>
+      </a:lnRef>
+      <a:fillRef idx="0">
+        <a:scrgbClr r="0" g="0" b="0"/>
+      </a:fillRef>
+      <a:effectRef idx="0">
+        <a:scrgbClr r="0" g="0" b="0"/>
+      </a:effectRef>
+      <a:fontRef idx="minor"/>
+    </dgm:style>
+  </dgm:styleLbl>
+  <dgm:styleLbl name="parChTrans1D4">
+    <dgm:scene3d>
+      <a:camera prst="orthographicFront"/>
+      <a:lightRig rig="threePt" dir="t"/>
+    </dgm:scene3d>
+    <dgm:sp3d/>
+    <dgm:txPr/>
+    <dgm:style>
+      <a:lnRef idx="2">
+        <a:scrgbClr r="0" g="0" b="0"/>
+      </a:lnRef>
+      <a:fillRef idx="0">
+        <a:scrgbClr r="0" g="0" b="0"/>
+      </a:fillRef>
+      <a:effectRef idx="0">
+        <a:scrgbClr r="0" g="0" b="0"/>
+      </a:effectRef>
+      <a:fontRef idx="minor"/>
+    </dgm:style>
+  </dgm:styleLbl>
+  <dgm:styleLbl name="fgAcc1">
+    <dgm:scene3d>
+      <a:camera prst="orthographicFront"/>
+      <a:lightRig rig="threePt" dir="t"/>
+    </dgm:scene3d>
+    <dgm:sp3d/>
+    <dgm:txPr/>
+    <dgm:style>
+      <a:lnRef idx="2">
+        <a:scrgbClr r="0" g="0" b="0"/>
+      </a:lnRef>
+      <a:fillRef idx="1">
+        <a:scrgbClr r="0" g="0" b="0"/>
+      </a:fillRef>
+      <a:effectRef idx="0">
+        <a:scrgbClr r="0" g="0" b="0"/>
+      </a:effectRef>
+      <a:fontRef idx="minor"/>
+    </dgm:style>
+  </dgm:styleLbl>
+  <dgm:styleLbl name="conFgAcc1">
+    <dgm:scene3d>
+      <a:camera prst="orthographicFront"/>
+      <a:lightRig rig="threePt" dir="t"/>
+    </dgm:scene3d>
+    <dgm:sp3d/>
+    <dgm:txPr/>
+    <dgm:style>
+      <a:lnRef idx="2">
+        <a:scrgbClr r="0" g="0" b="0"/>
+      </a:lnRef>
+      <a:fillRef idx="1">
+        <a:scrgbClr r="0" g="0" b="0"/>
+      </a:fillRef>
+      <a:effectRef idx="0">
+        <a:scrgbClr r="0" g="0" b="0"/>
+      </a:effectRef>
+      <a:fontRef idx="minor"/>
+    </dgm:style>
+  </dgm:styleLbl>
+  <dgm:styleLbl name="alignAcc1">
+    <dgm:scene3d>
+      <a:camera prst="orthographicFront"/>
+      <a:lightRig rig="threePt" dir="t"/>
+    </dgm:scene3d>
+    <dgm:sp3d/>
+    <dgm:txPr/>
+    <dgm:style>
+      <a:lnRef idx="2">
+        <a:scrgbClr r="0" g="0" b="0"/>
+      </a:lnRef>
+      <a:fillRef idx="1">
+        <a:scrgbClr r="0" g="0" b="0"/>
+      </a:fillRef>
+      <a:effectRef idx="0">
+        <a:scrgbClr r="0" g="0" b="0"/>
+      </a:effectRef>
+      <a:fontRef idx="minor"/>
+    </dgm:style>
+  </dgm:styleLbl>
+  <dgm:styleLbl name="trAlignAcc1">
+    <dgm:scene3d>
+      <a:camera prst="orthographicFront"/>
+      <a:lightRig rig="threePt" dir="t"/>
+    </dgm:scene3d>
+    <dgm:sp3d/>
+    <dgm:txPr/>
+    <dgm:style>
+      <a:lnRef idx="1">
+        <a:scrgbClr r="0" g="0" b="0"/>
+      </a:lnRef>
+      <a:fillRef idx="1">
+        <a:scrgbClr r="0" g="0" b="0"/>
+      </a:fillRef>
+      <a:effectRef idx="0">
+        <a:scrgbClr r="0" g="0" b="0"/>
+      </a:effectRef>
+      <a:fontRef idx="minor"/>
+    </dgm:style>
+  </dgm:styleLbl>
+  <dgm:styleLbl name="bgAcc1">
+    <dgm:scene3d>
+      <a:camera prst="orthographicFront"/>
+      <a:lightRig rig="threePt" dir="t"/>
+    </dgm:scene3d>
+    <dgm:sp3d/>
+    <dgm:txPr/>
+    <dgm:style>
+      <a:lnRef idx="2">
+        <a:scrgbClr r="0" g="0" b="0"/>
+      </a:lnRef>
+      <a:fillRef idx="1">
+        <a:scrgbClr r="0" g="0" b="0"/>
+      </a:fillRef>
+      <a:effectRef idx="0">
+        <a:scrgbClr r="0" g="0" b="0"/>
+      </a:effectRef>
+      <a:fontRef idx="minor"/>
+    </dgm:style>
+  </dgm:styleLbl>
+  <dgm:styleLbl name="solidFgAcc1">
+    <dgm:scene3d>
+      <a:camera prst="orthographicFront"/>
+      <a:lightRig rig="threePt" dir="t"/>
+    </dgm:scene3d>
+    <dgm:sp3d/>
+    <dgm:txPr/>
+    <dgm:style>
+      <a:lnRef idx="2">
+        <a:scrgbClr r="0" g="0" b="0"/>
+      </a:lnRef>
+      <a:fillRef idx="1">
+        <a:scrgbClr r="0" g="0" b="0"/>
+      </a:fillRef>
+      <a:effectRef idx="0">
+        <a:scrgbClr r="0" g="0" b="0"/>
+      </a:effectRef>
+      <a:fontRef idx="minor"/>
+    </dgm:style>
+  </dgm:styleLbl>
+  <dgm:styleLbl name="solidAlignAcc1">
+    <dgm:scene3d>
+      <a:camera prst="orthographicFront"/>
+      <a:lightRig rig="threePt" dir="t"/>
+    </dgm:scene3d>
+    <dgm:sp3d/>
+    <dgm:txPr/>
+    <dgm:style>
+      <a:lnRef idx="2">
+        <a:scrgbClr r="0" g="0" b="0"/>
+      </a:lnRef>
+      <a:fillRef idx="1">
+        <a:scrgbClr r="0" g="0" b="0"/>
+      </a:fillRef>
+      <a:effectRef idx="0">
+        <a:scrgbClr r="0" g="0" b="0"/>
+      </a:effectRef>
+      <a:fontRef idx="minor"/>
+    </dgm:style>
+  </dgm:styleLbl>
+  <dgm:styleLbl name="solidBgAcc1">
+    <dgm:scene3d>
+      <a:camera prst="orthographicFront"/>
+      <a:lightRig rig="threePt" dir="t"/>
+    </dgm:scene3d>
+    <dgm:sp3d/>
+    <dgm:txPr/>
+    <dgm:style>
+      <a:lnRef idx="2">
+        <a:scrgbClr r="0" g="0" b="0"/>
+      </a:lnRef>
+      <a:fillRef idx="1">
+        <a:scrgbClr r="0" g="0" b="0"/>
+      </a:fillRef>
+      <a:effectRef idx="0">
+        <a:scrgbClr r="0" g="0" b="0"/>
+      </a:effectRef>
+      <a:fontRef idx="minor"/>
+    </dgm:style>
+  </dgm:styleLbl>
+  <dgm:styleLbl name="fgAccFollowNode1">
+    <dgm:scene3d>
+      <a:camera prst="orthographicFront"/>
+      <a:lightRig rig="threePt" dir="t"/>
+    </dgm:scene3d>
+    <dgm:sp3d/>
+    <dgm:txPr/>
+    <dgm:style>
+      <a:lnRef idx="2">
+        <a:scrgbClr r="0" g="0" b="0"/>
+      </a:lnRef>
+      <a:fillRef idx="1">
+        <a:scrgbClr r="0" g="0" b="0"/>
+      </a:fillRef>
+      <a:effectRef idx="0">
+        <a:scrgbClr r="0" g="0" b="0"/>
+      </a:effectRef>
+      <a:fontRef idx="minor"/>
+    </dgm:style>
+  </dgm:styleLbl>
+  <dgm:styleLbl name="alignAccFollowNode1">
+    <dgm:scene3d>
+      <a:camera prst="orthographicFront"/>
+      <a:lightRig rig="threePt" dir="t"/>
+    </dgm:scene3d>
+    <dgm:sp3d/>
+    <dgm:txPr/>
+    <dgm:style>
+      <a:lnRef idx="2">
+        <a:scrgbClr r="0" g="0" b="0"/>
+      </a:lnRef>
+      <a:fillRef idx="1">
+        <a:scrgbClr r="0" g="0" b="0"/>
+      </a:fillRef>
+      <a:effectRef idx="0">
+        <a:scrgbClr r="0" g="0" b="0"/>
+      </a:effectRef>
+      <a:fontRef idx="minor"/>
+    </dgm:style>
+  </dgm:styleLbl>
+  <dgm:styleLbl name="bgAccFollowNode1">
+    <dgm:scene3d>
+      <a:camera prst="orthographicFront"/>
+      <a:lightRig rig="threePt" dir="t"/>
+    </dgm:scene3d>
+    <dgm:sp3d/>
+    <dgm:txPr/>
+    <dgm:style>
+      <a:lnRef idx="2">
+        <a:scrgbClr r="0" g="0" b="0"/>
+      </a:lnRef>
+      <a:fillRef idx="1">
+        <a:scrgbClr r="0" g="0" b="0"/>
+      </a:fillRef>
+      <a:effectRef idx="0">
+        <a:scrgbClr r="0" g="0" b="0"/>
+      </a:effectRef>
+      <a:fontRef idx="minor"/>
+    </dgm:style>
+  </dgm:styleLbl>
+  <dgm:styleLbl name="fgAcc0">
+    <dgm:scene3d>
+      <a:camera prst="orthographicFront"/>
+      <a:lightRig rig="threePt" dir="t"/>
+    </dgm:scene3d>
+    <dgm:sp3d/>
+    <dgm:txPr/>
+    <dgm:style>
+      <a:lnRef idx="2">
+        <a:scrgbClr r="0" g="0" b="0"/>
+      </a:lnRef>
+      <a:fillRef idx="1">
+        <a:scrgbClr r="0" g="0" b="0"/>
+      </a:fillRef>
+      <a:effectRef idx="0">
+        <a:scrgbClr r="0" g="0" b="0"/>
+      </a:effectRef>
+      <a:fontRef idx="minor"/>
+    </dgm:style>
+  </dgm:styleLbl>
+  <dgm:styleLbl name="fgAcc2">
+    <dgm:scene3d>
+      <a:camera prst="orthographicFront"/>
+      <a:lightRig rig="threePt" dir="t"/>
+    </dgm:scene3d>
+    <dgm:sp3d/>
+    <dgm:txPr/>
+    <dgm:style>
+      <a:lnRef idx="2">
+        <a:scrgbClr r="0" g="0" b="0"/>
+      </a:lnRef>
+      <a:fillRef idx="1">
+        <a:scrgbClr r="0" g="0" b="0"/>
+      </a:fillRef>
+      <a:effectRef idx="0">
+        <a:scrgbClr r="0" g="0" b="0"/>
+      </a:effectRef>
+      <a:fontRef idx="minor"/>
+    </dgm:style>
+  </dgm:styleLbl>
+  <dgm:styleLbl name="fgAcc3">
+    <dgm:scene3d>
+      <a:camera prst="orthographicFront"/>
+      <a:lightRig rig="threePt" dir="t"/>
+    </dgm:scene3d>
+    <dgm:sp3d/>
+    <dgm:txPr/>
+    <dgm:style>
+      <a:lnRef idx="2">
+        <a:scrgbClr r="0" g="0" b="0"/>
+      </a:lnRef>
+      <a:fillRef idx="1">
+        <a:scrgbClr r="0" g="0" b="0"/>
+      </a:fillRef>
+      <a:effectRef idx="0">
+        <a:scrgbClr r="0" g="0" b="0"/>
+      </a:effectRef>
+      <a:fontRef idx="minor"/>
+    </dgm:style>
+  </dgm:styleLbl>
+  <dgm:styleLbl name="fgAcc4">
+    <dgm:scene3d>
+      <a:camera prst="orthographicFront"/>
+      <a:lightRig rig="threePt" dir="t"/>
+    </dgm:scene3d>
+    <dgm:sp3d/>
+    <dgm:txPr/>
+    <dgm:style>
+      <a:lnRef idx="2">
+        <a:scrgbClr r="0" g="0" b="0"/>
+      </a:lnRef>
+      <a:fillRef idx="1">
+        <a:scrgbClr r="0" g="0" b="0"/>
+      </a:fillRef>
+      <a:effectRef idx="0">
+        <a:scrgbClr r="0" g="0" b="0"/>
+      </a:effectRef>
+      <a:fontRef idx="minor"/>
+    </dgm:style>
+  </dgm:styleLbl>
+  <dgm:styleLbl name="bgShp">
+    <dgm:scene3d>
+      <a:camera prst="orthographicFront"/>
+      <a:lightRig rig="threePt" dir="t"/>
+    </dgm:scene3d>
+    <dgm:sp3d/>
+    <dgm:txPr/>
+    <dgm:style>
+      <a:lnRef idx="0">
+        <a:scrgbClr r="0" g="0" b="0"/>
+      </a:lnRef>
+      <a:fillRef idx="1">
+        <a:scrgbClr r="0" g="0" b="0"/>
+      </a:fillRef>
+      <a:effectRef idx="0">
+        <a:scrgbClr r="0" g="0" b="0"/>
+      </a:effectRef>
+      <a:fontRef idx="minor"/>
+    </dgm:style>
+  </dgm:styleLbl>
+  <dgm:styleLbl name="dkBgShp">
+    <dgm:scene3d>
+      <a:camera prst="orthographicFront"/>
+      <a:lightRig rig="threePt" dir="t"/>
+    </dgm:scene3d>
+    <dgm:sp3d/>
+    <dgm:txPr/>
+    <dgm:style>
+      <a:lnRef idx="0">
+        <a:scrgbClr r="0" g="0" b="0"/>
+      </a:lnRef>
+      <a:fillRef idx="1">
+        <a:scrgbClr r="0" g="0" b="0"/>
+      </a:fillRef>
+      <a:effectRef idx="0">
+        <a:scrgbClr r="0" g="0" b="0"/>
+      </a:effectRef>
+      <a:fontRef idx="minor"/>
+    </dgm:style>
+  </dgm:styleLbl>
+  <dgm:styleLbl name="trBgShp">
+    <dgm:scene3d>
+      <a:camera prst="orthographicFront"/>
+      <a:lightRig rig="threePt" dir="t"/>
+    </dgm:scene3d>
+    <dgm:sp3d/>
+    <dgm:txPr/>
+    <dgm:style>
+      <a:lnRef idx="0">
+        <a:scrgbClr r="0" g="0" b="0"/>
+      </a:lnRef>
+      <a:fillRef idx="1">
+        <a:scrgbClr r="0" g="0" b="0"/>
+      </a:fillRef>
+      <a:effectRef idx="0">
+        <a:scrgbClr r="0" g="0" b="0"/>
+      </a:effectRef>
+      <a:fontRef idx="minor"/>
+    </dgm:style>
+  </dgm:styleLbl>
+  <dgm:styleLbl name="fgShp">
+    <dgm:scene3d>
+      <a:camera prst="orthographicFront"/>
+      <a:lightRig rig="threePt" dir="t"/>
+    </dgm:scene3d>
+    <dgm:sp3d/>
+    <dgm:txPr/>
+    <dgm:style>
+      <a:lnRef idx="2">
+        <a:scrgbClr r="0" g="0" b="0"/>
+      </a:lnRef>
+      <a:fillRef idx="1">
+        <a:scrgbClr r="0" g="0" b="0"/>
+      </a:fillRef>
+      <a:effectRef idx="0">
+        <a:scrgbClr r="0" g="0" b="0"/>
+      </a:effectRef>
+      <a:fontRef idx="minor"/>
+    </dgm:style>
+  </dgm:styleLbl>
+  <dgm:styleLbl name="revTx">
+    <dgm:scene3d>
+      <a:camera prst="orthographicFront"/>
+      <a:lightRig rig="threePt" dir="t"/>
+    </dgm:scene3d>
+    <dgm:sp3d/>
+    <dgm:txPr/>
+    <dgm:style>
+      <a:lnRef idx="0">
+        <a:scrgbClr r="0" g="0" b="0"/>
+      </a:lnRef>
+      <a:fillRef idx="0">
+        <a:scrgbClr r="0" g="0" b="0"/>
+      </a:fillRef>
+      <a:effectRef idx="0">
+        <a:scrgbClr r="0" g="0" b="0"/>
+      </a:effectRef>
+      <a:fontRef idx="minor"/>
+    </dgm:style>
+  </dgm:styleLbl>
+</dgm:styleDef>
 </file>
 
 <file path=ppt/notesMasters/notesMaster1.xml><?xml version="1.0" encoding="utf-8"?>
@@ -207,7 +3200,7 @@
           <a:p>
             <a:fld id="{8A60DA54-2C8D-C144-8D5B-ED93BCC08EBC}" type="datetimeFigureOut">
               <a:rPr lang="en-US" smtClean="0"/>
-              <a:t>11/22/21</a:t>
+              <a:t>11/23/2021</a:t>
             </a:fld>
             <a:endParaRPr lang="en-US"/>
           </a:p>
@@ -691,7 +3684,7 @@
           <a:p>
             <a:fld id="{A17302DF-282E-5045-AD93-B10E092C4D76}" type="datetime1">
               <a:rPr lang="en-US" smtClean="0"/>
-              <a:t>11/22/21</a:t>
+              <a:t>11/23/2021</a:t>
             </a:fld>
             <a:endParaRPr lang="en-US"/>
           </a:p>
@@ -1029,7 +4022,7 @@
           <a:p>
             <a:fld id="{7051C248-0A93-744B-AB02-B074890E4BFB}" type="datetime1">
               <a:rPr lang="en-US" smtClean="0"/>
-              <a:t>11/22/21</a:t>
+              <a:t>11/23/2021</a:t>
             </a:fld>
             <a:endParaRPr lang="en-US"/>
           </a:p>
@@ -1335,7 +4328,7 @@
           <a:p>
             <a:fld id="{E2FB5ED4-1094-CE40-AD73-CF683A397F32}" type="datetime1">
               <a:rPr lang="en-US" smtClean="0"/>
-              <a:t>11/22/21</a:t>
+              <a:t>11/23/2021</a:t>
             </a:fld>
             <a:endParaRPr lang="en-US"/>
           </a:p>
@@ -1586,7 +4579,7 @@
           <a:p>
             <a:fld id="{5398144C-4A17-1F44-951C-D6094082A43A}" type="datetime1">
               <a:rPr lang="en-US" smtClean="0"/>
-              <a:t>11/22/21</a:t>
+              <a:t>11/23/2021</a:t>
             </a:fld>
             <a:endParaRPr lang="en-US"/>
           </a:p>
@@ -1997,7 +4990,7 @@
           <a:p>
             <a:fld id="{F4C8F34B-496D-5147-A057-59EA683414BA}" type="datetime1">
               <a:rPr lang="en-US" smtClean="0"/>
-              <a:t>11/22/21</a:t>
+              <a:t>11/23/2021</a:t>
             </a:fld>
             <a:endParaRPr lang="en-US"/>
           </a:p>
@@ -2315,7 +5308,7 @@
           <a:p>
             <a:fld id="{EDFF9562-1223-4943-9CFA-F4038B153653}" type="datetime1">
               <a:rPr lang="en-US" smtClean="0"/>
-              <a:t>11/22/21</a:t>
+              <a:t>11/23/2021</a:t>
             </a:fld>
             <a:endParaRPr lang="en-US"/>
           </a:p>
@@ -2863,7 +5856,7 @@
           <a:p>
             <a:fld id="{D8CBC8A2-C59F-7C48-A0C8-65530B9B58B6}" type="datetime1">
               <a:rPr lang="en-US" smtClean="0"/>
-              <a:t>11/22/21</a:t>
+              <a:t>11/23/2021</a:t>
             </a:fld>
             <a:endParaRPr lang="en-US"/>
           </a:p>
@@ -3063,7 +6056,7 @@
           <a:p>
             <a:fld id="{1737AD88-783F-E74A-AC36-8B971CA881DB}" type="datetime1">
               <a:rPr lang="en-US" smtClean="0"/>
-              <a:t>11/22/21</a:t>
+              <a:t>11/23/2021</a:t>
             </a:fld>
             <a:endParaRPr lang="en-US"/>
           </a:p>
@@ -3280,7 +6273,7 @@
           <a:p>
             <a:fld id="{DAA93DDA-E668-6743-ABF3-9FC32416B710}" type="datetime1">
               <a:rPr lang="en-US" smtClean="0"/>
-              <a:t>11/22/21</a:t>
+              <a:t>11/23/2021</a:t>
             </a:fld>
             <a:endParaRPr lang="en-US"/>
           </a:p>
@@ -3653,7 +6646,7 @@
           <a:p>
             <a:fld id="{3E4E7CAE-0913-5743-844D-E24670A417DC}" type="datetime1">
               <a:rPr lang="en-US" smtClean="0"/>
-              <a:t>11/22/21</a:t>
+              <a:t>11/23/2021</a:t>
             </a:fld>
             <a:endParaRPr lang="en-US"/>
           </a:p>
@@ -4060,7 +7053,7 @@
           <a:p>
             <a:fld id="{BBF3B8AB-BA7E-9C4E-AF0A-FBED6B4CBAD4}" type="datetime1">
               <a:rPr lang="en-US" smtClean="0"/>
-              <a:t>11/22/21</a:t>
+              <a:t>11/23/2021</a:t>
             </a:fld>
             <a:endParaRPr lang="en-US"/>
           </a:p>
@@ -4375,7 +7368,7 @@
           <a:p>
             <a:fld id="{D8CBC8A2-C59F-7C48-A0C8-65530B9B58B6}" type="datetime1">
               <a:rPr lang="en-US" smtClean="0"/>
-              <a:t>11/22/21</a:t>
+              <a:t>11/23/2021</a:t>
             </a:fld>
             <a:endParaRPr lang="en-US"/>
           </a:p>
@@ -5725,32 +8718,10 @@
           <a:bodyPr/>
           <a:lstStyle/>
           <a:p>
-            <a:endParaRPr lang="en-US"/>
-          </a:p>
-        </p:txBody>
-      </p:sp>
-      <p:sp>
-        <p:nvSpPr>
-          <p:cNvPr id="3" name="Content Placeholder 2">
-            <a:extLst>
-              <a:ext uri="{FF2B5EF4-FFF2-40B4-BE49-F238E27FC236}">
-                <a16:creationId xmlns:a16="http://schemas.microsoft.com/office/drawing/2014/main" id="{9E359C67-F364-9142-A371-1EFC1202FB6A}"/>
-              </a:ext>
-            </a:extLst>
-          </p:cNvPr>
-          <p:cNvSpPr>
-            <a:spLocks noGrp="1"/>
-          </p:cNvSpPr>
-          <p:nvPr>
-            <p:ph idx="1"/>
-          </p:nvPr>
-        </p:nvSpPr>
-        <p:spPr/>
-        <p:txBody>
-          <a:bodyPr/>
-          <a:lstStyle/>
-          <a:p>
-            <a:endParaRPr lang="en-US"/>
+            <a:r>
+              <a:rPr lang="en-US" dirty="0"/>
+              <a:t>Modeling Process</a:t>
+            </a:r>
           </a:p>
         </p:txBody>
       </p:sp>
@@ -5811,6 +8782,34 @@
           </a:p>
         </p:txBody>
       </p:sp>
+      <p:graphicFrame>
+        <p:nvGraphicFramePr>
+          <p:cNvPr id="7" name="Diagram 6">
+            <a:extLst>
+              <a:ext uri="{FF2B5EF4-FFF2-40B4-BE49-F238E27FC236}">
+                <a16:creationId xmlns:a16="http://schemas.microsoft.com/office/drawing/2014/main" id="{66145B23-E6C8-4D86-906C-7512F4C75C1E}"/>
+              </a:ext>
+            </a:extLst>
+          </p:cNvPr>
+          <p:cNvGraphicFramePr/>
+          <p:nvPr>
+            <p:extLst>
+              <p:ext uri="{D42A27DB-BD31-4B8C-83A1-F6EECF244321}">
+                <p14:modId xmlns:p14="http://schemas.microsoft.com/office/powerpoint/2010/main" val="2580781124"/>
+              </p:ext>
+            </p:extLst>
+          </p:nvPr>
+        </p:nvGraphicFramePr>
+        <p:xfrm>
+          <a:off x="1493241" y="1367406"/>
+          <a:ext cx="8808440" cy="4770927"/>
+        </p:xfrm>
+        <a:graphic>
+          <a:graphicData uri="http://schemas.openxmlformats.org/drawingml/2006/diagram">
+            <dgm:relIds xmlns:dgm="http://schemas.openxmlformats.org/drawingml/2006/diagram" xmlns:r="http://schemas.openxmlformats.org/officeDocument/2006/relationships" r:dm="rId2" r:lo="rId3" r:qs="rId4" r:cs="rId5"/>
+          </a:graphicData>
+        </a:graphic>
+      </p:graphicFrame>
     </p:spTree>
     <p:extLst>
       <p:ext uri="{BB962C8B-B14F-4D97-AF65-F5344CB8AC3E}">

--- a/Resources/Presentation.pptx
+++ b/Resources/Presentation.pptx
@@ -928,13 +928,16 @@
       </dgm:t>
     </dgm:pt>
     <dgm:pt modelId="{16E3F1D2-F25C-4239-911D-27F65F3335D6}">
-      <dgm:prSet phldrT="[Text]" phldr="1" custT="1"/>
+      <dgm:prSet phldrT="[Text]" custT="1"/>
       <dgm:spPr/>
       <dgm:t>
         <a:bodyPr/>
         <a:lstStyle/>
         <a:p>
-          <a:endParaRPr lang="en-US" sz="2000" dirty="0"/>
+          <a:r>
+            <a:rPr lang="en-US" sz="2000" dirty="0"/>
+            <a:t>Linear was our goal model to predict crime with changes in the LW factors</a:t>
+          </a:r>
         </a:p>
       </dgm:t>
     </dgm:pt>
@@ -961,13 +964,16 @@
       </dgm:t>
     </dgm:pt>
     <dgm:pt modelId="{37DDB56E-1999-4AE9-B3A2-281DC5BB6371}">
-      <dgm:prSet phldrT="[Text]" phldr="1" custT="1"/>
+      <dgm:prSet phldrT="[Text]" custT="1"/>
       <dgm:spPr/>
       <dgm:t>
         <a:bodyPr/>
         <a:lstStyle/>
         <a:p>
-          <a:endParaRPr lang="en-US" sz="2000"/>
+          <a:r>
+            <a:rPr lang="en-US" sz="2000" dirty="0"/>
+            <a:t>Collinearity and scope of data held accuracy back</a:t>
+          </a:r>
         </a:p>
       </dgm:t>
     </dgm:pt>
@@ -1030,13 +1036,16 @@
       </dgm:t>
     </dgm:pt>
     <dgm:pt modelId="{4D91F83C-842C-41A0-AF28-56476AD32335}">
-      <dgm:prSet phldrT="[Text]" phldr="1" custT="1"/>
+      <dgm:prSet phldrT="[Text]" custT="1"/>
       <dgm:spPr/>
       <dgm:t>
         <a:bodyPr/>
         <a:lstStyle/>
         <a:p>
-          <a:endParaRPr lang="en-US" sz="2000" dirty="0"/>
+          <a:r>
+            <a:rPr lang="en-US" sz="2000" dirty="0"/>
+            <a:t>Iterated through several variation, with a mixture of linear activation functions</a:t>
+          </a:r>
         </a:p>
       </dgm:t>
     </dgm:pt>
@@ -1063,13 +1072,16 @@
       </dgm:t>
     </dgm:pt>
     <dgm:pt modelId="{146E3B88-E8A3-4EBA-9861-EF668551891D}">
-      <dgm:prSet phldrT="[Text]" phldr="1" custT="1"/>
+      <dgm:prSet phldrT="[Text]" custT="1"/>
       <dgm:spPr/>
       <dgm:t>
         <a:bodyPr/>
         <a:lstStyle/>
         <a:p>
-          <a:endParaRPr lang="en-US" sz="2000" dirty="0"/>
+          <a:r>
+            <a:rPr lang="en-US" sz="2000" dirty="0"/>
+            <a:t>Vanishing Gradient Descents led to zeroed accuracy scores quickly</a:t>
+          </a:r>
         </a:p>
       </dgm:t>
     </dgm:pt>
@@ -1132,13 +1144,16 @@
       </dgm:t>
     </dgm:pt>
     <dgm:pt modelId="{13244804-DF7F-41ED-800F-9E21952489B3}">
-      <dgm:prSet phldrT="[Text]" phldr="1" custT="1"/>
+      <dgm:prSet phldrT="[Text]" custT="1"/>
       <dgm:spPr/>
       <dgm:t>
         <a:bodyPr/>
         <a:lstStyle/>
         <a:p>
-          <a:endParaRPr lang="en-US" sz="2000" dirty="0"/>
+          <a:r>
+            <a:rPr lang="en-US" sz="2000" dirty="0"/>
+            <a:t>Highest accuracy score out of all regressions we ran against test data</a:t>
+          </a:r>
         </a:p>
       </dgm:t>
     </dgm:pt>
@@ -1165,13 +1180,16 @@
       </dgm:t>
     </dgm:pt>
     <dgm:pt modelId="{2984861A-41FE-4C38-B42C-29967F703A42}">
-      <dgm:prSet phldrT="[Text]" phldr="1" custT="1"/>
+      <dgm:prSet phldrT="[Text]" custT="1"/>
       <dgm:spPr/>
       <dgm:t>
         <a:bodyPr/>
         <a:lstStyle/>
         <a:p>
-          <a:endParaRPr lang="en-US" sz="2000" dirty="0"/>
+          <a:r>
+            <a:rPr lang="en-US" sz="2000" dirty="0"/>
+            <a:t>Tuned hyperparameters by iterating to get the highest test score</a:t>
+          </a:r>
         </a:p>
       </dgm:t>
     </dgm:pt>
@@ -1471,7 +1489,10 @@
             </a:spcAft>
             <a:buChar char="•"/>
           </a:pPr>
-          <a:endParaRPr lang="en-US" sz="2000" kern="1200" dirty="0"/>
+          <a:r>
+            <a:rPr lang="en-US" sz="2000" kern="1200" dirty="0"/>
+            <a:t>Linear was our goal model to predict crime with changes in the LW factors</a:t>
+          </a:r>
         </a:p>
         <a:p>
           <a:pPr marL="228600" lvl="1" indent="-228600" algn="l" defTabSz="889000">
@@ -1486,7 +1507,10 @@
             </a:spcAft>
             <a:buChar char="•"/>
           </a:pPr>
-          <a:endParaRPr lang="en-US" sz="2000" kern="1200"/>
+          <a:r>
+            <a:rPr lang="en-US" sz="2000" kern="1200" dirty="0"/>
+            <a:t>Collinearity and scope of data held accuracy back</a:t>
+          </a:r>
         </a:p>
       </dsp:txBody>
       <dsp:txXfrm rot="-5400000">
@@ -1636,7 +1660,10 @@
             </a:spcAft>
             <a:buChar char="•"/>
           </a:pPr>
-          <a:endParaRPr lang="en-US" sz="2000" kern="1200" dirty="0"/>
+          <a:r>
+            <a:rPr lang="en-US" sz="2000" kern="1200" dirty="0"/>
+            <a:t>Iterated through several variation, with a mixture of linear activation functions</a:t>
+          </a:r>
         </a:p>
         <a:p>
           <a:pPr marL="228600" lvl="1" indent="-228600" algn="l" defTabSz="889000">
@@ -1651,7 +1678,10 @@
             </a:spcAft>
             <a:buChar char="•"/>
           </a:pPr>
-          <a:endParaRPr lang="en-US" sz="2000" kern="1200" dirty="0"/>
+          <a:r>
+            <a:rPr lang="en-US" sz="2000" kern="1200" dirty="0"/>
+            <a:t>Vanishing Gradient Descents led to zeroed accuracy scores quickly</a:t>
+          </a:r>
         </a:p>
       </dsp:txBody>
       <dsp:txXfrm rot="-5400000">
@@ -1801,7 +1831,10 @@
             </a:spcAft>
             <a:buChar char="•"/>
           </a:pPr>
-          <a:endParaRPr lang="en-US" sz="2000" kern="1200" dirty="0"/>
+          <a:r>
+            <a:rPr lang="en-US" sz="2000" kern="1200" dirty="0"/>
+            <a:t>Highest accuracy score out of all regressions we ran against test data</a:t>
+          </a:r>
         </a:p>
         <a:p>
           <a:pPr marL="228600" lvl="1" indent="-228600" algn="l" defTabSz="889000">
@@ -1816,7 +1849,10 @@
             </a:spcAft>
             <a:buChar char="•"/>
           </a:pPr>
-          <a:endParaRPr lang="en-US" sz="2000" kern="1200" dirty="0"/>
+          <a:r>
+            <a:rPr lang="en-US" sz="2000" kern="1200" dirty="0"/>
+            <a:t>Tuned hyperparameters by iterating to get the highest test score</a:t>
+          </a:r>
         </a:p>
       </dsp:txBody>
       <dsp:txXfrm rot="-5400000">
@@ -8720,7 +8756,7 @@
           <a:p>
             <a:r>
               <a:rPr lang="en-US" dirty="0"/>
-              <a:t>Modeling Process</a:t>
+              <a:t>Modeling Selection Process</a:t>
             </a:r>
           </a:p>
         </p:txBody>
@@ -8795,7 +8831,7 @@
           <p:nvPr>
             <p:extLst>
               <p:ext uri="{D42A27DB-BD31-4B8C-83A1-F6EECF244321}">
-                <p14:modId xmlns:p14="http://schemas.microsoft.com/office/powerpoint/2010/main" val="2580781124"/>
+                <p14:modId xmlns:p14="http://schemas.microsoft.com/office/powerpoint/2010/main" val="1832393901"/>
               </p:ext>
             </p:extLst>
           </p:nvPr>

--- a/Resources/Presentation.pptx
+++ b/Resources/Presentation.pptx
@@ -8555,6 +8555,15 @@
 <file path=ppt/slides/slide4.xml><?xml version="1.0" encoding="utf-8"?>
 <p:sld xmlns:a="http://schemas.openxmlformats.org/drawingml/2006/main" xmlns:r="http://schemas.openxmlformats.org/officeDocument/2006/relationships" xmlns:p="http://schemas.openxmlformats.org/presentationml/2006/main">
   <p:cSld>
+    <p:bg>
+      <p:bgPr>
+        <a:blipFill rotWithShape="1">
+          <a:blip r:embed="rId2"/>
+          <a:stretch/>
+        </a:blipFill>
+        <a:effectLst/>
+      </p:bgPr>
+    </p:bg>
     <p:spTree>
       <p:nvGrpSpPr>
         <p:cNvPr id="1" name=""/>
@@ -8569,6 +8578,348 @@
           <a:chExt cx="0" cy="0"/>
         </a:xfrm>
       </p:grpSpPr>
+      <p:sp useBgFill="1">
+        <p:nvSpPr>
+          <p:cNvPr id="18" name="Rectangle 17">
+            <a:extLst>
+              <a:ext uri="{FF2B5EF4-FFF2-40B4-BE49-F238E27FC236}">
+                <a16:creationId xmlns:a16="http://schemas.microsoft.com/office/drawing/2014/main" id="{B63D41D4-EB8C-403C-8EC6-FEB536F61ACD}"/>
+              </a:ext>
+              <a:ext uri="{C183D7F6-B498-43B3-948B-1728B52AA6E4}">
+                <adec:decorative xmlns:adec="http://schemas.microsoft.com/office/drawing/2017/decorative" val="1"/>
+              </a:ext>
+            </a:extLst>
+          </p:cNvPr>
+          <p:cNvSpPr>
+            <a:spLocks noGrp="1" noRot="1" noChangeAspect="1" noMove="1" noResize="1" noEditPoints="1" noAdjustHandles="1" noChangeArrowheads="1" noChangeShapeType="1" noTextEdit="1"/>
+          </p:cNvSpPr>
+          <p:nvPr>
+            <p:extLst>
+              <p:ext uri="{386F3935-93C4-4BCD-93E2-E3B085C9AB24}">
+                <p16:designElem xmlns:p16="http://schemas.microsoft.com/office/powerpoint/2015/main" val="1"/>
+              </p:ext>
+            </p:extLst>
+          </p:nvPr>
+        </p:nvSpPr>
+        <p:spPr>
+          <a:xfrm>
+            <a:off x="0" y="0"/>
+            <a:ext cx="12189867" cy="6855282"/>
+          </a:xfrm>
+          <a:prstGeom prst="rect">
+            <a:avLst/>
+          </a:prstGeom>
+          <a:ln>
+            <a:noFill/>
+          </a:ln>
+        </p:spPr>
+        <p:style>
+          <a:lnRef idx="2">
+            <a:schemeClr val="accent1">
+              <a:shade val="50000"/>
+            </a:schemeClr>
+          </a:lnRef>
+          <a:fillRef idx="1">
+            <a:schemeClr val="accent1"/>
+          </a:fillRef>
+          <a:effectRef idx="0">
+            <a:schemeClr val="accent1"/>
+          </a:effectRef>
+          <a:fontRef idx="minor">
+            <a:schemeClr val="lt1"/>
+          </a:fontRef>
+        </p:style>
+        <p:txBody>
+          <a:bodyPr rtlCol="0" anchor="ctr"/>
+          <a:lstStyle/>
+          <a:p>
+            <a:pPr algn="ctr"/>
+            <a:endParaRPr lang="en-US"/>
+          </a:p>
+        </p:txBody>
+      </p:sp>
+      <p:pic>
+        <p:nvPicPr>
+          <p:cNvPr id="20" name="Picture 19">
+            <a:extLst>
+              <a:ext uri="{FF2B5EF4-FFF2-40B4-BE49-F238E27FC236}">
+                <a16:creationId xmlns:a16="http://schemas.microsoft.com/office/drawing/2014/main" id="{E37D8E56-A019-4644-A688-CF6C4DDB1114}"/>
+              </a:ext>
+              <a:ext uri="{C183D7F6-B498-43B3-948B-1728B52AA6E4}">
+                <adec:decorative xmlns:adec="http://schemas.microsoft.com/office/drawing/2017/decorative" val="1"/>
+              </a:ext>
+            </a:extLst>
+          </p:cNvPr>
+          <p:cNvPicPr>
+            <a:picLocks noGrp="1" noRot="1" noChangeAspect="1" noMove="1" noResize="1" noEditPoints="1" noAdjustHandles="1" noChangeArrowheads="1" noChangeShapeType="1" noCrop="1"/>
+          </p:cNvPicPr>
+          <p:nvPr>
+            <p:extLst>
+              <p:ext uri="{386F3935-93C4-4BCD-93E2-E3B085C9AB24}">
+                <p16:designElem xmlns:p16="http://schemas.microsoft.com/office/powerpoint/2015/main" val="1"/>
+              </p:ext>
+            </p:extLst>
+          </p:nvPr>
+        </p:nvPicPr>
+        <p:blipFill>
+          <a:blip r:embed="rId3">
+            <a:extLst>
+              <a:ext uri="{28A0092B-C50C-407E-A947-70E740481C1C}">
+                <a14:useLocalDpi xmlns:a14="http://schemas.microsoft.com/office/drawing/2010/main" val="0"/>
+              </a:ext>
+            </a:extLst>
+          </a:blip>
+          <a:stretch>
+            <a:fillRect/>
+          </a:stretch>
+        </p:blipFill>
+        <p:spPr>
+          <a:xfrm>
+            <a:off x="2831794" y="2105202"/>
+            <a:ext cx="9360205" cy="4752798"/>
+          </a:xfrm>
+          <a:prstGeom prst="rect">
+            <a:avLst/>
+          </a:prstGeom>
+        </p:spPr>
+      </p:pic>
+      <p:pic>
+        <p:nvPicPr>
+          <p:cNvPr id="22" name="Picture 21">
+            <a:extLst>
+              <a:ext uri="{FF2B5EF4-FFF2-40B4-BE49-F238E27FC236}">
+                <a16:creationId xmlns:a16="http://schemas.microsoft.com/office/drawing/2014/main" id="{491CBAA0-D4F5-44C8-ABE3-EBBE42A19896}"/>
+              </a:ext>
+              <a:ext uri="{C183D7F6-B498-43B3-948B-1728B52AA6E4}">
+                <adec:decorative xmlns:adec="http://schemas.microsoft.com/office/drawing/2017/decorative" val="1"/>
+              </a:ext>
+            </a:extLst>
+          </p:cNvPr>
+          <p:cNvPicPr>
+            <a:picLocks noGrp="1" noRot="1" noChangeAspect="1" noMove="1" noResize="1" noEditPoints="1" noAdjustHandles="1" noChangeArrowheads="1" noChangeShapeType="1" noCrop="1"/>
+          </p:cNvPicPr>
+          <p:nvPr>
+            <p:extLst>
+              <p:ext uri="{386F3935-93C4-4BCD-93E2-E3B085C9AB24}">
+                <p16:designElem xmlns:p16="http://schemas.microsoft.com/office/powerpoint/2015/main" val="1"/>
+              </p:ext>
+            </p:extLst>
+          </p:nvPr>
+        </p:nvPicPr>
+        <p:blipFill>
+          <a:blip r:embed="rId4">
+            <a:alphaModFix/>
+            <a:extLst>
+              <a:ext uri="{28A0092B-C50C-407E-A947-70E740481C1C}">
+                <a14:useLocalDpi xmlns:a14="http://schemas.microsoft.com/office/drawing/2010/main" val="0"/>
+              </a:ext>
+            </a:extLst>
+          </a:blip>
+          <a:stretch>
+            <a:fillRect/>
+          </a:stretch>
+        </p:blipFill>
+        <p:spPr>
+          <a:xfrm>
+            <a:off x="0" y="0"/>
+            <a:ext cx="12189867" cy="6858000"/>
+          </a:xfrm>
+          <a:prstGeom prst="rect">
+            <a:avLst/>
+          </a:prstGeom>
+        </p:spPr>
+      </p:pic>
+      <p:sp>
+        <p:nvSpPr>
+          <p:cNvPr id="24" name="Rectangle 23">
+            <a:extLst>
+              <a:ext uri="{FF2B5EF4-FFF2-40B4-BE49-F238E27FC236}">
+                <a16:creationId xmlns:a16="http://schemas.microsoft.com/office/drawing/2014/main" id="{CF23987E-2F4E-45FD-BA47-566EE4D5A8E0}"/>
+              </a:ext>
+              <a:ext uri="{C183D7F6-B498-43B3-948B-1728B52AA6E4}">
+                <adec:decorative xmlns:adec="http://schemas.microsoft.com/office/drawing/2017/decorative" val="1"/>
+              </a:ext>
+            </a:extLst>
+          </p:cNvPr>
+          <p:cNvSpPr>
+            <a:spLocks noGrp="1" noRot="1" noChangeAspect="1" noMove="1" noResize="1" noEditPoints="1" noAdjustHandles="1" noChangeArrowheads="1" noChangeShapeType="1" noTextEdit="1"/>
+          </p:cNvSpPr>
+          <p:nvPr>
+            <p:extLst>
+              <p:ext uri="{386F3935-93C4-4BCD-93E2-E3B085C9AB24}">
+                <p16:designElem xmlns:p16="http://schemas.microsoft.com/office/powerpoint/2015/main" val="1"/>
+              </p:ext>
+            </p:extLst>
+          </p:nvPr>
+        </p:nvSpPr>
+        <p:spPr>
+          <a:xfrm>
+            <a:off x="0" y="0"/>
+            <a:ext cx="964174" cy="6858000"/>
+          </a:xfrm>
+          <a:prstGeom prst="rect">
+            <a:avLst/>
+          </a:prstGeom>
+          <a:solidFill>
+            <a:schemeClr val="bg2"/>
+          </a:solidFill>
+          <a:ln>
+            <a:noFill/>
+          </a:ln>
+        </p:spPr>
+        <p:style>
+          <a:lnRef idx="2">
+            <a:schemeClr val="accent1">
+              <a:shade val="50000"/>
+            </a:schemeClr>
+          </a:lnRef>
+          <a:fillRef idx="1">
+            <a:schemeClr val="accent1"/>
+          </a:fillRef>
+          <a:effectRef idx="0">
+            <a:schemeClr val="accent1"/>
+          </a:effectRef>
+          <a:fontRef idx="minor">
+            <a:schemeClr val="lt1"/>
+          </a:fontRef>
+        </p:style>
+        <p:txBody>
+          <a:bodyPr rtlCol="0" anchor="ctr"/>
+          <a:lstStyle/>
+          <a:p>
+            <a:pPr algn="ctr"/>
+            <a:endParaRPr lang="en-US"/>
+          </a:p>
+        </p:txBody>
+      </p:sp>
+      <p:sp>
+        <p:nvSpPr>
+          <p:cNvPr id="26" name="Rectangle 25">
+            <a:extLst>
+              <a:ext uri="{FF2B5EF4-FFF2-40B4-BE49-F238E27FC236}">
+                <a16:creationId xmlns:a16="http://schemas.microsoft.com/office/drawing/2014/main" id="{8CA1640F-9FB1-4D60-899F-0C99559AFA9E}"/>
+              </a:ext>
+              <a:ext uri="{C183D7F6-B498-43B3-948B-1728B52AA6E4}">
+                <adec:decorative xmlns:adec="http://schemas.microsoft.com/office/drawing/2017/decorative" val="1"/>
+              </a:ext>
+            </a:extLst>
+          </p:cNvPr>
+          <p:cNvSpPr>
+            <a:spLocks noGrp="1" noRot="1" noChangeAspect="1" noMove="1" noResize="1" noEditPoints="1" noAdjustHandles="1" noChangeArrowheads="1" noChangeShapeType="1" noTextEdit="1"/>
+          </p:cNvSpPr>
+          <p:nvPr>
+            <p:extLst>
+              <p:ext uri="{386F3935-93C4-4BCD-93E2-E3B085C9AB24}">
+                <p16:designElem xmlns:p16="http://schemas.microsoft.com/office/powerpoint/2015/main" val="1"/>
+              </p:ext>
+            </p:extLst>
+          </p:nvPr>
+        </p:nvSpPr>
+        <p:spPr>
+          <a:xfrm>
+            <a:off x="962042" y="0"/>
+            <a:ext cx="45719" cy="6858000"/>
+          </a:xfrm>
+          <a:prstGeom prst="rect">
+            <a:avLst/>
+          </a:prstGeom>
+          <a:solidFill>
+            <a:schemeClr val="accent6"/>
+          </a:solidFill>
+          <a:ln>
+            <a:noFill/>
+          </a:ln>
+        </p:spPr>
+        <p:style>
+          <a:lnRef idx="2">
+            <a:schemeClr val="accent1">
+              <a:shade val="50000"/>
+            </a:schemeClr>
+          </a:lnRef>
+          <a:fillRef idx="1">
+            <a:schemeClr val="accent1"/>
+          </a:fillRef>
+          <a:effectRef idx="0">
+            <a:schemeClr val="accent1"/>
+          </a:effectRef>
+          <a:fontRef idx="minor">
+            <a:schemeClr val="lt1"/>
+          </a:fontRef>
+        </p:style>
+        <p:txBody>
+          <a:bodyPr rtlCol="0" anchor="ctr"/>
+          <a:lstStyle/>
+          <a:p>
+            <a:pPr algn="ctr"/>
+            <a:endParaRPr lang="en-US"/>
+          </a:p>
+        </p:txBody>
+      </p:sp>
+      <p:sp>
+        <p:nvSpPr>
+          <p:cNvPr id="28" name="Rectangle 27">
+            <a:extLst>
+              <a:ext uri="{FF2B5EF4-FFF2-40B4-BE49-F238E27FC236}">
+                <a16:creationId xmlns:a16="http://schemas.microsoft.com/office/drawing/2014/main" id="{3C6CB19C-0D5E-45BC-80D2-405291A6B797}"/>
+              </a:ext>
+              <a:ext uri="{C183D7F6-B498-43B3-948B-1728B52AA6E4}">
+                <adec:decorative xmlns:adec="http://schemas.microsoft.com/office/drawing/2017/decorative" val="1"/>
+              </a:ext>
+            </a:extLst>
+          </p:cNvPr>
+          <p:cNvSpPr>
+            <a:spLocks noGrp="1" noRot="1" noChangeAspect="1" noMove="1" noResize="1" noEditPoints="1" noAdjustHandles="1" noChangeArrowheads="1" noChangeShapeType="1" noTextEdit="1"/>
+          </p:cNvSpPr>
+          <p:nvPr>
+            <p:extLst>
+              <p:ext uri="{386F3935-93C4-4BCD-93E2-E3B085C9AB24}">
+                <p16:designElem xmlns:p16="http://schemas.microsoft.com/office/powerpoint/2015/main" val="1"/>
+              </p:ext>
+            </p:extLst>
+          </p:nvPr>
+        </p:nvSpPr>
+        <p:spPr>
+          <a:xfrm>
+            <a:off x="1007533" y="0"/>
+            <a:ext cx="10378001" cy="6858000"/>
+          </a:xfrm>
+          <a:prstGeom prst="rect">
+            <a:avLst/>
+          </a:prstGeom>
+          <a:solidFill>
+            <a:schemeClr val="bg2">
+              <a:alpha val="92000"/>
+            </a:schemeClr>
+          </a:solidFill>
+          <a:ln>
+            <a:noFill/>
+          </a:ln>
+        </p:spPr>
+        <p:style>
+          <a:lnRef idx="2">
+            <a:schemeClr val="accent1">
+              <a:shade val="50000"/>
+            </a:schemeClr>
+          </a:lnRef>
+          <a:fillRef idx="1">
+            <a:schemeClr val="accent1"/>
+          </a:fillRef>
+          <a:effectRef idx="0">
+            <a:schemeClr val="accent1"/>
+          </a:effectRef>
+          <a:fontRef idx="minor">
+            <a:schemeClr val="lt1"/>
+          </a:fontRef>
+        </p:style>
+        <p:txBody>
+          <a:bodyPr rtlCol="0" anchor="ctr"/>
+          <a:lstStyle/>
+          <a:p>
+            <a:pPr algn="ctr"/>
+            <a:endParaRPr lang="en-US"/>
+          </a:p>
+        </p:txBody>
+      </p:sp>
       <p:sp>
         <p:nvSpPr>
           <p:cNvPr id="2" name="Title 1">
@@ -8585,18 +8936,139 @@
             <p:ph type="title"/>
           </p:nvPr>
         </p:nvSpPr>
-        <p:spPr/>
-        <p:txBody>
-          <a:bodyPr/>
+        <p:spPr>
+          <a:xfrm>
+            <a:off x="7422818" y="428128"/>
+            <a:ext cx="3358090" cy="592290"/>
+          </a:xfrm>
+        </p:spPr>
+        <p:txBody>
+          <a:bodyPr>
+            <a:normAutofit/>
+          </a:bodyPr>
           <a:lstStyle/>
           <a:p>
+            <a:pPr algn="ctr"/>
             <a:r>
               <a:rPr lang="en-US" dirty="0"/>
-              <a:t>How did we do it?</a:t>
-            </a:r>
-          </a:p>
-        </p:txBody>
-      </p:sp>
+              <a:t>ETL</a:t>
+            </a:r>
+          </a:p>
+        </p:txBody>
+      </p:sp>
+      <p:sp>
+        <p:nvSpPr>
+          <p:cNvPr id="5" name="Slide Number Placeholder 4">
+            <a:extLst>
+              <a:ext uri="{FF2B5EF4-FFF2-40B4-BE49-F238E27FC236}">
+                <a16:creationId xmlns:a16="http://schemas.microsoft.com/office/drawing/2014/main" id="{91052600-17EE-0D4C-B705-16921422BDE0}"/>
+              </a:ext>
+            </a:extLst>
+          </p:cNvPr>
+          <p:cNvSpPr>
+            <a:spLocks noGrp="1"/>
+          </p:cNvSpPr>
+          <p:nvPr>
+            <p:ph type="sldNum" sz="quarter" idx="12"/>
+          </p:nvPr>
+        </p:nvSpPr>
+        <p:spPr>
+          <a:xfrm>
+            <a:off x="158407" y="164592"/>
+            <a:ext cx="636727" cy="322851"/>
+          </a:xfrm>
+        </p:spPr>
+        <p:txBody>
+          <a:bodyPr>
+            <a:normAutofit/>
+          </a:bodyPr>
+          <a:lstStyle/>
+          <a:p>
+            <a:pPr>
+              <a:lnSpc>
+                <a:spcPct val="90000"/>
+              </a:lnSpc>
+              <a:spcAft>
+                <a:spcPts val="600"/>
+              </a:spcAft>
+            </a:pPr>
+            <a:fld id="{AA7FCCEF-5269-F148-8240-F45095DC20FA}" type="slidenum">
+              <a:rPr lang="en-US" sz="1500" smtClean="0"/>
+              <a:pPr>
+                <a:lnSpc>
+                  <a:spcPct val="90000"/>
+                </a:lnSpc>
+                <a:spcAft>
+                  <a:spcPts val="600"/>
+                </a:spcAft>
+              </a:pPr>
+              <a:t>4</a:t>
+            </a:fld>
+            <a:endParaRPr lang="en-US" sz="1500"/>
+          </a:p>
+        </p:txBody>
+      </p:sp>
+      <p:pic>
+        <p:nvPicPr>
+          <p:cNvPr id="7" name="Content Placeholder 6">
+            <a:extLst>
+              <a:ext uri="{FF2B5EF4-FFF2-40B4-BE49-F238E27FC236}">
+                <a16:creationId xmlns:a16="http://schemas.microsoft.com/office/drawing/2014/main" id="{646097A3-529D-4476-A6B0-D7F2C3E029A4}"/>
+              </a:ext>
+            </a:extLst>
+          </p:cNvPr>
+          <p:cNvPicPr>
+            <a:picLocks noChangeAspect="1"/>
+          </p:cNvPicPr>
+          <p:nvPr/>
+        </p:nvPicPr>
+        <p:blipFill rotWithShape="1">
+          <a:blip r:embed="rId5"/>
+          <a:srcRect r="33400" b="-6"/>
+          <a:stretch/>
+        </p:blipFill>
+        <p:spPr>
+          <a:xfrm>
+            <a:off x="1433865" y="1020418"/>
+            <a:ext cx="4844119" cy="2122746"/>
+          </a:xfrm>
+          <a:prstGeom prst="rect">
+            <a:avLst/>
+          </a:prstGeom>
+          <a:ln>
+            <a:gradFill flip="none" rotWithShape="1">
+              <a:gsLst>
+                <a:gs pos="86000">
+                  <a:schemeClr val="accent6">
+                    <a:lumMod val="67000"/>
+                  </a:schemeClr>
+                </a:gs>
+                <a:gs pos="20000">
+                  <a:schemeClr val="accent6">
+                    <a:lumMod val="97000"/>
+                    <a:lumOff val="3000"/>
+                  </a:schemeClr>
+                </a:gs>
+                <a:gs pos="100000">
+                  <a:schemeClr val="accent6">
+                    <a:lumMod val="60000"/>
+                    <a:lumOff val="40000"/>
+                  </a:schemeClr>
+                </a:gs>
+              </a:gsLst>
+              <a:lin ang="16200000" scaled="1"/>
+              <a:tileRect/>
+            </a:gradFill>
+          </a:ln>
+          <a:effectLst>
+            <a:innerShdw blurRad="127000">
+              <a:prstClr val="black">
+                <a:alpha val="90000"/>
+              </a:prstClr>
+            </a:innerShdw>
+          </a:effectLst>
+        </p:spPr>
+      </p:pic>
       <p:sp>
         <p:nvSpPr>
           <p:cNvPr id="4" name="Footer Placeholder 3">
@@ -8613,11 +9085,26 @@
             <p:ph type="ftr" sz="quarter" idx="11"/>
           </p:nvPr>
         </p:nvSpPr>
-        <p:spPr/>
-        <p:txBody>
-          <a:bodyPr/>
+        <p:spPr>
+          <a:xfrm rot="5400000">
+            <a:off x="-2237130" y="3661144"/>
+            <a:ext cx="5885352" cy="179176"/>
+          </a:xfrm>
+        </p:spPr>
+        <p:txBody>
+          <a:bodyPr>
+            <a:normAutofit/>
+          </a:bodyPr>
           <a:lstStyle/>
           <a:p>
+            <a:pPr>
+              <a:lnSpc>
+                <a:spcPct val="90000"/>
+              </a:lnSpc>
+              <a:spcAft>
+                <a:spcPts val="600"/>
+              </a:spcAft>
+            </a:pPr>
             <a:r>
               <a:rPr lang="en-US"/>
               <a:t>Analytics Champs</a:t>
@@ -8625,84 +9112,267 @@
           </a:p>
         </p:txBody>
       </p:sp>
-      <p:sp>
-        <p:nvSpPr>
-          <p:cNvPr id="5" name="Slide Number Placeholder 4">
+      <p:pic>
+        <p:nvPicPr>
+          <p:cNvPr id="11" name="Picture 10">
             <a:extLst>
               <a:ext uri="{FF2B5EF4-FFF2-40B4-BE49-F238E27FC236}">
-                <a16:creationId xmlns:a16="http://schemas.microsoft.com/office/drawing/2014/main" id="{91052600-17EE-0D4C-B705-16921422BDE0}"/>
+                <a16:creationId xmlns:a16="http://schemas.microsoft.com/office/drawing/2014/main" id="{0A4DA2FA-54B7-4061-9555-0381ADE5A60A}"/>
+              </a:ext>
+            </a:extLst>
+          </p:cNvPr>
+          <p:cNvPicPr>
+            <a:picLocks noChangeAspect="1"/>
+          </p:cNvPicPr>
+          <p:nvPr/>
+        </p:nvPicPr>
+        <p:blipFill rotWithShape="1">
+          <a:blip r:embed="rId6"/>
+          <a:srcRect l="18831" r="32447" b="1"/>
+          <a:stretch/>
+        </p:blipFill>
+        <p:spPr>
+          <a:xfrm>
+            <a:off x="1472569" y="3715208"/>
+            <a:ext cx="4955532" cy="3020328"/>
+          </a:xfrm>
+          <a:prstGeom prst="rect">
+            <a:avLst/>
+          </a:prstGeom>
+          <a:ln>
+            <a:gradFill flip="none" rotWithShape="1">
+              <a:gsLst>
+                <a:gs pos="86000">
+                  <a:schemeClr val="accent6">
+                    <a:lumMod val="67000"/>
+                  </a:schemeClr>
+                </a:gs>
+                <a:gs pos="20000">
+                  <a:schemeClr val="accent6">
+                    <a:lumMod val="97000"/>
+                    <a:lumOff val="3000"/>
+                  </a:schemeClr>
+                </a:gs>
+                <a:gs pos="100000">
+                  <a:schemeClr val="accent6">
+                    <a:lumMod val="60000"/>
+                    <a:lumOff val="40000"/>
+                  </a:schemeClr>
+                </a:gs>
+              </a:gsLst>
+              <a:lin ang="16200000" scaled="1"/>
+              <a:tileRect/>
+            </a:gradFill>
+          </a:ln>
+          <a:effectLst>
+            <a:innerShdw blurRad="127000">
+              <a:prstClr val="black">
+                <a:alpha val="90000"/>
+              </a:prstClr>
+            </a:innerShdw>
+          </a:effectLst>
+        </p:spPr>
+      </p:pic>
+      <p:sp>
+        <p:nvSpPr>
+          <p:cNvPr id="30" name="Rectangle 29">
+            <a:extLst>
+              <a:ext uri="{FF2B5EF4-FFF2-40B4-BE49-F238E27FC236}">
+                <a16:creationId xmlns:a16="http://schemas.microsoft.com/office/drawing/2014/main" id="{EB586E8B-33B8-4E79-A1BA-5741518F6F2A}"/>
+              </a:ext>
+              <a:ext uri="{C183D7F6-B498-43B3-948B-1728B52AA6E4}">
+                <adec:decorative xmlns:adec="http://schemas.microsoft.com/office/drawing/2017/decorative" val="1"/>
               </a:ext>
             </a:extLst>
           </p:cNvPr>
           <p:cNvSpPr>
-            <a:spLocks noGrp="1"/>
+            <a:spLocks noGrp="1" noRot="1" noChangeAspect="1" noMove="1" noResize="1" noEditPoints="1" noAdjustHandles="1" noChangeArrowheads="1" noChangeShapeType="1" noTextEdit="1"/>
           </p:cNvSpPr>
           <p:nvPr>
-            <p:ph type="sldNum" sz="quarter" idx="12"/>
+            <p:extLst>
+              <p:ext uri="{386F3935-93C4-4BCD-93E2-E3B085C9AB24}">
+                <p16:designElem xmlns:p16="http://schemas.microsoft.com/office/powerpoint/2015/main" val="1"/>
+              </p:ext>
+            </p:extLst>
           </p:nvPr>
         </p:nvSpPr>
-        <p:spPr/>
-        <p:txBody>
-          <a:bodyPr/>
+        <p:spPr>
+          <a:xfrm>
+            <a:off x="11387666" y="-2718"/>
+            <a:ext cx="27432" cy="6858000"/>
+          </a:xfrm>
+          <a:prstGeom prst="rect">
+            <a:avLst/>
+          </a:prstGeom>
+          <a:solidFill>
+            <a:schemeClr val="accent6"/>
+          </a:solidFill>
+          <a:ln>
+            <a:noFill/>
+          </a:ln>
+        </p:spPr>
+        <p:style>
+          <a:lnRef idx="2">
+            <a:schemeClr val="accent1">
+              <a:shade val="50000"/>
+            </a:schemeClr>
+          </a:lnRef>
+          <a:fillRef idx="1">
+            <a:schemeClr val="accent1"/>
+          </a:fillRef>
+          <a:effectRef idx="0">
+            <a:schemeClr val="accent1"/>
+          </a:effectRef>
+          <a:fontRef idx="minor">
+            <a:schemeClr val="lt1"/>
+          </a:fontRef>
+        </p:style>
+        <p:txBody>
+          <a:bodyPr rtlCol="0" anchor="ctr"/>
           <a:lstStyle/>
           <a:p>
-            <a:fld id="{AA7FCCEF-5269-F148-8240-F45095DC20FA}" type="slidenum">
-              <a:rPr lang="en-US" smtClean="0"/>
-              <a:t>4</a:t>
-            </a:fld>
+            <a:pPr algn="ctr"/>
             <a:endParaRPr lang="en-US"/>
           </a:p>
         </p:txBody>
       </p:sp>
       <p:pic>
         <p:nvPicPr>
-          <p:cNvPr id="6146" name="Picture 2">
+          <p:cNvPr id="13" name="Picture 12">
             <a:extLst>
               <a:ext uri="{FF2B5EF4-FFF2-40B4-BE49-F238E27FC236}">
-                <a16:creationId xmlns:a16="http://schemas.microsoft.com/office/drawing/2014/main" id="{B403C6BE-859C-174E-9284-B7C44BF53F0C}"/>
+                <a16:creationId xmlns:a16="http://schemas.microsoft.com/office/drawing/2014/main" id="{B3FFBE79-84FB-4C2B-9498-3138551FA455}"/>
               </a:ext>
             </a:extLst>
           </p:cNvPr>
           <p:cNvPicPr>
-            <a:picLocks noGrp="1" noChangeAspect="1" noChangeArrowheads="1"/>
+            <a:picLocks noChangeAspect="1"/>
           </p:cNvPicPr>
-          <p:nvPr>
-            <p:ph idx="1"/>
-          </p:nvPr>
+          <p:nvPr/>
         </p:nvPicPr>
         <p:blipFill>
-          <a:blip r:embed="rId2">
-            <a:extLst>
-              <a:ext uri="{28A0092B-C50C-407E-A947-70E740481C1C}">
-                <a14:useLocalDpi xmlns:a14="http://schemas.microsoft.com/office/drawing/2010/main" val="0"/>
-              </a:ext>
-            </a:extLst>
-          </a:blip>
-          <a:srcRect/>
+          <a:blip r:embed="rId7"/>
           <a:stretch>
             <a:fillRect/>
           </a:stretch>
         </p:blipFill>
-        <p:spPr bwMode="auto">
+        <p:spPr>
           <a:xfrm>
-            <a:off x="2773927" y="2319279"/>
-            <a:ext cx="7796212" cy="2219441"/>
+            <a:off x="7254807" y="2227665"/>
+            <a:ext cx="3920231" cy="4507871"/>
+          </a:xfrm>
+          <a:prstGeom prst="rect">
+            <a:avLst/>
+          </a:prstGeom>
+        </p:spPr>
+      </p:pic>
+      <p:sp>
+        <p:nvSpPr>
+          <p:cNvPr id="14" name="TextBox 13">
+            <a:extLst>
+              <a:ext uri="{FF2B5EF4-FFF2-40B4-BE49-F238E27FC236}">
+                <a16:creationId xmlns:a16="http://schemas.microsoft.com/office/drawing/2014/main" id="{E8928EF9-9AA2-4BAF-A589-78495E5712BF}"/>
+              </a:ext>
+            </a:extLst>
+          </p:cNvPr>
+          <p:cNvSpPr txBox="1"/>
+          <p:nvPr/>
+        </p:nvSpPr>
+        <p:spPr>
+          <a:xfrm>
+            <a:off x="1387260" y="623390"/>
+            <a:ext cx="3358090" cy="369332"/>
           </a:xfrm>
           <a:prstGeom prst="rect">
             <a:avLst/>
           </a:prstGeom>
           <a:noFill/>
-          <a:extLst>
-            <a:ext uri="{909E8E84-426E-40DD-AFC4-6F175D3DCCD1}">
-              <a14:hiddenFill xmlns:a14="http://schemas.microsoft.com/office/drawing/2010/main">
-                <a:solidFill>
-                  <a:srgbClr val="FFFFFF"/>
-                </a:solidFill>
-              </a14:hiddenFill>
-            </a:ext>
-          </a:extLst>
         </p:spPr>
-      </p:pic>
+        <p:txBody>
+          <a:bodyPr wrap="square" rtlCol="0">
+            <a:spAutoFit/>
+          </a:bodyPr>
+          <a:lstStyle/>
+          <a:p>
+            <a:r>
+              <a:rPr lang="en-US" dirty="0"/>
+              <a:t>Extract</a:t>
+            </a:r>
+          </a:p>
+        </p:txBody>
+      </p:sp>
+      <p:sp>
+        <p:nvSpPr>
+          <p:cNvPr id="16" name="TextBox 15">
+            <a:extLst>
+              <a:ext uri="{FF2B5EF4-FFF2-40B4-BE49-F238E27FC236}">
+                <a16:creationId xmlns:a16="http://schemas.microsoft.com/office/drawing/2014/main" id="{570FBA4A-4B14-4E5F-AF17-4263D29C0FC5}"/>
+              </a:ext>
+            </a:extLst>
+          </p:cNvPr>
+          <p:cNvSpPr txBox="1"/>
+          <p:nvPr/>
+        </p:nvSpPr>
+        <p:spPr>
+          <a:xfrm>
+            <a:off x="3789690" y="3381400"/>
+            <a:ext cx="2743659" cy="369332"/>
+          </a:xfrm>
+          <a:prstGeom prst="rect">
+            <a:avLst/>
+          </a:prstGeom>
+          <a:noFill/>
+        </p:spPr>
+        <p:txBody>
+          <a:bodyPr wrap="square" rtlCol="0">
+            <a:spAutoFit/>
+          </a:bodyPr>
+          <a:lstStyle/>
+          <a:p>
+            <a:pPr algn="r"/>
+            <a:r>
+              <a:rPr lang="en-US" dirty="0"/>
+              <a:t>Transform</a:t>
+            </a:r>
+          </a:p>
+        </p:txBody>
+      </p:sp>
+      <p:sp>
+        <p:nvSpPr>
+          <p:cNvPr id="17" name="TextBox 16">
+            <a:extLst>
+              <a:ext uri="{FF2B5EF4-FFF2-40B4-BE49-F238E27FC236}">
+                <a16:creationId xmlns:a16="http://schemas.microsoft.com/office/drawing/2014/main" id="{C85BA1F1-DFC7-49CC-B2AB-BDB87384C226}"/>
+              </a:ext>
+            </a:extLst>
+          </p:cNvPr>
+          <p:cNvSpPr txBox="1"/>
+          <p:nvPr/>
+        </p:nvSpPr>
+        <p:spPr>
+          <a:xfrm>
+            <a:off x="7946187" y="1797102"/>
+            <a:ext cx="2502031" cy="369332"/>
+          </a:xfrm>
+          <a:prstGeom prst="rect">
+            <a:avLst/>
+          </a:prstGeom>
+          <a:noFill/>
+        </p:spPr>
+        <p:txBody>
+          <a:bodyPr wrap="square" rtlCol="0">
+            <a:spAutoFit/>
+          </a:bodyPr>
+          <a:lstStyle/>
+          <a:p>
+            <a:pPr algn="ctr"/>
+            <a:r>
+              <a:rPr lang="en-US" dirty="0"/>
+              <a:t>Load</a:t>
+            </a:r>
+          </a:p>
+        </p:txBody>
+      </p:sp>
     </p:spTree>
     <p:extLst>
       <p:ext uri="{BB962C8B-B14F-4D97-AF65-F5344CB8AC3E}">

--- a/Resources/Presentation.pptx
+++ b/Resources/Presentation.pptx
@@ -125,9 +125,86 @@
 <file path=ppt/revisionInfo.xml><?xml version="1.0" encoding="utf-8"?>
 <p1510:revInfo xmlns:a="http://schemas.openxmlformats.org/drawingml/2006/main" xmlns:r="http://schemas.openxmlformats.org/officeDocument/2006/relationships" xmlns:p1510="http://schemas.microsoft.com/office/powerpoint/2015/10/main">
   <p1510:revLst>
-    <p1510:client id="{0B5EA65F-1DAE-6343-A45E-04D3A605A938}" v="26" dt="2021-11-23T17:27:10.348"/>
+    <p1510:client id="{0B5EA65F-1DAE-6343-A45E-04D3A605A938}" v="30" dt="2021-11-23T21:24:28.738"/>
   </p1510:revLst>
 </p1510:revInfo>
+</file>
+
+<file path=ppt/changesInfos/changesInfo1.xml><?xml version="1.0" encoding="utf-8"?>
+<pc:chgInfo xmlns:a="http://schemas.openxmlformats.org/drawingml/2006/main" xmlns:r="http://schemas.openxmlformats.org/officeDocument/2006/relationships" xmlns:ac="http://schemas.microsoft.com/office/drawing/2013/main/command" xmlns:pc="http://schemas.microsoft.com/office/powerpoint/2013/main/command">
+  <pc:docChgLst>
+    <pc:chgData name="izookeper always" userId="6846e919dd3096ca" providerId="LiveId" clId="{0B5EA65F-1DAE-6343-A45E-04D3A605A938}"/>
+    <pc:docChg chg="custSel modSld">
+      <pc:chgData name="izookeper always" userId="6846e919dd3096ca" providerId="LiveId" clId="{0B5EA65F-1DAE-6343-A45E-04D3A605A938}" dt="2021-11-23T21:24:44.256" v="6" actId="1076"/>
+      <pc:docMkLst>
+        <pc:docMk/>
+      </pc:docMkLst>
+      <pc:sldChg chg="addSp delSp modSp mod">
+        <pc:chgData name="izookeper always" userId="6846e919dd3096ca" providerId="LiveId" clId="{0B5EA65F-1DAE-6343-A45E-04D3A605A938}" dt="2021-11-23T21:24:44.256" v="6" actId="1076"/>
+        <pc:sldMkLst>
+          <pc:docMk/>
+          <pc:sldMk cId="3552328938" sldId="266"/>
+        </pc:sldMkLst>
+        <pc:spChg chg="mod">
+          <ac:chgData name="izookeper always" userId="6846e919dd3096ca" providerId="LiveId" clId="{0B5EA65F-1DAE-6343-A45E-04D3A605A938}" dt="2021-11-23T21:24:44.256" v="6" actId="1076"/>
+          <ac:spMkLst>
+            <pc:docMk/>
+            <pc:sldMk cId="3552328938" sldId="266"/>
+            <ac:spMk id="7" creationId="{2F7766A1-1AA4-7E41-8388-CFE853110C17}"/>
+          </ac:spMkLst>
+        </pc:spChg>
+        <pc:spChg chg="add del mod">
+          <ac:chgData name="izookeper always" userId="6846e919dd3096ca" providerId="LiveId" clId="{0B5EA65F-1DAE-6343-A45E-04D3A605A938}" dt="2021-11-23T21:22:25.320" v="1"/>
+          <ac:spMkLst>
+            <pc:docMk/>
+            <pc:sldMk cId="3552328938" sldId="266"/>
+            <ac:spMk id="8" creationId="{27CF7C0E-8184-5948-897C-AA886858427C}"/>
+          </ac:spMkLst>
+        </pc:spChg>
+        <pc:spChg chg="add del mod">
+          <ac:chgData name="izookeper always" userId="6846e919dd3096ca" providerId="LiveId" clId="{0B5EA65F-1DAE-6343-A45E-04D3A605A938}" dt="2021-11-23T21:22:40.371" v="2"/>
+          <ac:spMkLst>
+            <pc:docMk/>
+            <pc:sldMk cId="3552328938" sldId="266"/>
+            <ac:spMk id="9" creationId="{B5FFE3CB-17FD-064C-A684-1F649317FF52}"/>
+          </ac:spMkLst>
+        </pc:spChg>
+        <pc:spChg chg="add del mod">
+          <ac:chgData name="izookeper always" userId="6846e919dd3096ca" providerId="LiveId" clId="{0B5EA65F-1DAE-6343-A45E-04D3A605A938}" dt="2021-11-23T21:23:14.179" v="3"/>
+          <ac:spMkLst>
+            <pc:docMk/>
+            <pc:sldMk cId="3552328938" sldId="266"/>
+            <ac:spMk id="10" creationId="{FF90270D-F39D-CE47-B90E-9C6A40C2A33F}"/>
+          </ac:spMkLst>
+        </pc:spChg>
+        <pc:spChg chg="add del mod">
+          <ac:chgData name="izookeper always" userId="6846e919dd3096ca" providerId="LiveId" clId="{0B5EA65F-1DAE-6343-A45E-04D3A605A938}" dt="2021-11-23T21:24:28.738" v="4"/>
+          <ac:spMkLst>
+            <pc:docMk/>
+            <pc:sldMk cId="3552328938" sldId="266"/>
+            <ac:spMk id="11" creationId="{101390F7-DB46-3747-96D7-8EA37B7E362D}"/>
+          </ac:spMkLst>
+        </pc:spChg>
+        <pc:picChg chg="del">
+          <ac:chgData name="izookeper always" userId="6846e919dd3096ca" providerId="LiveId" clId="{0B5EA65F-1DAE-6343-A45E-04D3A605A938}" dt="2021-11-23T21:22:22.918" v="0" actId="478"/>
+          <ac:picMkLst>
+            <pc:docMk/>
+            <pc:sldMk cId="3552328938" sldId="266"/>
+            <ac:picMk id="6" creationId="{3C1C820F-6082-8E47-BA21-8F065B4740E2}"/>
+          </ac:picMkLst>
+        </pc:picChg>
+        <pc:picChg chg="add mod">
+          <ac:chgData name="izookeper always" userId="6846e919dd3096ca" providerId="LiveId" clId="{0B5EA65F-1DAE-6343-A45E-04D3A605A938}" dt="2021-11-23T21:24:36.476" v="5" actId="1076"/>
+          <ac:picMkLst>
+            <pc:docMk/>
+            <pc:sldMk cId="3552328938" sldId="266"/>
+            <ac:picMk id="12" creationId="{9FFBF94D-281B-014C-986B-8C671FC79401}"/>
+          </ac:picMkLst>
+        </pc:picChg>
+      </pc:sldChg>
+    </pc:docChg>
+  </pc:docChgLst>
+</pc:chgInfo>
 </file>
 
 <file path=ppt/diagrams/colors1.xml><?xml version="1.0" encoding="utf-8"?>
@@ -1305,11 +1382,11 @@
     <dgm:cxn modelId="{3A700A3E-9619-495A-8F84-70F81AEBE848}" srcId="{648FE4C9-EB36-406E-9B38-C533FE163D96}" destId="{146E3B88-E8A3-4EBA-9861-EF668551891D}" srcOrd="1" destOrd="0" parTransId="{BBAAF584-0E15-416F-88DA-F8057C3F640C}" sibTransId="{684D6F63-CBC6-4E48-8364-AB6E60644A2E}"/>
     <dgm:cxn modelId="{84D9803E-95A3-4FD1-9DC0-0D639C71EB70}" type="presOf" srcId="{99CE1582-0AAD-4E95-AB1D-9007017844D4}" destId="{34AAE35E-110F-4C77-86E5-C424DD99D489}" srcOrd="0" destOrd="0" presId="urn:microsoft.com/office/officeart/2005/8/layout/chevron2"/>
     <dgm:cxn modelId="{8DBBBE40-D428-4588-BE24-5D579844DC0D}" type="presOf" srcId="{146E3B88-E8A3-4EBA-9861-EF668551891D}" destId="{347BE1A1-F995-4E94-A59A-4C69804335E2}" srcOrd="0" destOrd="1" presId="urn:microsoft.com/office/officeart/2005/8/layout/chevron2"/>
+    <dgm:cxn modelId="{044B5B4D-9BA4-4440-B681-3C26D5D3D342}" srcId="{648FE4C9-EB36-406E-9B38-C533FE163D96}" destId="{4D91F83C-842C-41A0-AF28-56476AD32335}" srcOrd="0" destOrd="0" parTransId="{D8560B95-096E-4CBF-B773-7E24C7BE0BAE}" sibTransId="{6FBE864F-9378-4E83-89D3-7D0F89F6C25A}"/>
+    <dgm:cxn modelId="{EE11F75A-90FF-4CC9-B552-DAD90142E493}" type="presOf" srcId="{13244804-DF7F-41ED-800F-9E21952489B3}" destId="{A9D307DA-2DD2-4587-9EEC-3BDC86BFB166}" srcOrd="0" destOrd="0" presId="urn:microsoft.com/office/officeart/2005/8/layout/chevron2"/>
     <dgm:cxn modelId="{7C83755F-126D-4D00-A3D0-3F60030EE216}" type="presOf" srcId="{4D91F83C-842C-41A0-AF28-56476AD32335}" destId="{347BE1A1-F995-4E94-A59A-4C69804335E2}" srcOrd="0" destOrd="0" presId="urn:microsoft.com/office/officeart/2005/8/layout/chevron2"/>
     <dgm:cxn modelId="{486A906C-AF3C-41B5-B666-79E54A07E133}" srcId="{B307596A-F680-4045-BF7F-F9CB52F3B002}" destId="{37DDB56E-1999-4AE9-B3A2-281DC5BB6371}" srcOrd="1" destOrd="0" parTransId="{33AAA74D-9F93-40EC-B5FF-81E94C4DF77A}" sibTransId="{7ED73FE7-2CD2-4015-9588-60B020231480}"/>
-    <dgm:cxn modelId="{044B5B4D-9BA4-4440-B681-3C26D5D3D342}" srcId="{648FE4C9-EB36-406E-9B38-C533FE163D96}" destId="{4D91F83C-842C-41A0-AF28-56476AD32335}" srcOrd="0" destOrd="0" parTransId="{D8560B95-096E-4CBF-B773-7E24C7BE0BAE}" sibTransId="{6FBE864F-9378-4E83-89D3-7D0F89F6C25A}"/>
     <dgm:cxn modelId="{CB33FD76-8C91-4AF8-8EBC-C63FC2D9F9A1}" srcId="{D04CFBC0-9D5E-4287-8547-183AB4A3B617}" destId="{99CE1582-0AAD-4E95-AB1D-9007017844D4}" srcOrd="2" destOrd="0" parTransId="{BE2EEECF-B5AA-43EA-AED6-E804B913CD85}" sibTransId="{AB842EB1-B059-4631-8B4E-1B8E231BDAC2}"/>
-    <dgm:cxn modelId="{EE11F75A-90FF-4CC9-B552-DAD90142E493}" type="presOf" srcId="{13244804-DF7F-41ED-800F-9E21952489B3}" destId="{A9D307DA-2DD2-4587-9EEC-3BDC86BFB166}" srcOrd="0" destOrd="0" presId="urn:microsoft.com/office/officeart/2005/8/layout/chevron2"/>
     <dgm:cxn modelId="{E2847A92-B976-4222-A67C-F3178A955959}" srcId="{99CE1582-0AAD-4E95-AB1D-9007017844D4}" destId="{13244804-DF7F-41ED-800F-9E21952489B3}" srcOrd="0" destOrd="0" parTransId="{27485B83-C1DF-47AB-957B-D360F5F2187B}" sibTransId="{67CE6561-62DD-4DE1-847B-F09427402B88}"/>
     <dgm:cxn modelId="{4B0E7D9C-D0F8-4DC0-93D1-6198F86D3DF6}" srcId="{B307596A-F680-4045-BF7F-F9CB52F3B002}" destId="{16E3F1D2-F25C-4239-911D-27F65F3335D6}" srcOrd="0" destOrd="0" parTransId="{EA6AAECD-62DE-4D9D-B790-874AB6B7BAE1}" sibTransId="{6EA6C52A-B8EC-4766-AFBA-FC63D41A1339}"/>
     <dgm:cxn modelId="{EA0FE5B4-E0E0-422B-954F-C1D54942D5B5}" type="presOf" srcId="{D04CFBC0-9D5E-4287-8547-183AB4A3B617}" destId="{C4AF49DF-4D0B-4409-842E-9FFE653E6C69}" srcOrd="0" destOrd="0" presId="urn:microsoft.com/office/officeart/2005/8/layout/chevron2"/>
@@ -3236,7 +3313,7 @@
           <a:p>
             <a:fld id="{8A60DA54-2C8D-C144-8D5B-ED93BCC08EBC}" type="datetimeFigureOut">
               <a:rPr lang="en-US" smtClean="0"/>
-              <a:t>11/23/2021</a:t>
+              <a:t>11/23/21</a:t>
             </a:fld>
             <a:endParaRPr lang="en-US"/>
           </a:p>
@@ -3720,7 +3797,7 @@
           <a:p>
             <a:fld id="{A17302DF-282E-5045-AD93-B10E092C4D76}" type="datetime1">
               <a:rPr lang="en-US" smtClean="0"/>
-              <a:t>11/23/2021</a:t>
+              <a:t>11/23/21</a:t>
             </a:fld>
             <a:endParaRPr lang="en-US"/>
           </a:p>
@@ -4058,7 +4135,7 @@
           <a:p>
             <a:fld id="{7051C248-0A93-744B-AB02-B074890E4BFB}" type="datetime1">
               <a:rPr lang="en-US" smtClean="0"/>
-              <a:t>11/23/2021</a:t>
+              <a:t>11/23/21</a:t>
             </a:fld>
             <a:endParaRPr lang="en-US"/>
           </a:p>
@@ -4364,7 +4441,7 @@
           <a:p>
             <a:fld id="{E2FB5ED4-1094-CE40-AD73-CF683A397F32}" type="datetime1">
               <a:rPr lang="en-US" smtClean="0"/>
-              <a:t>11/23/2021</a:t>
+              <a:t>11/23/21</a:t>
             </a:fld>
             <a:endParaRPr lang="en-US"/>
           </a:p>
@@ -4615,7 +4692,7 @@
           <a:p>
             <a:fld id="{5398144C-4A17-1F44-951C-D6094082A43A}" type="datetime1">
               <a:rPr lang="en-US" smtClean="0"/>
-              <a:t>11/23/2021</a:t>
+              <a:t>11/23/21</a:t>
             </a:fld>
             <a:endParaRPr lang="en-US"/>
           </a:p>
@@ -5026,7 +5103,7 @@
           <a:p>
             <a:fld id="{F4C8F34B-496D-5147-A057-59EA683414BA}" type="datetime1">
               <a:rPr lang="en-US" smtClean="0"/>
-              <a:t>11/23/2021</a:t>
+              <a:t>11/23/21</a:t>
             </a:fld>
             <a:endParaRPr lang="en-US"/>
           </a:p>
@@ -5344,7 +5421,7 @@
           <a:p>
             <a:fld id="{EDFF9562-1223-4943-9CFA-F4038B153653}" type="datetime1">
               <a:rPr lang="en-US" smtClean="0"/>
-              <a:t>11/23/2021</a:t>
+              <a:t>11/23/21</a:t>
             </a:fld>
             <a:endParaRPr lang="en-US"/>
           </a:p>
@@ -5892,7 +5969,7 @@
           <a:p>
             <a:fld id="{D8CBC8A2-C59F-7C48-A0C8-65530B9B58B6}" type="datetime1">
               <a:rPr lang="en-US" smtClean="0"/>
-              <a:t>11/23/2021</a:t>
+              <a:t>11/23/21</a:t>
             </a:fld>
             <a:endParaRPr lang="en-US"/>
           </a:p>
@@ -6092,7 +6169,7 @@
           <a:p>
             <a:fld id="{1737AD88-783F-E74A-AC36-8B971CA881DB}" type="datetime1">
               <a:rPr lang="en-US" smtClean="0"/>
-              <a:t>11/23/2021</a:t>
+              <a:t>11/23/21</a:t>
             </a:fld>
             <a:endParaRPr lang="en-US"/>
           </a:p>
@@ -6309,7 +6386,7 @@
           <a:p>
             <a:fld id="{DAA93DDA-E668-6743-ABF3-9FC32416B710}" type="datetime1">
               <a:rPr lang="en-US" smtClean="0"/>
-              <a:t>11/23/2021</a:t>
+              <a:t>11/23/21</a:t>
             </a:fld>
             <a:endParaRPr lang="en-US"/>
           </a:p>
@@ -6682,7 +6759,7 @@
           <a:p>
             <a:fld id="{3E4E7CAE-0913-5743-844D-E24670A417DC}" type="datetime1">
               <a:rPr lang="en-US" smtClean="0"/>
-              <a:t>11/23/2021</a:t>
+              <a:t>11/23/21</a:t>
             </a:fld>
             <a:endParaRPr lang="en-US"/>
           </a:p>
@@ -7089,7 +7166,7 @@
           <a:p>
             <a:fld id="{BBF3B8AB-BA7E-9C4E-AF0A-FBED6B4CBAD4}" type="datetime1">
               <a:rPr lang="en-US" smtClean="0"/>
-              <a:t>11/23/2021</a:t>
+              <a:t>11/23/21</a:t>
             </a:fld>
             <a:endParaRPr lang="en-US"/>
           </a:p>
@@ -7404,7 +7481,7 @@
           <a:p>
             <a:fld id="{D8CBC8A2-C59F-7C48-A0C8-65530B9B58B6}" type="datetime1">
               <a:rPr lang="en-US" smtClean="0"/>
-              <a:t>11/23/2021</a:t>
+              <a:t>11/23/21</a:t>
             </a:fld>
             <a:endParaRPr lang="en-US"/>
           </a:p>
@@ -9848,12 +9925,128 @@
           </a:p>
         </p:txBody>
       </p:sp>
+      <p:sp>
+        <p:nvSpPr>
+          <p:cNvPr id="4" name="Footer Placeholder 3">
+            <a:extLst>
+              <a:ext uri="{FF2B5EF4-FFF2-40B4-BE49-F238E27FC236}">
+                <a16:creationId xmlns:a16="http://schemas.microsoft.com/office/drawing/2014/main" id="{2D761AA3-B9F3-F348-9863-35A2F218621D}"/>
+              </a:ext>
+            </a:extLst>
+          </p:cNvPr>
+          <p:cNvSpPr>
+            <a:spLocks noGrp="1"/>
+          </p:cNvSpPr>
+          <p:nvPr>
+            <p:ph type="ftr" sz="quarter" idx="11"/>
+          </p:nvPr>
+        </p:nvSpPr>
+        <p:spPr/>
+        <p:txBody>
+          <a:bodyPr/>
+          <a:lstStyle/>
+          <a:p>
+            <a:r>
+              <a:rPr lang="en-US"/>
+              <a:t>Analytics Champs</a:t>
+            </a:r>
+          </a:p>
+        </p:txBody>
+      </p:sp>
+      <p:sp>
+        <p:nvSpPr>
+          <p:cNvPr id="5" name="Slide Number Placeholder 4">
+            <a:extLst>
+              <a:ext uri="{FF2B5EF4-FFF2-40B4-BE49-F238E27FC236}">
+                <a16:creationId xmlns:a16="http://schemas.microsoft.com/office/drawing/2014/main" id="{5B345430-43C9-D140-B08F-5B9BA7A17599}"/>
+              </a:ext>
+            </a:extLst>
+          </p:cNvPr>
+          <p:cNvSpPr>
+            <a:spLocks noGrp="1"/>
+          </p:cNvSpPr>
+          <p:nvPr>
+            <p:ph type="sldNum" sz="quarter" idx="12"/>
+          </p:nvPr>
+        </p:nvSpPr>
+        <p:spPr/>
+        <p:txBody>
+          <a:bodyPr/>
+          <a:lstStyle/>
+          <a:p>
+            <a:fld id="{AA7FCCEF-5269-F148-8240-F45095DC20FA}" type="slidenum">
+              <a:rPr lang="en-US" smtClean="0"/>
+              <a:t>7</a:t>
+            </a:fld>
+            <a:endParaRPr lang="en-US"/>
+          </a:p>
+        </p:txBody>
+      </p:sp>
+      <p:sp>
+        <p:nvSpPr>
+          <p:cNvPr id="7" name="TextBox 6">
+            <a:extLst>
+              <a:ext uri="{FF2B5EF4-FFF2-40B4-BE49-F238E27FC236}">
+                <a16:creationId xmlns:a16="http://schemas.microsoft.com/office/drawing/2014/main" id="{2F7766A1-1AA4-7E41-8388-CFE853110C17}"/>
+              </a:ext>
+            </a:extLst>
+          </p:cNvPr>
+          <p:cNvSpPr txBox="1"/>
+          <p:nvPr/>
+        </p:nvSpPr>
+        <p:spPr>
+          <a:xfrm>
+            <a:off x="8272370" y="2039184"/>
+            <a:ext cx="3065968" cy="923330"/>
+          </a:xfrm>
+          <a:prstGeom prst="rect">
+            <a:avLst/>
+          </a:prstGeom>
+          <a:noFill/>
+        </p:spPr>
+        <p:txBody>
+          <a:bodyPr wrap="none" rtlCol="0">
+            <a:spAutoFit/>
+          </a:bodyPr>
+          <a:lstStyle/>
+          <a:p>
+            <a:r>
+              <a:rPr lang="en-US" dirty="0" err="1"/>
+              <a:t>Plotly</a:t>
+            </a:r>
+            <a:r>
+              <a:rPr lang="en-US" dirty="0"/>
+              <a:t>: To visualize a variety </a:t>
+            </a:r>
+          </a:p>
+          <a:p>
+            <a:r>
+              <a:rPr lang="en-US" dirty="0"/>
+              <a:t>of types of data stored in a</a:t>
+            </a:r>
+          </a:p>
+          <a:p>
+            <a:r>
+              <a:rPr lang="en-US" dirty="0"/>
+              <a:t> Pandas </a:t>
+            </a:r>
+            <a:r>
+              <a:rPr lang="en-US" dirty="0" err="1"/>
+              <a:t>DataFrame</a:t>
+            </a:r>
+            <a:r>
+              <a:rPr lang="en-US" dirty="0"/>
+              <a:t>.</a:t>
+            </a:r>
+          </a:p>
+        </p:txBody>
+      </p:sp>
       <p:pic>
         <p:nvPicPr>
-          <p:cNvPr id="6" name="Content Placeholder 5">
+          <p:cNvPr id="12" name="Content Placeholder 11">
             <a:extLst>
               <a:ext uri="{FF2B5EF4-FFF2-40B4-BE49-F238E27FC236}">
-                <a16:creationId xmlns:a16="http://schemas.microsoft.com/office/drawing/2014/main" id="{3C1C820F-6082-8E47-BA21-8F065B4740E2}"/>
+                <a16:creationId xmlns:a16="http://schemas.microsoft.com/office/drawing/2014/main" id="{9FFBF94D-281B-014C-986B-8C671FC79401}"/>
               </a:ext>
             </a:extLst>
           </p:cNvPr>
@@ -9872,130 +10065,14 @@
         </p:blipFill>
         <p:spPr>
           <a:xfrm>
-            <a:off x="1624775" y="2139038"/>
-            <a:ext cx="6277387" cy="3997325"/>
+            <a:off x="1223870" y="1885285"/>
+            <a:ext cx="7048500" cy="3327400"/>
           </a:xfrm>
           <a:prstGeom prst="rect">
             <a:avLst/>
           </a:prstGeom>
         </p:spPr>
       </p:pic>
-      <p:sp>
-        <p:nvSpPr>
-          <p:cNvPr id="4" name="Footer Placeholder 3">
-            <a:extLst>
-              <a:ext uri="{FF2B5EF4-FFF2-40B4-BE49-F238E27FC236}">
-                <a16:creationId xmlns:a16="http://schemas.microsoft.com/office/drawing/2014/main" id="{2D761AA3-B9F3-F348-9863-35A2F218621D}"/>
-              </a:ext>
-            </a:extLst>
-          </p:cNvPr>
-          <p:cNvSpPr>
-            <a:spLocks noGrp="1"/>
-          </p:cNvSpPr>
-          <p:nvPr>
-            <p:ph type="ftr" sz="quarter" idx="11"/>
-          </p:nvPr>
-        </p:nvSpPr>
-        <p:spPr/>
-        <p:txBody>
-          <a:bodyPr/>
-          <a:lstStyle/>
-          <a:p>
-            <a:r>
-              <a:rPr lang="en-US"/>
-              <a:t>Analytics Champs</a:t>
-            </a:r>
-          </a:p>
-        </p:txBody>
-      </p:sp>
-      <p:sp>
-        <p:nvSpPr>
-          <p:cNvPr id="5" name="Slide Number Placeholder 4">
-            <a:extLst>
-              <a:ext uri="{FF2B5EF4-FFF2-40B4-BE49-F238E27FC236}">
-                <a16:creationId xmlns:a16="http://schemas.microsoft.com/office/drawing/2014/main" id="{5B345430-43C9-D140-B08F-5B9BA7A17599}"/>
-              </a:ext>
-            </a:extLst>
-          </p:cNvPr>
-          <p:cNvSpPr>
-            <a:spLocks noGrp="1"/>
-          </p:cNvSpPr>
-          <p:nvPr>
-            <p:ph type="sldNum" sz="quarter" idx="12"/>
-          </p:nvPr>
-        </p:nvSpPr>
-        <p:spPr/>
-        <p:txBody>
-          <a:bodyPr/>
-          <a:lstStyle/>
-          <a:p>
-            <a:fld id="{AA7FCCEF-5269-F148-8240-F45095DC20FA}" type="slidenum">
-              <a:rPr lang="en-US" smtClean="0"/>
-              <a:t>7</a:t>
-            </a:fld>
-            <a:endParaRPr lang="en-US"/>
-          </a:p>
-        </p:txBody>
-      </p:sp>
-      <p:sp>
-        <p:nvSpPr>
-          <p:cNvPr id="7" name="TextBox 6">
-            <a:extLst>
-              <a:ext uri="{FF2B5EF4-FFF2-40B4-BE49-F238E27FC236}">
-                <a16:creationId xmlns:a16="http://schemas.microsoft.com/office/drawing/2014/main" id="{2F7766A1-1AA4-7E41-8388-CFE853110C17}"/>
-              </a:ext>
-            </a:extLst>
-          </p:cNvPr>
-          <p:cNvSpPr txBox="1"/>
-          <p:nvPr/>
-        </p:nvSpPr>
-        <p:spPr>
-          <a:xfrm>
-            <a:off x="7902162" y="2139038"/>
-            <a:ext cx="3065968" cy="923330"/>
-          </a:xfrm>
-          <a:prstGeom prst="rect">
-            <a:avLst/>
-          </a:prstGeom>
-          <a:noFill/>
-        </p:spPr>
-        <p:txBody>
-          <a:bodyPr wrap="none" rtlCol="0">
-            <a:spAutoFit/>
-          </a:bodyPr>
-          <a:lstStyle/>
-          <a:p>
-            <a:r>
-              <a:rPr lang="en-US" dirty="0" err="1"/>
-              <a:t>Plotly</a:t>
-            </a:r>
-            <a:r>
-              <a:rPr lang="en-US" dirty="0"/>
-              <a:t>: To visualize a variety </a:t>
-            </a:r>
-          </a:p>
-          <a:p>
-            <a:r>
-              <a:rPr lang="en-US" dirty="0"/>
-              <a:t>of types of data stored in a</a:t>
-            </a:r>
-          </a:p>
-          <a:p>
-            <a:r>
-              <a:rPr lang="en-US" dirty="0"/>
-              <a:t> Pandas </a:t>
-            </a:r>
-            <a:r>
-              <a:rPr lang="en-US" dirty="0" err="1"/>
-              <a:t>DataFrame</a:t>
-            </a:r>
-            <a:r>
-              <a:rPr lang="en-US" dirty="0"/>
-              <a:t>.</a:t>
-            </a:r>
-          </a:p>
-        </p:txBody>
-      </p:sp>
     </p:spTree>
     <p:extLst>
       <p:ext uri="{BB962C8B-B14F-4D97-AF65-F5344CB8AC3E}">
